--- a/Bpdu Spoofing Project/Slide.pptx
+++ b/Bpdu Spoofing Project/Slide.pptx
@@ -11,7 +11,12 @@
     <p:sldId id="262" r:id="rId5"/>
     <p:sldId id="264" r:id="rId6"/>
     <p:sldId id="265" r:id="rId7"/>
-    <p:sldId id="266" r:id="rId8"/>
+    <p:sldId id="270" r:id="rId8"/>
+    <p:sldId id="271" r:id="rId9"/>
+    <p:sldId id="266" r:id="rId10"/>
+    <p:sldId id="267" r:id="rId11"/>
+    <p:sldId id="268" r:id="rId12"/>
+    <p:sldId id="269" r:id="rId13"/>
   </p:sldIdLst>
   <p:sldSz cx="12192000" cy="6858000"/>
   <p:notesSz cx="6858000" cy="9144000"/>
@@ -121,7 +126,12 @@
             <p14:sldId id="262"/>
             <p14:sldId id="264"/>
             <p14:sldId id="265"/>
+            <p14:sldId id="270"/>
+            <p14:sldId id="271"/>
             <p14:sldId id="266"/>
+            <p14:sldId id="267"/>
+            <p14:sldId id="268"/>
+            <p14:sldId id="269"/>
           </p14:sldIdLst>
         </p14:section>
         <p14:section name="Untitled Section" id="{07030D82-DA42-43BA-9A71-EBD3AC6AAB86}">
@@ -477,15 +487,14 @@
           <inkml:channelProperty channel="F" name="resolution" value="0" units="1/dev"/>
         </inkml:channelProperties>
       </inkml:inkSource>
-      <inkml:timestamp xml:id="ts0" timeString="2025-01-21T20:13:36.512"/>
+      <inkml:timestamp xml:id="ts0" timeString="2025-01-23T12:40:30.364"/>
     </inkml:context>
     <inkml:brush xml:id="br0">
       <inkml:brushProperty name="width" value="0.035" units="cm"/>
       <inkml:brushProperty name="height" value="0.035" units="cm"/>
-      <inkml:brushProperty name="color" value="#E71224"/>
     </inkml:brush>
   </inkml:definitions>
-  <inkml:trace contextRef="#ctx0" brushRef="#br0">3 107 24575,'-3'214'0,"7"237"0,19-290 0,-1 7 0,-22-111 0,-1-39 0,1-1 0,0 1 0,2-1 0,0 1 0,5 20 0,-6-34 0,1 0 0,-1 0 0,1 0 0,0 0 0,0 0 0,1 0 0,-1 0 0,1-1 0,0 1 0,0-1 0,0 0 0,0 0 0,0 0 0,1 0 0,-1-1 0,1 1 0,0-1 0,0 0 0,0 0 0,0 0 0,0 0 0,0-1 0,0 0 0,1 0 0,5 1 0,38 3 0,1-2 0,-1-3 0,66-6 0,13-1 0,402 7 0,-499 2 0,0 1 0,0 1 0,34 10 0,-28-6 0,62 7 0,-32-11 0,103-7 0,-164 2 0,0 1 0,-1-1 0,1 0 0,0-1 0,-1 1 0,1-1 0,-1 0 0,1 0 0,-1-1 0,0 1 0,0-1 0,0 0 0,0 0 0,0 0 0,-1 0 0,1-1 0,-1 1 0,0-1 0,0 0 0,0 0 0,-1 0 0,1-1 0,-1 1 0,0-1 0,-1 1 0,1-1 0,-1 1 0,1-1 0,0-7 0,1-15 0,0 1 0,-2-1 0,-1 1 0,-4-36 0,1 17 0,-3-646 0,6 494 0,0 190 0,0 0 0,-1-1 0,0 1 0,0 0 0,-1 0 0,0 0 0,0 0 0,-1 1 0,0-1 0,0 1 0,0-1 0,-1 1 0,0 0 0,0 0 0,-7-7 0,4 6 0,-1 0 0,0 1 0,0-1 0,0 1 0,-1 1 0,0 0 0,0 0 0,-1 0 0,1 2 0,-15-5 0,-13 0 0,0 2 0,-1 2 0,0 2 0,0 1 0,-59 6 0,5-1 0,-575-3 31,377-1-1427,249 0-5430</inkml:trace>
+  <inkml:trace contextRef="#ctx0" brushRef="#br0">0 0 24575,'0'7'0,"0"8"0,0 2-8191</inkml:trace>
 </inkml:ink>
 </file>
 
@@ -497,23 +506,24 @@
         <inkml:traceFormat>
           <inkml:channel name="X" type="integer" min="-2.14748E9" max="2.14748E9" units="cm"/>
           <inkml:channel name="Y" type="integer" min="-2.14748E9" max="2.14748E9" units="cm"/>
-          <inkml:channel name="F" type="integer" max="32767" units="dev"/>
         </inkml:traceFormat>
         <inkml:channelProperties>
           <inkml:channelProperty channel="X" name="resolution" value="1000" units="1/cm"/>
           <inkml:channelProperty channel="Y" name="resolution" value="1000" units="1/cm"/>
-          <inkml:channelProperty channel="F" name="resolution" value="0" units="1/dev"/>
         </inkml:channelProperties>
       </inkml:inkSource>
-      <inkml:timestamp xml:id="ts0" timeString="2025-01-21T20:13:49.599"/>
+      <inkml:timestamp xml:id="ts0" timeString="2025-01-23T13:45:30.935"/>
     </inkml:context>
     <inkml:brush xml:id="br0">
-      <inkml:brushProperty name="width" value="0.035" units="cm"/>
-      <inkml:brushProperty name="height" value="0.035" units="cm"/>
-      <inkml:brushProperty name="color" value="#E71224"/>
+      <inkml:brushProperty name="width" value="0.3" units="cm"/>
+      <inkml:brushProperty name="height" value="0.6" units="cm"/>
+      <inkml:brushProperty name="color" value="#FFFC00"/>
+      <inkml:brushProperty name="tip" value="rectangle"/>
+      <inkml:brushProperty name="rasterOp" value="maskPen"/>
+      <inkml:brushProperty name="ignorePressure" value="1"/>
     </inkml:brush>
   </inkml:definitions>
-  <inkml:trace contextRef="#ctx0" brushRef="#br0">0 99 24575,'41'0'0,"-6"1"0,0-1 0,0-2 0,0-1 0,50-12 0,-25 2 0,0 3 0,1 3 0,94 1 0,69-8 0,19-7 0,344 12 0,-333 12 0,1052-3 0,-1265 2 0,1 2 0,56 13 0,-49-7 0,55 3 0,428-9 0,-275-7 0,-183 2-455,0 4 0,144 24 0,-177-18-6371</inkml:trace>
+  <inkml:trace contextRef="#ctx0" brushRef="#br0">0 0,'1179'0,"-1101"4,116 20,-71-6,544 79,-551-85,0-4,151-11,-76 0,227 18,685 49,-765-63,202-4,-240-16,172-2,-459 21,70 2,0-4,127-20,209-26,-91 43,-42 1,-150-14,5 0,496 15,-326 6,2620-3,-2872 0</inkml:trace>
 </inkml:ink>
 </file>
 
@@ -533,15 +543,14 @@
           <inkml:channelProperty channel="F" name="resolution" value="0" units="1/dev"/>
         </inkml:channelProperties>
       </inkml:inkSource>
-      <inkml:timestamp xml:id="ts0" timeString="2025-01-21T20:13:54.694"/>
+      <inkml:timestamp xml:id="ts0" timeString="2025-01-23T16:41:57.038"/>
     </inkml:context>
     <inkml:brush xml:id="br0">
       <inkml:brushProperty name="width" value="0.035" units="cm"/>
       <inkml:brushProperty name="height" value="0.035" units="cm"/>
-      <inkml:brushProperty name="color" value="#E71224"/>
     </inkml:brush>
   </inkml:definitions>
-  <inkml:trace contextRef="#ctx0" brushRef="#br0">0 922 24575,'8'-1'0,"-1"0"0,0 0 0,0-1 0,0 0 0,0 0 0,8-5 0,23-6 0,36 2 0,0 3 0,0 3 0,119 8 0,-76-1 0,-31-6 0,-1-3 0,120-26 0,-111 10 0,-63 15 0,1 1 0,59-6 0,351 10 0,-215 6 0,-218-3 0,-1 0 0,1 0 0,0-1 0,-1 0 0,1-1 0,-1 0 0,0 0 0,1-1 0,8-3 0,-14 3 0,1 1 0,0-1 0,-1 0 0,1 0 0,-1 0 0,0 0 0,0 0 0,0-1 0,-1 1 0,1-1 0,-1 0 0,0 0 0,0 0 0,0 0 0,0 0 0,-1 0 0,0 0 0,0-1 0,1-7 0,4-36 0,-3 0 0,-2 0 0,-8-70 0,1-6 0,8 60 0,0 45 0,-1 0 0,-1 0 0,-1 0 0,0 0 0,-1 1 0,-9-36 0,9 50 0,-1 0 0,1 0 0,0 0 0,-1 1 0,0-1 0,0 1 0,0-1 0,0 1 0,-1 0 0,1 0 0,-1 0 0,0 1 0,1-1 0,-1 1 0,-1 0 0,1 0 0,0 1 0,0-1 0,-1 1 0,1 0 0,0 0 0,-6-1 0,-12 0 0,0 0 0,0 1 0,-29 3 0,30-1 0,-124 1 0,-101 6 0,220-5 0,-50 15 0,-20 3 0,26-15 0,38-4 0,-1 1 0,-46 11 0,38-5 0,0-3 0,-1-1 0,-42 0 0,-13 0 0,62 0 0,-46 12 0,49-9 0,1-2 0,-34 3 0,-141-7-529,176-2-307,-11 0-5990</inkml:trace>
+  <inkml:trace contextRef="#ctx0" brushRef="#br0">1 269 24575,'9'-9'0,"0"-2"0,1 1 0,0 1 0,0 0 0,1 0 0,0 1 0,14-7 0,9-1 0,2 1 0,0 1 0,67-14 0,-70 19 0,47-14 0,-45 12 0,0 1 0,0 2 0,1 1 0,53-3 0,125-8 0,27 0 0,-135 17 0,129 5 0,-229-3 0,0 0 0,0 1 0,0 0 0,0 1 0,0-1 0,0 1 0,-1 0 0,1 0 0,-1 1 0,0 0 0,0 0 0,0 0 0,0 0 0,-1 1 0,0 0 0,7 10 0,6 10 0,0 1 0,14 35 0,-19-39 0,-4-7 0,0 1 0,-1 0 0,0 0 0,-1 0 0,-1 1 0,-1 0 0,-1 0 0,0 0 0,-1 1 0,-1-1 0,0 1 0,-1-1 0,-1 1 0,-7 32 0,7-42 0,-1 0 0,0-1 0,0 1 0,-1-1 0,0 1 0,-1-1 0,1 0 0,-1 0 0,0-1 0,-1 1 0,0-1 0,0 0 0,0 0 0,-1-1 0,0 1 0,0-1 0,0-1 0,-1 1 0,1-1 0,-1 0 0,-10 4 0,-5 2 0,-1 0 0,0-2 0,0-1 0,-1-1 0,-46 7 0,6-8 0,-67-4 0,59 1 0,-77 13 0,-28 2 0,84-18 0,-170-25 0,180 15 0,61 8 0,0-1 0,0-1 0,1 0 0,-26-11 0,39 13 0,1-1 0,-1 0 0,0 0 0,1 0 0,0-1 0,0 0 0,1 0 0,-1-1 0,1 0 0,0 0 0,0-1 0,1 1 0,-8-14 0,3 1-151,0-1-1,1 0 0,1-1 0,1 0 1,0 0-1,2-1 0,1 0 1,-3-34-1,6 24-6674</inkml:trace>
 </inkml:ink>
 </file>
 
@@ -561,15 +570,14 @@
           <inkml:channelProperty channel="F" name="resolution" value="0" units="1/dev"/>
         </inkml:channelProperties>
       </inkml:inkSource>
-      <inkml:timestamp xml:id="ts0" timeString="2025-01-21T20:13:58.094"/>
+      <inkml:timestamp xml:id="ts0" timeString="2025-01-23T16:42:02.530"/>
     </inkml:context>
     <inkml:brush xml:id="br0">
       <inkml:brushProperty name="width" value="0.035" units="cm"/>
       <inkml:brushProperty name="height" value="0.035" units="cm"/>
-      <inkml:brushProperty name="color" value="#E71224"/>
     </inkml:brush>
   </inkml:definitions>
-  <inkml:trace contextRef="#ctx0" brushRef="#br0">4408 2 24575,'-17'0'0,"-37"-1"0,0 2 0,1 3 0,-54 11 0,-44 14 0,0-6 0,-271 4 0,-371-29 0,735 5 0,-107 19 0,102-11 0,-79 3 0,-729-13 0,413-3 0,-350 2-1365,768 0-5461</inkml:trace>
+  <inkml:trace contextRef="#ctx0" brushRef="#br0">163 0 24486,'-163'534'0,"3343"432"0,-3018-1499 0,-3341-434 0</inkml:trace>
 </inkml:ink>
 </file>
 
@@ -589,15 +597,153 @@
           <inkml:channelProperty channel="F" name="resolution" value="0" units="1/dev"/>
         </inkml:channelProperties>
       </inkml:inkSource>
-      <inkml:timestamp xml:id="ts0" timeString="2025-01-21T20:14:02.351"/>
+      <inkml:timestamp xml:id="ts0" timeString="2025-01-23T16:42:16.076"/>
     </inkml:context>
     <inkml:brush xml:id="br0">
       <inkml:brushProperty name="width" value="0.035" units="cm"/>
       <inkml:brushProperty name="height" value="0.035" units="cm"/>
-      <inkml:brushProperty name="color" value="#E71224"/>
     </inkml:brush>
   </inkml:definitions>
-  <inkml:trace contextRef="#ctx0" brushRef="#br0">1 774 24575,'0'-2'0,"0"0"0,1 1 0,-1-1 0,1 0 0,0 1 0,0-1 0,-1 1 0,1-1 0,0 1 0,0-1 0,0 1 0,1 0 0,-1-1 0,0 1 0,0 0 0,1 0 0,-1 0 0,1 0 0,-1 0 0,1 0 0,-1 0 0,1 1 0,-1-1 0,1 0 0,0 1 0,3-1 0,51-10 0,-51 11 0,114-9 0,165 10 0,-113 2 0,964-3 0,-1124 0 0,1 0 0,-1 0 0,0-1 0,0-1 0,0 0 0,20-6 0,-29 7 0,1 0 0,0-1 0,-1 1 0,0-1 0,1 1 0,-1-1 0,0 0 0,0 0 0,0 0 0,0 0 0,0-1 0,0 1 0,-1 0 0,1-1 0,-1 1 0,0-1 0,1 0 0,-1 1 0,-1-1 0,1 0 0,0 0 0,0 1 0,-1-1 0,0 0 0,0 0 0,0 0 0,0 0 0,0 0 0,0 0 0,-1 1 0,-1-7 0,-2-10 0,-1 0 0,-1 1 0,-10-23 0,8 22 0,1 0 0,1 0 0,-5-23 0,1-74 0,9 89 0,0 0 0,-2 0 0,-1 0 0,-2 1 0,-8-28 0,12 49 0,-1 0 0,1 0 0,-1 0 0,0 1 0,0 0 0,0-1 0,-1 1 0,0 0 0,1 1 0,-1-1 0,-1 1 0,1-1 0,0 1 0,-1 1 0,0-1 0,-7-3 0,-8-1 0,0 0 0,-40-8 0,35 10 0,-29-5 0,0 2 0,-75-1 0,-115 11 0,85 1 0,19-5 0,-150 5 0,264 1 0,0 1 0,-24 8 0,-46 8 0,55-18-22,23-2-425,0 1-1,-32 7 0,20 2-6378</inkml:trace>
+  <inkml:trace contextRef="#ctx0" brushRef="#br0">0 0 24517,'0'619'0,"3681"-619"0,-3681-619 0,-3681 619 0</inkml:trace>
+</inkml:ink>
+</file>
+
+<file path=ppt/ink/ink25.xml><?xml version="1.0" encoding="utf-8"?>
+<inkml:ink xmlns:inkml="http://www.w3.org/2003/InkML">
+  <inkml:definitions>
+    <inkml:context xml:id="ctx0">
+      <inkml:inkSource xml:id="inkSrc0">
+        <inkml:traceFormat>
+          <inkml:channel name="X" type="integer" min="-2.14748E9" max="2.14748E9" units="cm"/>
+          <inkml:channel name="Y" type="integer" min="-2.14748E9" max="2.14748E9" units="cm"/>
+          <inkml:channel name="F" type="integer" max="32767" units="dev"/>
+        </inkml:traceFormat>
+        <inkml:channelProperties>
+          <inkml:channelProperty channel="X" name="resolution" value="1000" units="1/cm"/>
+          <inkml:channelProperty channel="Y" name="resolution" value="1000" units="1/cm"/>
+          <inkml:channelProperty channel="F" name="resolution" value="0" units="1/dev"/>
+        </inkml:channelProperties>
+      </inkml:inkSource>
+      <inkml:timestamp xml:id="ts0" timeString="2025-01-23T16:43:07.832"/>
+    </inkml:context>
+    <inkml:brush xml:id="br0">
+      <inkml:brushProperty name="width" value="0.035" units="cm"/>
+      <inkml:brushProperty name="height" value="0.035" units="cm"/>
+    </inkml:brush>
+  </inkml:definitions>
+  <inkml:trace contextRef="#ctx0" brushRef="#br0">0 0 24476,'24453'4095'0</inkml:trace>
+</inkml:ink>
+</file>
+
+<file path=ppt/ink/ink26.xml><?xml version="1.0" encoding="utf-8"?>
+<inkml:ink xmlns:inkml="http://www.w3.org/2003/InkML">
+  <inkml:definitions>
+    <inkml:context xml:id="ctx0">
+      <inkml:inkSource xml:id="inkSrc0">
+        <inkml:traceFormat>
+          <inkml:channel name="X" type="integer" min="-2.14748E9" max="2.14748E9" units="cm"/>
+          <inkml:channel name="Y" type="integer" min="-2.14748E9" max="2.14748E9" units="cm"/>
+          <inkml:channel name="F" type="integer" max="32767" units="dev"/>
+        </inkml:traceFormat>
+        <inkml:channelProperties>
+          <inkml:channelProperty channel="X" name="resolution" value="1000" units="1/cm"/>
+          <inkml:channelProperty channel="Y" name="resolution" value="1000" units="1/cm"/>
+          <inkml:channelProperty channel="F" name="resolution" value="0" units="1/dev"/>
+        </inkml:channelProperties>
+      </inkml:inkSource>
+      <inkml:timestamp xml:id="ts0" timeString="2025-01-23T16:43:14.967"/>
+    </inkml:context>
+    <inkml:brush xml:id="br0">
+      <inkml:brushProperty name="width" value="0.035" units="cm"/>
+      <inkml:brushProperty name="height" value="0.035" units="cm"/>
+    </inkml:brush>
+  </inkml:definitions>
+  <inkml:trace contextRef="#ctx0" brushRef="#br0">0 0 24227,'24376'4890'0</inkml:trace>
+</inkml:ink>
+</file>
+
+<file path=ppt/ink/ink27.xml><?xml version="1.0" encoding="utf-8"?>
+<inkml:ink xmlns:inkml="http://www.w3.org/2003/InkML">
+  <inkml:definitions>
+    <inkml:context xml:id="ctx0">
+      <inkml:inkSource xml:id="inkSrc0">
+        <inkml:traceFormat>
+          <inkml:channel name="X" type="integer" min="-2.14748E9" max="2.14748E9" units="cm"/>
+          <inkml:channel name="Y" type="integer" min="-2.14748E9" max="2.14748E9" units="cm"/>
+        </inkml:traceFormat>
+        <inkml:channelProperties>
+          <inkml:channelProperty channel="X" name="resolution" value="1000" units="1/cm"/>
+          <inkml:channelProperty channel="Y" name="resolution" value="1000" units="1/cm"/>
+        </inkml:channelProperties>
+      </inkml:inkSource>
+      <inkml:timestamp xml:id="ts0" timeString="2025-01-23T13:16:48.457"/>
+    </inkml:context>
+    <inkml:brush xml:id="br0">
+      <inkml:brushProperty name="width" value="0.3" units="cm"/>
+      <inkml:brushProperty name="height" value="0.6" units="cm"/>
+      <inkml:brushProperty name="color" value="#FFFC00"/>
+      <inkml:brushProperty name="tip" value="rectangle"/>
+      <inkml:brushProperty name="rasterOp" value="maskPen"/>
+      <inkml:brushProperty name="ignorePressure" value="1"/>
+    </inkml:brush>
+  </inkml:definitions>
+  <inkml:trace contextRef="#ctx0" brushRef="#br0">0 0,'33'3,"-1"0,1 3,-1 0,32 12,48 9,27-7,-73-12,-1 3,74 22,-103-23,0-2,1-1,70 4,115-12,-97-2,439 29,-71-12,-142-10,-115 14,70 3,842-18,-590-6,1346 3,-1632-21,3 0,1014 23,-1220-6,89-14,49-4,57 23,-228-1</inkml:trace>
+</inkml:ink>
+</file>
+
+<file path=ppt/ink/ink28.xml><?xml version="1.0" encoding="utf-8"?>
+<inkml:ink xmlns:inkml="http://www.w3.org/2003/InkML">
+  <inkml:definitions>
+    <inkml:context xml:id="ctx0">
+      <inkml:inkSource xml:id="inkSrc0">
+        <inkml:traceFormat>
+          <inkml:channel name="X" type="integer" min="-2.14748E9" max="2.14748E9" units="cm"/>
+          <inkml:channel name="Y" type="integer" min="-2.14748E9" max="2.14748E9" units="cm"/>
+        </inkml:traceFormat>
+        <inkml:channelProperties>
+          <inkml:channelProperty channel="X" name="resolution" value="1000" units="1/cm"/>
+          <inkml:channelProperty channel="Y" name="resolution" value="1000" units="1/cm"/>
+        </inkml:channelProperties>
+      </inkml:inkSource>
+      <inkml:timestamp xml:id="ts0" timeString="2025-01-23T13:16:50.351"/>
+    </inkml:context>
+    <inkml:brush xml:id="br0">
+      <inkml:brushProperty name="width" value="0.3" units="cm"/>
+      <inkml:brushProperty name="height" value="0.6" units="cm"/>
+      <inkml:brushProperty name="color" value="#FFFC00"/>
+      <inkml:brushProperty name="tip" value="rectangle"/>
+      <inkml:brushProperty name="rasterOp" value="maskPen"/>
+      <inkml:brushProperty name="ignorePressure" value="1"/>
+    </inkml:brush>
+  </inkml:definitions>
+  <inkml:trace contextRef="#ctx0" brushRef="#br0">12150 213,'-51'3,"-69"11,0 1,-29-7,57-5,-124 21,-11 23,75-14,-2-6,-171 7,-52-34,181-3,-305 32,402-14,-193 19,-267-39,-5-39,245 17,-116-4,-684-72,706 64,-102-16,-118-19,-3 45,489 24,-251-20,179 10,-2-3,-151-6,249 23,0 5,-130 21,144-12,0-6,-163-8,97-1,64 0,13 0,-1 4,-99 16,94-5,-1-5,1-4,-1-5,-170-23,156 12,72 8</inkml:trace>
+</inkml:ink>
+</file>
+
+<file path=ppt/ink/ink29.xml><?xml version="1.0" encoding="utf-8"?>
+<inkml:ink xmlns:inkml="http://www.w3.org/2003/InkML">
+  <inkml:definitions>
+    <inkml:context xml:id="ctx0">
+      <inkml:inkSource xml:id="inkSrc0">
+        <inkml:traceFormat>
+          <inkml:channel name="X" type="integer" min="-2.14748E9" max="2.14748E9" units="cm"/>
+          <inkml:channel name="Y" type="integer" min="-2.14748E9" max="2.14748E9" units="cm"/>
+          <inkml:channel name="F" type="integer" max="32767" units="dev"/>
+        </inkml:traceFormat>
+        <inkml:channelProperties>
+          <inkml:channelProperty channel="X" name="resolution" value="1000" units="1/cm"/>
+          <inkml:channelProperty channel="Y" name="resolution" value="1000" units="1/cm"/>
+          <inkml:channelProperty channel="F" name="resolution" value="0" units="1/dev"/>
+        </inkml:channelProperties>
+      </inkml:inkSource>
+      <inkml:timestamp xml:id="ts0" timeString="2025-01-23T13:48:07.902"/>
+    </inkml:context>
+    <inkml:brush xml:id="br0">
+      <inkml:brushProperty name="width" value="0.035" units="cm"/>
+      <inkml:brushProperty name="height" value="0.035" units="cm"/>
+    </inkml:brush>
+  </inkml:definitions>
+  <inkml:trace contextRef="#ctx0" brushRef="#br0">361 1 24575,'-19'0'0,"-1"0"0,1 1 0,-1 2 0,1 0 0,-26 7 0,36-7 0,0 1 0,0 0 0,1 0 0,-1 1 0,1 0 0,0 1 0,1 0 0,-1 0 0,1 0 0,0 1 0,1 0 0,-12 16 0,3-3 0,1 1 0,1 1 0,1 0 0,1 1 0,1 0 0,-10 33 0,17-45 0,1 1 0,0 0 0,0 0 0,1 1 0,1-1 0,0 0 0,1 0 0,0 0 0,1 0 0,0 0 0,1 0 0,0 0 0,1 0 0,0-1 0,8 15 0,-4-13 0,0 1 0,1-1 0,0-1 0,1 0 0,1 0 0,0-1 0,0 0 0,1-1 0,0 0 0,21 12 0,8 1 0,2-1 0,49 16 0,-1 1 0,-36-9-55,14 6 209,-64-34-276,1 0 0,-1-1 0,1 0 0,-1 1 0,1-2 0,-1 1 0,1-1 0,-1 0 0,1 0 0,0 0 0,9-3 0,8-4-6704</inkml:trace>
 </inkml:ink>
 </file>
 
@@ -628,6 +774,276 @@
 </inkml:ink>
 </file>
 
+<file path=ppt/ink/ink30.xml><?xml version="1.0" encoding="utf-8"?>
+<inkml:ink xmlns:inkml="http://www.w3.org/2003/InkML">
+  <inkml:definitions>
+    <inkml:context xml:id="ctx0">
+      <inkml:inkSource xml:id="inkSrc0">
+        <inkml:traceFormat>
+          <inkml:channel name="X" type="integer" min="-2.14748E9" max="2.14748E9" units="cm"/>
+          <inkml:channel name="Y" type="integer" min="-2.14748E9" max="2.14748E9" units="cm"/>
+          <inkml:channel name="F" type="integer" max="32767" units="dev"/>
+        </inkml:traceFormat>
+        <inkml:channelProperties>
+          <inkml:channelProperty channel="X" name="resolution" value="1000" units="1/cm"/>
+          <inkml:channelProperty channel="Y" name="resolution" value="1000" units="1/cm"/>
+          <inkml:channelProperty channel="F" name="resolution" value="0" units="1/dev"/>
+        </inkml:channelProperties>
+      </inkml:inkSource>
+      <inkml:timestamp xml:id="ts0" timeString="2025-01-23T13:48:08.738"/>
+    </inkml:context>
+    <inkml:brush xml:id="br0">
+      <inkml:brushProperty name="width" value="0.035" units="cm"/>
+      <inkml:brushProperty name="height" value="0.035" units="cm"/>
+    </inkml:brush>
+  </inkml:definitions>
+  <inkml:trace contextRef="#ctx0" brushRef="#br0">1 79 24575,'7'-7'0,"1"0"0,0 0 0,1 1 0,0 0 0,0 1 0,0-1 0,0 2 0,1 0 0,0 0 0,14-4 0,-4 4 0,1 0 0,0 1 0,1 1 0,21 0 0,-36 3 0,1 0 0,-1 0 0,0 0 0,0 1 0,0 0 0,0 0 0,0 1 0,-1 0 0,1 0 0,-1 0 0,0 1 0,0 0 0,0 1 0,0-1 0,-1 1 0,1 0 0,-1 0 0,-1 1 0,1-1 0,-1 1 0,0 0 0,6 11 0,-7-10 0,1-1 0,-1 1 0,-1 0 0,1 0 0,-1 0 0,0 0 0,-1 0 0,0 0 0,0 0 0,0 1 0,-1-1 0,0 0 0,-1 1 0,1-1 0,-1 0 0,-1 0 0,1 0 0,-1 0 0,-1 0 0,1 0 0,-1 0 0,-6 10 0,6-13 0,1-1 0,-1 1 0,0-1 0,0 0 0,0 0 0,0 0 0,0 0 0,-1 0 0,1-1 0,-1 1 0,0-1 0,0 0 0,0 0 0,0 0 0,0-1 0,0 0 0,0 1 0,-1-1 0,1-1 0,0 1 0,-1-1 0,1 0 0,0 0 0,-1 0 0,1 0 0,-1-1 0,1 1 0,0-1 0,0 0 0,-1-1 0,1 1 0,0-1 0,0 0 0,0 0 0,0 0 0,-3-3 0,-3-1 0,1 0 0,1-1 0,-1 1 0,1-2 0,0 1 0,0-1 0,1 0 0,0-1 0,1 0 0,0 0 0,0 0 0,1-1 0,-7-16 0,7 8-273,2 0 0,0 0 0,0 0 0,1-36 0,3 18-6553</inkml:trace>
+</inkml:ink>
+</file>
+
+<file path=ppt/ink/ink31.xml><?xml version="1.0" encoding="utf-8"?>
+<inkml:ink xmlns:inkml="http://www.w3.org/2003/InkML">
+  <inkml:definitions>
+    <inkml:context xml:id="ctx0">
+      <inkml:inkSource xml:id="inkSrc0">
+        <inkml:traceFormat>
+          <inkml:channel name="X" type="integer" min="-2.14748E9" max="2.14748E9" units="cm"/>
+          <inkml:channel name="Y" type="integer" min="-2.14748E9" max="2.14748E9" units="cm"/>
+          <inkml:channel name="F" type="integer" max="32767" units="dev"/>
+        </inkml:traceFormat>
+        <inkml:channelProperties>
+          <inkml:channelProperty channel="X" name="resolution" value="1000" units="1/cm"/>
+          <inkml:channelProperty channel="Y" name="resolution" value="1000" units="1/cm"/>
+          <inkml:channelProperty channel="F" name="resolution" value="0" units="1/dev"/>
+        </inkml:channelProperties>
+      </inkml:inkSource>
+      <inkml:timestamp xml:id="ts0" timeString="2025-01-23T13:48:09.840"/>
+    </inkml:context>
+    <inkml:brush xml:id="br0">
+      <inkml:brushProperty name="width" value="0.035" units="cm"/>
+      <inkml:brushProperty name="height" value="0.035" units="cm"/>
+    </inkml:brush>
+  </inkml:definitions>
+  <inkml:trace contextRef="#ctx0" brushRef="#br0">1 1 24575,'3'0'0,"-1"1"0,1-1 0,0 1 0,0 0 0,-1 0 0,1 0 0,0 0 0,-1 1 0,1-1 0,-1 1 0,0-1 0,1 1 0,-1 0 0,0 0 0,0 0 0,0 0 0,0 0 0,-1 0 0,1 1 0,0-1 0,-1 1 0,0-1 0,0 1 0,1-1 0,-1 1 0,0 3 0,4 8 0,-1 1 0,0-1 0,2 24 0,40 311 0,-45-337 0,0-4 0,-1 0 0,1-1 0,1 1 0,-1 0 0,1-1 0,1 1 0,-1-1 0,1 1 0,5 7 0,-7-15 0,-1-1 0,1 1 0,0-1 0,0 1 0,-1 0 0,1-1 0,-1 0 0,1 1 0,-1-1 0,1 1 0,-1-1 0,1 0 0,-1 1 0,1-1 0,-1 0 0,0 1 0,1-1 0,-1 0 0,0 0 0,0 1 0,1-1 0,-1 0 0,0 0 0,0-1 0,9-27 0,-8 27 0,16-54 0,3 1 0,38-74 0,-44 102 0,2 0 0,1 1 0,1 0 0,1 2 0,1 0 0,30-28 0,-47 50 0,0-1 0,0 0 0,0 1 0,0 0 0,1-1 0,-1 2 0,1-1 0,-1 0 0,1 0 0,0 1 0,0 0 0,0 0 0,0 0 0,-1 0 0,1 1 0,0-1 0,0 1 0,1 0 0,4 1 0,-5 0 0,0 1 0,0-1 0,0 1 0,-1 0 0,1 0 0,0 0 0,-1 0 0,0 1 0,1 0 0,-1-1 0,0 1 0,0 0 0,-1 0 0,1 1 0,-1-1 0,1 1 0,-1-1 0,3 8 0,3 6 14,-1 1 0,-1 0 0,-1 0 0,0 1-1,-1 0 1,2 32 0,-4 119-902,-2-143 314,-1 14-6252</inkml:trace>
+</inkml:ink>
+</file>
+
+<file path=ppt/ink/ink32.xml><?xml version="1.0" encoding="utf-8"?>
+<inkml:ink xmlns:inkml="http://www.w3.org/2003/InkML">
+  <inkml:definitions>
+    <inkml:context xml:id="ctx0">
+      <inkml:inkSource xml:id="inkSrc0">
+        <inkml:traceFormat>
+          <inkml:channel name="X" type="integer" min="-2.14748E9" max="2.14748E9" units="cm"/>
+          <inkml:channel name="Y" type="integer" min="-2.14748E9" max="2.14748E9" units="cm"/>
+          <inkml:channel name="F" type="integer" max="32767" units="dev"/>
+        </inkml:traceFormat>
+        <inkml:channelProperties>
+          <inkml:channelProperty channel="X" name="resolution" value="1000" units="1/cm"/>
+          <inkml:channelProperty channel="Y" name="resolution" value="1000" units="1/cm"/>
+          <inkml:channelProperty channel="F" name="resolution" value="0" units="1/dev"/>
+        </inkml:channelProperties>
+      </inkml:inkSource>
+      <inkml:timestamp xml:id="ts0" timeString="2025-01-23T13:48:10.492"/>
+    </inkml:context>
+    <inkml:brush xml:id="br0">
+      <inkml:brushProperty name="width" value="0.035" units="cm"/>
+      <inkml:brushProperty name="height" value="0.035" units="cm"/>
+    </inkml:brush>
+  </inkml:definitions>
+  <inkml:trace contextRef="#ctx0" brushRef="#br0">2 1120 24575,'-2'-134'0,"10"-233"0,-4 320 0,3 1 0,1 1 0,3-1 0,1 1 0,34-78 0,-37 104 0,1 0 0,1 0 0,0 1 0,1 1 0,1 0 0,1 1 0,1 0 0,0 1 0,27-21 0,-28 26 0,0 1 0,1 1 0,-1 0 0,2 1 0,-1 1 0,1 0 0,0 1 0,0 0 0,1 2 0,0 0 0,-1 1 0,29-1 0,-21 4-227,0 1-1,-1 1 1,1 1-1,-1 1 1,35 12-1,-32-9-6598</inkml:trace>
+</inkml:ink>
+</file>
+
+<file path=ppt/ink/ink33.xml><?xml version="1.0" encoding="utf-8"?>
+<inkml:ink xmlns:inkml="http://www.w3.org/2003/InkML">
+  <inkml:definitions>
+    <inkml:context xml:id="ctx0">
+      <inkml:inkSource xml:id="inkSrc0">
+        <inkml:traceFormat>
+          <inkml:channel name="X" type="integer" min="-2.14748E9" max="2.14748E9" units="cm"/>
+          <inkml:channel name="Y" type="integer" min="-2.14748E9" max="2.14748E9" units="cm"/>
+          <inkml:channel name="F" type="integer" max="32767" units="dev"/>
+        </inkml:traceFormat>
+        <inkml:channelProperties>
+          <inkml:channelProperty channel="X" name="resolution" value="1000" units="1/cm"/>
+          <inkml:channelProperty channel="Y" name="resolution" value="1000" units="1/cm"/>
+          <inkml:channelProperty channel="F" name="resolution" value="0" units="1/dev"/>
+        </inkml:channelProperties>
+      </inkml:inkSource>
+      <inkml:timestamp xml:id="ts0" timeString="2025-01-23T13:48:10.928"/>
+    </inkml:context>
+    <inkml:brush xml:id="br0">
+      <inkml:brushProperty name="width" value="0.035" units="cm"/>
+      <inkml:brushProperty name="height" value="0.035" units="cm"/>
+    </inkml:brush>
+  </inkml:definitions>
+  <inkml:trace contextRef="#ctx0" brushRef="#br0">0 0 24575,'20'0'0,"27"0"0,26 0 0,7 0 0,-3 0 0,-8 0 0,-10 0 0,-7 0 0,-6 0 0,3 0 0,-1 7 0,-1 2 0,-9 0-8191</inkml:trace>
+</inkml:ink>
+</file>
+
+<file path=ppt/ink/ink34.xml><?xml version="1.0" encoding="utf-8"?>
+<inkml:ink xmlns:inkml="http://www.w3.org/2003/InkML">
+  <inkml:definitions>
+    <inkml:context xml:id="ctx0">
+      <inkml:inkSource xml:id="inkSrc0">
+        <inkml:traceFormat>
+          <inkml:channel name="X" type="integer" min="-2.14748E9" max="2.14748E9" units="cm"/>
+          <inkml:channel name="Y" type="integer" min="-2.14748E9" max="2.14748E9" units="cm"/>
+          <inkml:channel name="F" type="integer" max="32767" units="dev"/>
+        </inkml:traceFormat>
+        <inkml:channelProperties>
+          <inkml:channelProperty channel="X" name="resolution" value="1000" units="1/cm"/>
+          <inkml:channelProperty channel="Y" name="resolution" value="1000" units="1/cm"/>
+          <inkml:channelProperty channel="F" name="resolution" value="0" units="1/dev"/>
+        </inkml:channelProperties>
+      </inkml:inkSource>
+      <inkml:timestamp xml:id="ts0" timeString="2025-01-23T13:48:11.442"/>
+    </inkml:context>
+    <inkml:brush xml:id="br0">
+      <inkml:brushProperty name="width" value="0.035" units="cm"/>
+      <inkml:brushProperty name="height" value="0.035" units="cm"/>
+    </inkml:brush>
+  </inkml:definitions>
+  <inkml:trace contextRef="#ctx0" brushRef="#br0">1 0 24575,'0'7'0,"0"9"0,0 8 0,0 14 0,0 14 0,0 4 0,0 7 0,0 6 0,0-2 0,0-6 0,0-6 0,0-12-8191</inkml:trace>
+</inkml:ink>
+</file>
+
+<file path=ppt/ink/ink35.xml><?xml version="1.0" encoding="utf-8"?>
+<inkml:ink xmlns:inkml="http://www.w3.org/2003/InkML">
+  <inkml:definitions>
+    <inkml:context xml:id="ctx0">
+      <inkml:inkSource xml:id="inkSrc0">
+        <inkml:traceFormat>
+          <inkml:channel name="X" type="integer" min="-2.14748E9" max="2.14748E9" units="cm"/>
+          <inkml:channel name="Y" type="integer" min="-2.14748E9" max="2.14748E9" units="cm"/>
+          <inkml:channel name="F" type="integer" max="32767" units="dev"/>
+        </inkml:traceFormat>
+        <inkml:channelProperties>
+          <inkml:channelProperty channel="X" name="resolution" value="1000" units="1/cm"/>
+          <inkml:channelProperty channel="Y" name="resolution" value="1000" units="1/cm"/>
+          <inkml:channelProperty channel="F" name="resolution" value="0" units="1/dev"/>
+        </inkml:channelProperties>
+      </inkml:inkSource>
+      <inkml:timestamp xml:id="ts0" timeString="2025-01-23T13:48:11.764"/>
+    </inkml:context>
+    <inkml:brush xml:id="br0">
+      <inkml:brushProperty name="width" value="0.035" units="cm"/>
+      <inkml:brushProperty name="height" value="0.035" units="cm"/>
+    </inkml:brush>
+  </inkml:definitions>
+  <inkml:trace contextRef="#ctx0" brushRef="#br0">1 0 24575,'0'0'-8191</inkml:trace>
+</inkml:ink>
+</file>
+
+<file path=ppt/ink/ink36.xml><?xml version="1.0" encoding="utf-8"?>
+<inkml:ink xmlns:inkml="http://www.w3.org/2003/InkML">
+  <inkml:definitions>
+    <inkml:context xml:id="ctx0">
+      <inkml:inkSource xml:id="inkSrc0">
+        <inkml:traceFormat>
+          <inkml:channel name="X" type="integer" min="-2.14748E9" max="2.14748E9" units="cm"/>
+          <inkml:channel name="Y" type="integer" min="-2.14748E9" max="2.14748E9" units="cm"/>
+          <inkml:channel name="F" type="integer" max="32767" units="dev"/>
+        </inkml:traceFormat>
+        <inkml:channelProperties>
+          <inkml:channelProperty channel="X" name="resolution" value="1000" units="1/cm"/>
+          <inkml:channelProperty channel="Y" name="resolution" value="1000" units="1/cm"/>
+          <inkml:channelProperty channel="F" name="resolution" value="0" units="1/dev"/>
+        </inkml:channelProperties>
+      </inkml:inkSource>
+      <inkml:timestamp xml:id="ts0" timeString="2025-01-23T13:48:13.488"/>
+    </inkml:context>
+    <inkml:brush xml:id="br0">
+      <inkml:brushProperty name="width" value="0.035" units="cm"/>
+      <inkml:brushProperty name="height" value="0.035" units="cm"/>
+    </inkml:brush>
+  </inkml:definitions>
+  <inkml:trace contextRef="#ctx0" brushRef="#br0">641 5 24575,'-67'-2'0,"31"0"0,0 1 0,-63 8 0,90-6 0,0 1 0,1 0 0,-1 0 0,1 1 0,0 0 0,0 0 0,0 1 0,0 0 0,1 0 0,-1 1 0,1 0 0,0 0 0,0 1 0,1 0 0,0 0 0,-9 11 0,-19 38 0,2 1 0,-28 72 0,41-87 0,12-25 0,0 0 0,1 1 0,-6 25 0,11-39 0,0 0 0,1 0 0,-1 0 0,1 1 0,-1-1 0,1 0 0,0 0 0,0 1 0,1-1 0,-1 0 0,1 0 0,-1 1 0,1-1 0,0 0 0,0 0 0,1 0 0,-1 0 0,0 0 0,1 0 0,0-1 0,0 1 0,0 0 0,0-1 0,0 1 0,0-1 0,4 3 0,2-1 0,0 0 0,1-1 0,0 0 0,0 0 0,0-1 0,0 0 0,0 0 0,0-1 0,0 0 0,1-1 0,-1 0 0,0-1 0,0 1 0,18-5 0,10-4 0,1-1 0,40-18 0,-74 27 0,15-9 0,1 0 0,-1-2 0,-1 0 0,0-1 0,-1-1 0,0 0 0,-1-2 0,-1 1 0,-1-2 0,0 0 0,17-28 0,73-141 0,-81 142 0,-23 43 0,1 0 0,-1 0 0,0-1 0,1 1 0,-1 0 0,1 0 0,-1 0 0,1 0 0,0 0 0,-1 0 0,1 0 0,0 0 0,0 0 0,0 0 0,0 0 0,0 0 0,0 0 0,0 1 0,0-1 0,0 0 0,0 1 0,0-1 0,0 1 0,0-1 0,1 1 0,1-1 0,-2 2 0,0 1 0,0-1 0,0 0 0,0 1 0,0-1 0,-1 1 0,1-1 0,0 1 0,-1-1 0,1 1 0,-1-1 0,0 1 0,1 0 0,-1-1 0,0 1 0,0 2 0,1 82 0,-7-32 0,-1 0 0,-3 0 0,-2-1 0,-36 97 0,-105 196 0,98-230 0,-32 53 0,71-143 0,-1 0 0,-1-2 0,-1 0 0,-26 25 0,39-45 5,0 1 1,0-1-1,0 0 0,-1 0 0,0-1 0,1 0 1,-1 0-1,-1-1 0,1 0 0,0 0 1,0 0-1,-1-1 0,1 0 0,-1-1 0,1 0 1,-1 0-1,1 0 0,-1-1 0,1 0 0,-1-1 1,1 0-1,-10-3 0,9 3-79,0-1-1,1 0 1,-1 0 0,1-1 0,-1 0-1,1 0 1,0-1 0,1 0 0,-1 0-1,1 0 1,0-1 0,0 0 0,1 0-1,-1-1 1,2 1 0,-1-1 0,1 0-1,0-1 1,-6-14 0,3-7-6752</inkml:trace>
+</inkml:ink>
+</file>
+
+<file path=ppt/ink/ink37.xml><?xml version="1.0" encoding="utf-8"?>
+<inkml:ink xmlns:inkml="http://www.w3.org/2003/InkML">
+  <inkml:definitions>
+    <inkml:context xml:id="ctx0">
+      <inkml:inkSource xml:id="inkSrc0">
+        <inkml:traceFormat>
+          <inkml:channel name="X" type="integer" min="-2.14748E9" max="2.14748E9" units="cm"/>
+          <inkml:channel name="Y" type="integer" min="-2.14748E9" max="2.14748E9" units="cm"/>
+          <inkml:channel name="F" type="integer" max="32767" units="dev"/>
+        </inkml:traceFormat>
+        <inkml:channelProperties>
+          <inkml:channelProperty channel="X" name="resolution" value="1000" units="1/cm"/>
+          <inkml:channelProperty channel="Y" name="resolution" value="1000" units="1/cm"/>
+          <inkml:channelProperty channel="F" name="resolution" value="0" units="1/dev"/>
+        </inkml:channelProperties>
+      </inkml:inkSource>
+      <inkml:timestamp xml:id="ts0" timeString="2025-01-23T13:48:14.888"/>
+    </inkml:context>
+    <inkml:brush xml:id="br0">
+      <inkml:brushProperty name="width" value="0.035" units="cm"/>
+      <inkml:brushProperty name="height" value="0.035" units="cm"/>
+    </inkml:brush>
+  </inkml:definitions>
+  <inkml:trace contextRef="#ctx0" brushRef="#br0">124 1 24575,'0'7'0,"-1"-1"0,-1 1 0,1 0 0,-1-1 0,0 1 0,-4 6 0,-5 21 0,-13 55 0,-33 157 0,50-205 0,2 0 0,1 0 0,2 1 0,5 41 0,-3-79 0,0 1 0,1-1 0,0 0 0,0 0 0,0 0 0,0 0 0,1 0 0,-1 0 0,1 0 0,0 0 0,0-1 0,1 1 0,-1-1 0,1 0 0,5 7 0,-5-9 0,-1 0 0,0 1 0,0-1 0,1 0 0,-1 0 0,1 0 0,-1 0 0,1 0 0,-1-1 0,1 1 0,-1-1 0,1 0 0,0 1 0,-1-1 0,1-1 0,-1 1 0,1 0 0,0 0 0,-1-1 0,1 0 0,-1 1 0,1-1 0,-1 0 0,0 0 0,1-1 0,-1 1 0,3-2 0,11-8 0,0 0 0,0-2 0,-1 0 0,0 0 0,-1-2 0,-1 1 0,0-2 0,-1 0 0,-1 0 0,0-1 0,-1-1 0,8-20 0,-3 2 0,-1 0 0,-2-1 0,-2 0 0,-1-1 0,6-52 0,-15 85 0,2-16 0,1-1 0,1 0 0,8-28 0,-4 40 0,-3 20 0,0 23 0,0 59 0,9 78 0,-3-104-682,2 79-1,-13-112-6143</inkml:trace>
+</inkml:ink>
+</file>
+
+<file path=ppt/ink/ink38.xml><?xml version="1.0" encoding="utf-8"?>
+<inkml:ink xmlns:inkml="http://www.w3.org/2003/InkML">
+  <inkml:definitions>
+    <inkml:context xml:id="ctx0">
+      <inkml:inkSource xml:id="inkSrc0">
+        <inkml:traceFormat>
+          <inkml:channel name="X" type="integer" min="-2.14748E9" max="2.14748E9" units="cm"/>
+          <inkml:channel name="Y" type="integer" min="-2.14748E9" max="2.14748E9" units="cm"/>
+          <inkml:channel name="F" type="integer" max="32767" units="dev"/>
+        </inkml:traceFormat>
+        <inkml:channelProperties>
+          <inkml:channelProperty channel="X" name="resolution" value="1000" units="1/cm"/>
+          <inkml:channelProperty channel="Y" name="resolution" value="1000" units="1/cm"/>
+          <inkml:channelProperty channel="F" name="resolution" value="0" units="1/dev"/>
+        </inkml:channelProperties>
+      </inkml:inkSource>
+      <inkml:timestamp xml:id="ts0" timeString="2025-01-23T13:48:15.663"/>
+    </inkml:context>
+    <inkml:brush xml:id="br0">
+      <inkml:brushProperty name="width" value="0.035" units="cm"/>
+      <inkml:brushProperty name="height" value="0.035" units="cm"/>
+    </inkml:brush>
+  </inkml:definitions>
+  <inkml:trace contextRef="#ctx0" brushRef="#br0">77 1 24575,'0'10'0,"-2"0"0,1 0 0,-1 0 0,-5 15 0,-4 22 0,2 43 0,4 122 0,1-12 0,-2-141 0,-22 90 0,27-146 0,2-13 0,9-22 0,62-105 0,149-208 0,-149 240 0,38-53-1365,-80 120-5461</inkml:trace>
+</inkml:ink>
+</file>
+
+<file path=ppt/ink/ink39.xml><?xml version="1.0" encoding="utf-8"?>
+<inkml:ink xmlns:inkml="http://www.w3.org/2003/InkML">
+  <inkml:definitions>
+    <inkml:context xml:id="ctx0">
+      <inkml:inkSource xml:id="inkSrc0">
+        <inkml:traceFormat>
+          <inkml:channel name="X" type="integer" min="-2.14748E9" max="2.14748E9" units="cm"/>
+          <inkml:channel name="Y" type="integer" min="-2.14748E9" max="2.14748E9" units="cm"/>
+          <inkml:channel name="F" type="integer" max="32767" units="dev"/>
+        </inkml:traceFormat>
+        <inkml:channelProperties>
+          <inkml:channelProperty channel="X" name="resolution" value="1000" units="1/cm"/>
+          <inkml:channelProperty channel="Y" name="resolution" value="1000" units="1/cm"/>
+          <inkml:channelProperty channel="F" name="resolution" value="0" units="1/dev"/>
+        </inkml:channelProperties>
+      </inkml:inkSource>
+      <inkml:timestamp xml:id="ts0" timeString="2025-01-23T13:48:16.473"/>
+    </inkml:context>
+    <inkml:brush xml:id="br0">
+      <inkml:brushProperty name="width" value="0.035" units="cm"/>
+      <inkml:brushProperty name="height" value="0.035" units="cm"/>
+    </inkml:brush>
+  </inkml:definitions>
+  <inkml:trace contextRef="#ctx0" brushRef="#br0">147 384 24575,'5'4'0,"1"0"0,-1 0 0,1-1 0,0 1 0,0-1 0,0-1 0,1 1 0,-1-1 0,0 0 0,1 0 0,0-1 0,-1 0 0,1 0 0,0-1 0,0 0 0,8-1 0,-1 1 0,0-2 0,0 1 0,-1-2 0,1 0 0,0-1 0,22-9 0,-15 2 0,0 0 0,0-2 0,-1 0 0,-1-2 0,0 0 0,-1-1 0,18-20 0,-28 28 0,-1 0 0,0-1 0,-1 1 0,1-2 0,-2 1 0,1-1 0,-2 1 0,1-1 0,-1-1 0,0 1 0,-1-1 0,-1 1 0,0-1 0,0 0 0,-1 0 0,0 0 0,-1-20 0,0 28 0,-1 1 0,1-1 0,-1 0 0,0 0 0,1 0 0,-1 0 0,-1 0 0,1 1 0,0-1 0,-1 0 0,1 1 0,-1-1 0,0 1 0,0 0 0,1-1 0,-2 1 0,1 0 0,0 0 0,0 0 0,-1 1 0,1-1 0,-1 0 0,1 1 0,-1 0 0,0 0 0,0-1 0,0 2 0,1-1 0,-1 0 0,0 0 0,0 1 0,0 0 0,0 0 0,0 0 0,0 0 0,-4 0 0,-2 1 0,0 1 0,0-1 0,0 2 0,1-1 0,-1 1 0,1 0 0,-1 1 0,1 0 0,0 0 0,-13 11 0,-7 8 0,1 2 0,1 1 0,2 1 0,0 2 0,-30 48 0,12-8 0,-48 108 0,53-87 0,-43 170 0,77-251 0,0 0 0,2 0 0,-1 0 0,1 0 0,0 0 0,1 1 0,0-1 0,1 10 0,0-16 0,0 1 0,0 0 0,1-1 0,-1 0 0,1 1 0,-1-1 0,1 0 0,0 1 0,0-1 0,1 0 0,-1-1 0,1 1 0,-1 0 0,1-1 0,0 1 0,0-1 0,0 0 0,0 0 0,0 0 0,1 0 0,-1-1 0,0 1 0,6 0 0,3 2 7,0-1 0,0 0 0,0-1 0,0 0 0,1-1 1,-1 0-1,1-1 0,-1 0 0,1-1 0,-1-1 0,0 0 0,0-1 0,1 0 0,-2-1 0,1 0 0,13-7 0,-3 0-193,-1-1 1,0-1-1,-1 0 0,-1-2 1,0-1-1,-1 0 1,21-25-1,-1-3-6640</inkml:trace>
+</inkml:ink>
+</file>
+
 <file path=ppt/ink/ink4.xml><?xml version="1.0" encoding="utf-8"?>
 <inkml:ink xmlns:inkml="http://www.w3.org/2003/InkML">
   <inkml:definitions>
@@ -655,6 +1071,276 @@
 </inkml:ink>
 </file>
 
+<file path=ppt/ink/ink40.xml><?xml version="1.0" encoding="utf-8"?>
+<inkml:ink xmlns:inkml="http://www.w3.org/2003/InkML">
+  <inkml:definitions>
+    <inkml:context xml:id="ctx0">
+      <inkml:inkSource xml:id="inkSrc0">
+        <inkml:traceFormat>
+          <inkml:channel name="X" type="integer" min="-2.14748E9" max="2.14748E9" units="cm"/>
+          <inkml:channel name="Y" type="integer" min="-2.14748E9" max="2.14748E9" units="cm"/>
+          <inkml:channel name="F" type="integer" max="32767" units="dev"/>
+        </inkml:traceFormat>
+        <inkml:channelProperties>
+          <inkml:channelProperty channel="X" name="resolution" value="1000" units="1/cm"/>
+          <inkml:channelProperty channel="Y" name="resolution" value="1000" units="1/cm"/>
+          <inkml:channelProperty channel="F" name="resolution" value="0" units="1/dev"/>
+        </inkml:channelProperties>
+      </inkml:inkSource>
+      <inkml:timestamp xml:id="ts0" timeString="2025-01-23T13:48:17.158"/>
+    </inkml:context>
+    <inkml:brush xml:id="br0">
+      <inkml:brushProperty name="width" value="0.035" units="cm"/>
+      <inkml:brushProperty name="height" value="0.035" units="cm"/>
+    </inkml:brush>
+  </inkml:definitions>
+  <inkml:trace contextRef="#ctx0" brushRef="#br0">837 1 24575,'-4'0'0,"-1"1"0,1 0 0,0 0 0,-1 0 0,1 0 0,0 1 0,0 0 0,0 0 0,0 0 0,0 0 0,0 0 0,0 1 0,1 0 0,-1 0 0,1 0 0,-5 6 0,-5 6 0,0 1 0,-13 24 0,20-30 0,-153 246 0,-213 305 0,342-519 0,-20 26 0,46-63 0,0 0 0,0-1 0,-1 1 0,0-1 0,0 0 0,0-1 0,0 1 0,0-1 0,-11 5 0,15-8-37,0 0 0,0 0 1,0 1-1,0-1 0,0 0 0,0 0 0,0 0 0,0 0 0,0 0 0,0 0 0,0 0 0,0-1 1,0 1-1,0 0 0,0-1 0,0 1 0,0 0 0,0-1 0,0 1 0,0-1 0,1 1 0,-1-1 1,0 0-1,0 1 0,0-1 0,1 0 0,-1 0 0,0 0 0,1 1 0,-1-1 0,1 0 0,-1 0 1,1 0-1,-1 0 0,1 0 0,-1-2 0,-6-19-6789</inkml:trace>
+</inkml:ink>
+</file>
+
+<file path=ppt/ink/ink41.xml><?xml version="1.0" encoding="utf-8"?>
+<inkml:ink xmlns:inkml="http://www.w3.org/2003/InkML">
+  <inkml:definitions>
+    <inkml:context xml:id="ctx0">
+      <inkml:inkSource xml:id="inkSrc0">
+        <inkml:traceFormat>
+          <inkml:channel name="X" type="integer" min="-2.14748E9" max="2.14748E9" units="cm"/>
+          <inkml:channel name="Y" type="integer" min="-2.14748E9" max="2.14748E9" units="cm"/>
+          <inkml:channel name="F" type="integer" max="32767" units="dev"/>
+        </inkml:traceFormat>
+        <inkml:channelProperties>
+          <inkml:channelProperty channel="X" name="resolution" value="1000" units="1/cm"/>
+          <inkml:channelProperty channel="Y" name="resolution" value="1000" units="1/cm"/>
+          <inkml:channelProperty channel="F" name="resolution" value="0" units="1/dev"/>
+        </inkml:channelProperties>
+      </inkml:inkSource>
+      <inkml:timestamp xml:id="ts0" timeString="2025-01-23T13:48:17.671"/>
+    </inkml:context>
+    <inkml:brush xml:id="br0">
+      <inkml:brushProperty name="width" value="0.035" units="cm"/>
+      <inkml:brushProperty name="height" value="0.035" units="cm"/>
+    </inkml:brush>
+  </inkml:definitions>
+  <inkml:trace contextRef="#ctx0" brushRef="#br0">197 0 24575,'-3'45'0,"-3"0"0,-1-1 0,-3 0 0,-17 48 0,12-38 0,-95 291 0,107-336 0,-1 2 0,1 1 0,0 0 0,1 0 0,-1 14 0,3-25 0,0 1 0,0 0 0,0 0 0,0-1 0,0 1 0,0 0 0,0 0 0,0 0 0,1-1 0,-1 1 0,1 0 0,-1-1 0,1 1 0,0 0 0,0-1 0,-1 1 0,1-1 0,0 1 0,1-1 0,-1 1 0,0-1 0,0 0 0,1 0 0,-1 1 0,0-1 0,1 0 0,-1 0 0,1 0 0,-1-1 0,1 1 0,0 0 0,-1-1 0,1 1 0,0-1 0,0 1 0,1-1 0,4 1 0,0-2 0,0 1 0,0-1 0,0 0 0,0 0 0,0-1 0,8-3 0,155-57 0,243-127 0,-296 132 0,-31 15 0,65-29 0,220-142 0,-329 181-1365,-16 7-5461</inkml:trace>
+</inkml:ink>
+</file>
+
+<file path=ppt/ink/ink42.xml><?xml version="1.0" encoding="utf-8"?>
+<inkml:ink xmlns:inkml="http://www.w3.org/2003/InkML">
+  <inkml:definitions>
+    <inkml:context xml:id="ctx0">
+      <inkml:inkSource xml:id="inkSrc0">
+        <inkml:traceFormat>
+          <inkml:channel name="X" type="integer" min="-2.14748E9" max="2.14748E9" units="cm"/>
+          <inkml:channel name="Y" type="integer" min="-2.14748E9" max="2.14748E9" units="cm"/>
+          <inkml:channel name="F" type="integer" max="32767" units="dev"/>
+        </inkml:traceFormat>
+        <inkml:channelProperties>
+          <inkml:channelProperty channel="X" name="resolution" value="1000" units="1/cm"/>
+          <inkml:channelProperty channel="Y" name="resolution" value="1000" units="1/cm"/>
+          <inkml:channelProperty channel="F" name="resolution" value="0" units="1/dev"/>
+        </inkml:channelProperties>
+      </inkml:inkSource>
+      <inkml:timestamp xml:id="ts0" timeString="2025-01-23T13:48:19.800"/>
+    </inkml:context>
+    <inkml:brush xml:id="br0">
+      <inkml:brushProperty name="width" value="0.035" units="cm"/>
+      <inkml:brushProperty name="height" value="0.035" units="cm"/>
+    </inkml:brush>
+  </inkml:definitions>
+  <inkml:trace contextRef="#ctx0" brushRef="#br0">0 155 24575,'3'34'0,"1"-1"0,2 0 0,1-1 0,2 1 0,21 50 0,-14-36 0,53 184 0,-26-82 0,-42-144 0,1 1 0,0-1 0,0 1 0,0-1 0,1 0 0,0 0 0,0 0 0,1 0 0,6 7 0,-8-10 0,0-1 0,-1 1 0,1-1 0,0 0 0,0 0 0,0 0 0,0 0 0,1 0 0,-1-1 0,0 1 0,0-1 0,0 1 0,1-1 0,-1 0 0,0 1 0,0-1 0,1-1 0,-1 1 0,0 0 0,0 0 0,0-1 0,1 1 0,-1-1 0,0 0 0,0 0 0,0 0 0,0 0 0,2-1 0,8-5 0,-1-1 0,0 0 0,-1 0 0,0-1 0,0-1 0,-1 0 0,0 0 0,8-12 0,9-16 0,23-44 0,-10 2 17,-4-1 0,-4-2-1,23-97 1,12-32-1449,-49 166-5394</inkml:trace>
+</inkml:ink>
+</file>
+
+<file path=ppt/ink/ink43.xml><?xml version="1.0" encoding="utf-8"?>
+<inkml:ink xmlns:inkml="http://www.w3.org/2003/InkML">
+  <inkml:definitions>
+    <inkml:context xml:id="ctx0">
+      <inkml:inkSource xml:id="inkSrc0">
+        <inkml:traceFormat>
+          <inkml:channel name="X" type="integer" min="-2.14748E9" max="2.14748E9" units="cm"/>
+          <inkml:channel name="Y" type="integer" min="-2.14748E9" max="2.14748E9" units="cm"/>
+          <inkml:channel name="F" type="integer" max="32767" units="dev"/>
+        </inkml:traceFormat>
+        <inkml:channelProperties>
+          <inkml:channelProperty channel="X" name="resolution" value="1000" units="1/cm"/>
+          <inkml:channelProperty channel="Y" name="resolution" value="1000" units="1/cm"/>
+          <inkml:channelProperty channel="F" name="resolution" value="0" units="1/dev"/>
+        </inkml:channelProperties>
+      </inkml:inkSource>
+      <inkml:timestamp xml:id="ts0" timeString="2025-01-23T13:48:20.820"/>
+    </inkml:context>
+    <inkml:brush xml:id="br0">
+      <inkml:brushProperty name="width" value="0.035" units="cm"/>
+      <inkml:brushProperty name="height" value="0.035" units="cm"/>
+    </inkml:brush>
+  </inkml:definitions>
+  <inkml:trace contextRef="#ctx0" brushRef="#br0">313 0 24575,'-26'30'0,"1"1"0,1 1 0,-31 57 0,14-22 0,23-39 0,-8 10 0,2 2 0,2 1 0,-21 51 0,41-87 0,1 0 0,-1-1 0,1 1 0,0 0 0,1 0 0,-1 0 0,1 0 0,0 0 0,0 0 0,1 0 0,-1 0 0,1 0 0,2 6 0,-3-9 0,1 0 0,0 0 0,0 0 0,1-1 0,-1 1 0,0 0 0,1 0 0,-1-1 0,1 1 0,-1-1 0,1 1 0,0-1 0,-1 0 0,1 0 0,0 0 0,0 0 0,0 0 0,0 0 0,0 0 0,0 0 0,0-1 0,0 1 0,0-1 0,1 0 0,-1 0 0,0 1 0,0-2 0,0 1 0,0 0 0,1 0 0,-1 0 0,0-1 0,2 0 0,5-2 0,0 0 0,0 0 0,0-1 0,-1 0 0,1-1 0,-1 0 0,0 0 0,-1 0 0,1-1 0,-1-1 0,0 1 0,7-10 0,13-15 0,32-49 0,-55 75 0,16-29 0,-1 0 0,-2 0 0,-2-2 0,-1 0 0,13-51 0,-21 76 0,-1 24 0,1 41 0,-4-26 0,4 7 0,22 120 0,-24-139 0,1-1 0,0-1 0,1 1 0,0-1 0,1 0 0,1 0 0,17 23 0,-24-35-28,0 0-1,0-1 1,1 1-1,-1 0 1,0-1 0,1 1-1,-1-1 1,1 1-1,0-1 1,0 0-1,-1 1 1,1-1-1,0 0 1,0 0 0,0 0-1,0-1 1,0 1-1,0 0 1,0-1-1,0 0 1,0 1-1,1-1 1,-1 0 0,0 0-1,0 0 1,0 0-1,0 0 1,0-1-1,1 1 1,-1-1-1,0 1 1,0-1 0,0 0-1,0 0 1,0 0-1,0 0 1,-1 0-1,1 0 1,0 0-1,0-1 1,-1 1 0,1 0-1,-1-1 1,1 0-1,-1 1 1,0-1-1,2-2 1,14-20-6798</inkml:trace>
+</inkml:ink>
+</file>
+
+<file path=ppt/ink/ink44.xml><?xml version="1.0" encoding="utf-8"?>
+<inkml:ink xmlns:inkml="http://www.w3.org/2003/InkML">
+  <inkml:definitions>
+    <inkml:context xml:id="ctx0">
+      <inkml:inkSource xml:id="inkSrc0">
+        <inkml:traceFormat>
+          <inkml:channel name="X" type="integer" min="-2.14748E9" max="2.14748E9" units="cm"/>
+          <inkml:channel name="Y" type="integer" min="-2.14748E9" max="2.14748E9" units="cm"/>
+          <inkml:channel name="F" type="integer" max="32767" units="dev"/>
+        </inkml:traceFormat>
+        <inkml:channelProperties>
+          <inkml:channelProperty channel="X" name="resolution" value="1000" units="1/cm"/>
+          <inkml:channelProperty channel="Y" name="resolution" value="1000" units="1/cm"/>
+          <inkml:channelProperty channel="F" name="resolution" value="0" units="1/dev"/>
+        </inkml:channelProperties>
+      </inkml:inkSource>
+      <inkml:timestamp xml:id="ts0" timeString="2025-01-23T13:48:21.453"/>
+    </inkml:context>
+    <inkml:brush xml:id="br0">
+      <inkml:brushProperty name="width" value="0.035" units="cm"/>
+      <inkml:brushProperty name="height" value="0.035" units="cm"/>
+    </inkml:brush>
+  </inkml:definitions>
+  <inkml:trace contextRef="#ctx0" brushRef="#br0">0 1 24575,'2'33'0,"1"-1"0,8 37 0,4 29 0,-4 568-11,-14-406-1343,3-228-5472</inkml:trace>
+</inkml:ink>
+</file>
+
+<file path=ppt/ink/ink45.xml><?xml version="1.0" encoding="utf-8"?>
+<inkml:ink xmlns:inkml="http://www.w3.org/2003/InkML">
+  <inkml:definitions>
+    <inkml:context xml:id="ctx0">
+      <inkml:inkSource xml:id="inkSrc0">
+        <inkml:traceFormat>
+          <inkml:channel name="X" type="integer" min="-2.14748E9" max="2.14748E9" units="cm"/>
+          <inkml:channel name="Y" type="integer" min="-2.14748E9" max="2.14748E9" units="cm"/>
+          <inkml:channel name="F" type="integer" max="32767" units="dev"/>
+        </inkml:traceFormat>
+        <inkml:channelProperties>
+          <inkml:channelProperty channel="X" name="resolution" value="1000" units="1/cm"/>
+          <inkml:channelProperty channel="Y" name="resolution" value="1000" units="1/cm"/>
+          <inkml:channelProperty channel="F" name="resolution" value="0" units="1/dev"/>
+        </inkml:channelProperties>
+      </inkml:inkSource>
+      <inkml:timestamp xml:id="ts0" timeString="2025-01-23T13:48:21.918"/>
+    </inkml:context>
+    <inkml:brush xml:id="br0">
+      <inkml:brushProperty name="width" value="0.035" units="cm"/>
+      <inkml:brushProperty name="height" value="0.035" units="cm"/>
+    </inkml:brush>
+  </inkml:definitions>
+  <inkml:trace contextRef="#ctx0" brushRef="#br0">0 0 24575,'0'7'0,"0"9"0,0 8 0,0 7 0,0 5 0,0 3 0,0 2 0,0 1 0,0-1 0,0 0 0,0-13 0,0-13-8191</inkml:trace>
+</inkml:ink>
+</file>
+
+<file path=ppt/ink/ink46.xml><?xml version="1.0" encoding="utf-8"?>
+<inkml:ink xmlns:inkml="http://www.w3.org/2003/InkML">
+  <inkml:definitions>
+    <inkml:context xml:id="ctx0">
+      <inkml:inkSource xml:id="inkSrc0">
+        <inkml:traceFormat>
+          <inkml:channel name="X" type="integer" min="-2.14748E9" max="2.14748E9" units="cm"/>
+          <inkml:channel name="Y" type="integer" min="-2.14748E9" max="2.14748E9" units="cm"/>
+          <inkml:channel name="F" type="integer" max="32767" units="dev"/>
+        </inkml:traceFormat>
+        <inkml:channelProperties>
+          <inkml:channelProperty channel="X" name="resolution" value="1000" units="1/cm"/>
+          <inkml:channelProperty channel="Y" name="resolution" value="1000" units="1/cm"/>
+          <inkml:channelProperty channel="F" name="resolution" value="0" units="1/dev"/>
+        </inkml:channelProperties>
+      </inkml:inkSource>
+      <inkml:timestamp xml:id="ts0" timeString="2025-01-23T13:48:22.213"/>
+    </inkml:context>
+    <inkml:brush xml:id="br0">
+      <inkml:brushProperty name="width" value="0.035" units="cm"/>
+      <inkml:brushProperty name="height" value="0.035" units="cm"/>
+    </inkml:brush>
+  </inkml:definitions>
+  <inkml:trace contextRef="#ctx0" brushRef="#br0">0 1 24575</inkml:trace>
+</inkml:ink>
+</file>
+
+<file path=ppt/ink/ink47.xml><?xml version="1.0" encoding="utf-8"?>
+<inkml:ink xmlns:inkml="http://www.w3.org/2003/InkML">
+  <inkml:definitions>
+    <inkml:context xml:id="ctx0">
+      <inkml:inkSource xml:id="inkSrc0">
+        <inkml:traceFormat>
+          <inkml:channel name="X" type="integer" min="-2.14748E9" max="2.14748E9" units="cm"/>
+          <inkml:channel name="Y" type="integer" min="-2.14748E9" max="2.14748E9" units="cm"/>
+          <inkml:channel name="F" type="integer" max="32767" units="dev"/>
+        </inkml:traceFormat>
+        <inkml:channelProperties>
+          <inkml:channelProperty channel="X" name="resolution" value="1000" units="1/cm"/>
+          <inkml:channelProperty channel="Y" name="resolution" value="1000" units="1/cm"/>
+          <inkml:channelProperty channel="F" name="resolution" value="0" units="1/dev"/>
+        </inkml:channelProperties>
+      </inkml:inkSource>
+      <inkml:timestamp xml:id="ts0" timeString="2025-01-23T13:48:23.580"/>
+    </inkml:context>
+    <inkml:brush xml:id="br0">
+      <inkml:brushProperty name="width" value="0.035" units="cm"/>
+      <inkml:brushProperty name="height" value="0.035" units="cm"/>
+    </inkml:brush>
+  </inkml:definitions>
+  <inkml:trace contextRef="#ctx0" brushRef="#br0">485 1 24575,'-7'9'0,"1"0"0,0 0 0,1 0 0,0 1 0,1 0 0,0 0 0,0 0 0,-2 15 0,-6 11 0,-71 208 0,-66 333 0,125-445 0,17-83 0,-2-1 0,-2 0 0,-32 83 0,43-130 0,0 0 0,-1 1 0,1-1 0,-1 0 0,1 0 0,-1 1 0,0-1 0,0 0 0,1 0 0,-1 0 0,0 0 0,0 0 0,0 0 0,0 0 0,0 0 0,0 0 0,0-1 0,-1 1 0,1 0 0,0-1 0,0 1 0,-2 0 0,2-1 0,0-1 0,0 1 0,0 0 0,-1 0 0,1-1 0,0 1 0,0-1 0,0 1 0,0-1 0,0 0 0,1 1 0,-1-1 0,0 0 0,0 1 0,0-1 0,1 0 0,-1 0 0,0 0 0,1 0 0,-2-1 0,-3-7 0,0 0 0,1-1 0,0 1 0,-3-15 0,-3-12 30,2-1 0,2 0 0,-2-41 0,7 60-195,0 0 0,2 0 0,0 1 0,1-1 0,1 0 0,0 1 0,1-1 0,11-26 0,3 10-6661</inkml:trace>
+</inkml:ink>
+</file>
+
+<file path=ppt/ink/ink48.xml><?xml version="1.0" encoding="utf-8"?>
+<inkml:ink xmlns:inkml="http://www.w3.org/2003/InkML">
+  <inkml:definitions>
+    <inkml:context xml:id="ctx0">
+      <inkml:inkSource xml:id="inkSrc0">
+        <inkml:traceFormat>
+          <inkml:channel name="X" type="integer" min="-2.14748E9" max="2.14748E9" units="cm"/>
+          <inkml:channel name="Y" type="integer" min="-2.14748E9" max="2.14748E9" units="cm"/>
+          <inkml:channel name="F" type="integer" max="32767" units="dev"/>
+        </inkml:traceFormat>
+        <inkml:channelProperties>
+          <inkml:channelProperty channel="X" name="resolution" value="1000" units="1/cm"/>
+          <inkml:channelProperty channel="Y" name="resolution" value="1000" units="1/cm"/>
+          <inkml:channelProperty channel="F" name="resolution" value="0" units="1/dev"/>
+        </inkml:channelProperties>
+      </inkml:inkSource>
+      <inkml:timestamp xml:id="ts0" timeString="2025-01-23T13:48:24.757"/>
+    </inkml:context>
+    <inkml:brush xml:id="br0">
+      <inkml:brushProperty name="width" value="0.035" units="cm"/>
+      <inkml:brushProperty name="height" value="0.035" units="cm"/>
+    </inkml:brush>
+  </inkml:definitions>
+  <inkml:trace contextRef="#ctx0" brushRef="#br0">219 0 24575,'-8'1'0,"0"-1"0,0 1 0,0 0 0,0 1 0,0 0 0,0 0 0,0 0 0,0 1 0,1 1 0,-1-1 0,1 1 0,0 0 0,0 1 0,1 0 0,-1 0 0,-8 9 0,5-3 0,1 0 0,0 0 0,1 1 0,0 1 0,1-1 0,0 1 0,1 1 0,-6 19 0,11-29 0,-1-1 0,1 0 0,0 1 0,1-1 0,-1 0 0,1 1 0,-1-1 0,1 1 0,0-1 0,0 1 0,1 0 0,-1-1 0,1 0 0,-1 1 0,1-1 0,0 1 0,0-1 0,1 0 0,-1 0 0,1 1 0,0-1 0,0 0 0,0-1 0,0 1 0,0 0 0,0-1 0,1 1 0,-1-1 0,1 1 0,0-1 0,0 0 0,0 0 0,0-1 0,0 1 0,0 0 0,0-1 0,1 0 0,3 1 0,-1 0 0,0 0 0,0-1 0,1 0 0,-1 0 0,0-1 0,1 1 0,-1-1 0,0-1 0,1 1 0,-1-1 0,0 0 0,0-1 0,0 1 0,0-1 0,0-1 0,0 1 0,0-1 0,-1 0 0,1 0 0,8-7 0,-3-1 0,0 0 0,-1 0 0,-1-1 0,1-1 0,-2 0 0,0 0 0,-1 0 0,0-1 0,-1 0 0,6-21 0,-11 34 0,-1-1 0,0 0 0,1 0 0,-1 1 0,1-1 0,-1 0 0,1 1 0,0-1 0,0 0 0,0 1 0,0-1 0,0 1 0,0 0 0,0-1 0,0 1 0,1 0 0,-1 0 0,0 0 0,1-1 0,-1 1 0,4-1 0,-4 3 0,1-1 0,0 1 0,0-1 0,-1 1 0,1 0 0,-1 0 0,1 0 0,0 0 0,-1 0 0,0 0 0,1 0 0,-1 1 0,0-1 0,1 0 0,-1 1 0,0-1 0,0 1 0,0-1 0,-1 1 0,1 0 0,1 2 0,73 146 0,-10-19 0,-61-124 0,-1-1 0,1 1 0,1-1 0,-1 0 0,1 0 0,0 0 0,1-1 0,-1 0 0,1 0 0,11 7 0,-14-10 0,1 0 0,0-1 0,0 0 0,0 0 0,0 0 0,0 0 0,0 0 0,0-1 0,0 1 0,0-1 0,0 0 0,0-1 0,0 1 0,0-1 0,0 0 0,0 0 0,0 0 0,0 0 0,-1 0 0,1-1 0,5-3 0,29-18-1365,-2-2-5461</inkml:trace>
+</inkml:ink>
+</file>
+
+<file path=ppt/ink/ink49.xml><?xml version="1.0" encoding="utf-8"?>
+<inkml:ink xmlns:inkml="http://www.w3.org/2003/InkML">
+  <inkml:definitions>
+    <inkml:context xml:id="ctx0">
+      <inkml:inkSource xml:id="inkSrc0">
+        <inkml:traceFormat>
+          <inkml:channel name="X" type="integer" min="-2.14748E9" max="2.14748E9" units="cm"/>
+          <inkml:channel name="Y" type="integer" min="-2.14748E9" max="2.14748E9" units="cm"/>
+          <inkml:channel name="F" type="integer" max="32767" units="dev"/>
+        </inkml:traceFormat>
+        <inkml:channelProperties>
+          <inkml:channelProperty channel="X" name="resolution" value="1000" units="1/cm"/>
+          <inkml:channelProperty channel="Y" name="resolution" value="1000" units="1/cm"/>
+          <inkml:channelProperty channel="F" name="resolution" value="0" units="1/dev"/>
+        </inkml:channelProperties>
+      </inkml:inkSource>
+      <inkml:timestamp xml:id="ts0" timeString="2025-01-23T13:48:25.456"/>
+    </inkml:context>
+    <inkml:brush xml:id="br0">
+      <inkml:brushProperty name="width" value="0.035" units="cm"/>
+      <inkml:brushProperty name="height" value="0.035" units="cm"/>
+    </inkml:brush>
+  </inkml:definitions>
+  <inkml:trace contextRef="#ctx0" brushRef="#br0">283 0 24575,'-1'73'0,"-3"-1"0,-3 0 0,-4 0 0,-21 77 0,-145 500 0,160-578 0,4 1 0,2 1 0,4 0 0,4 140 0,3-207 0,1 0 0,-1 0 0,1 0 0,0 0 0,0 0 0,1 0 0,0 0 0,0 0 0,0 0 0,1-1 0,0 1 0,0-1 0,5 7 0,-6-10 0,0 0 0,1 0 0,-1 0 0,1 0 0,-1 0 0,1-1 0,0 1 0,-1-1 0,1 0 0,0 0 0,0 0 0,0 0 0,0 0 0,0 0 0,0-1 0,0 0 0,1 0 0,-1 0 0,0 0 0,0 0 0,0 0 0,0-1 0,0 1 0,0-1 0,0 0 0,0 0 0,0 0 0,3-2 0,6-2-72,-1-1 1,0-1-1,0 1 0,-1-2 0,0 1 0,0-1 0,-1-1 0,0 0 1,0 0-1,-1-1 0,0 0 0,-1 0 0,0-1 0,0 0 0,-2 0 1,1 0-1,-1-1 0,5-20 0,-3-8-6754</inkml:trace>
+</inkml:ink>
+</file>
+
 <file path=ppt/ink/ink5.xml><?xml version="1.0" encoding="utf-8"?>
 <inkml:ink xmlns:inkml="http://www.w3.org/2003/InkML">
   <inkml:definitions>
@@ -679,6 +1365,172 @@
     </inkml:brush>
   </inkml:definitions>
   <inkml:trace contextRef="#ctx0" brushRef="#br0">1 0 24575,'0'7'0,"0"16"0,0 18 0,0 8 0,0 11 0,0 0 0,0-1 0,0-6 0,0-3 0,0-5 0,0-2 0,0-2 0,7-8 0,2-2 0,-1-1 0,-1-11 0,-2-10-8191</inkml:trace>
+</inkml:ink>
+</file>
+
+<file path=ppt/ink/ink50.xml><?xml version="1.0" encoding="utf-8"?>
+<inkml:ink xmlns:inkml="http://www.w3.org/2003/InkML">
+  <inkml:definitions>
+    <inkml:context xml:id="ctx0">
+      <inkml:inkSource xml:id="inkSrc0">
+        <inkml:traceFormat>
+          <inkml:channel name="X" type="integer" min="-2.14748E9" max="2.14748E9" units="cm"/>
+          <inkml:channel name="Y" type="integer" min="-2.14748E9" max="2.14748E9" units="cm"/>
+          <inkml:channel name="F" type="integer" max="32767" units="dev"/>
+        </inkml:traceFormat>
+        <inkml:channelProperties>
+          <inkml:channelProperty channel="X" name="resolution" value="1000" units="1/cm"/>
+          <inkml:channelProperty channel="Y" name="resolution" value="1000" units="1/cm"/>
+          <inkml:channelProperty channel="F" name="resolution" value="0" units="1/dev"/>
+        </inkml:channelProperties>
+      </inkml:inkSource>
+      <inkml:timestamp xml:id="ts0" timeString="2025-01-23T13:48:25.905"/>
+    </inkml:context>
+    <inkml:brush xml:id="br0">
+      <inkml:brushProperty name="width" value="0.035" units="cm"/>
+      <inkml:brushProperty name="height" value="0.035" units="cm"/>
+    </inkml:brush>
+  </inkml:definitions>
+  <inkml:trace contextRef="#ctx0" brushRef="#br0">0 1 24575,'7'0'0,"9"0"0,8 0 0,8 0 0,17 0 0,15 0 0,16 0 0,9 0 0,-5 0 0,-9 0 0,-12 0 0,-15 0-8191</inkml:trace>
+</inkml:ink>
+</file>
+
+<file path=ppt/ink/ink51.xml><?xml version="1.0" encoding="utf-8"?>
+<inkml:ink xmlns:inkml="http://www.w3.org/2003/InkML">
+  <inkml:definitions>
+    <inkml:context xml:id="ctx0">
+      <inkml:inkSource xml:id="inkSrc0">
+        <inkml:traceFormat>
+          <inkml:channel name="X" type="integer" min="-2.14748E9" max="2.14748E9" units="cm"/>
+          <inkml:channel name="Y" type="integer" min="-2.14748E9" max="2.14748E9" units="cm"/>
+          <inkml:channel name="F" type="integer" max="32767" units="dev"/>
+        </inkml:traceFormat>
+        <inkml:channelProperties>
+          <inkml:channelProperty channel="X" name="resolution" value="1000" units="1/cm"/>
+          <inkml:channelProperty channel="Y" name="resolution" value="1000" units="1/cm"/>
+          <inkml:channelProperty channel="F" name="resolution" value="0" units="1/dev"/>
+        </inkml:channelProperties>
+      </inkml:inkSource>
+      <inkml:timestamp xml:id="ts0" timeString="2025-01-23T13:48:26.636"/>
+    </inkml:context>
+    <inkml:brush xml:id="br0">
+      <inkml:brushProperty name="width" value="0.035" units="cm"/>
+      <inkml:brushProperty name="height" value="0.035" units="cm"/>
+    </inkml:brush>
+  </inkml:definitions>
+  <inkml:trace contextRef="#ctx0" brushRef="#br0">1 411 24575,'0'3'0,"0"0"0,0 0 0,0 0 0,0-1 0,1 1 0,-1 0 0,1 0 0,0 0 0,0 0 0,0-1 0,0 1 0,0 0 0,1-1 0,-1 1 0,1-1 0,0 0 0,-1 1 0,1-1 0,0 0 0,5 3 0,-4-2 0,1-1 0,0 0 0,0-1 0,0 1 0,0-1 0,1 0 0,-1 0 0,0 0 0,1 0 0,-1-1 0,0 1 0,8-2 0,0 0 0,1 0 0,-1-1 0,0-1 0,1 0 0,-1 0 0,0-2 0,-1 1 0,23-13 0,-19 6 0,0-1 0,-1 0 0,0-1 0,-1-1 0,0 0 0,-1 0 0,-1-2 0,0 1 0,-1-1 0,-1-1 0,-1 0 0,0 0 0,-1 0 0,-1-1 0,0 0 0,-2-1 0,0 1 0,-1-1 0,-1 0 0,0 1 0,-2-27 0,0 42 0,0 0 0,0-1 0,-1 1 0,1-1 0,-1 1 0,0 0 0,0-1 0,0 1 0,0 0 0,0 0 0,-1 0 0,0 0 0,1 0 0,-1 0 0,0 0 0,0 1 0,-3-4 0,3 5 0,0 0 0,0 0 0,0 0 0,0 1 0,1-1 0,-1 1 0,0-1 0,0 1 0,0 0 0,0-1 0,0 1 0,0 0 0,0 0 0,0 1 0,0-1 0,0 0 0,0 1 0,0-1 0,0 1 0,0-1 0,0 1 0,0 0 0,0 0 0,0 0 0,1 0 0,-1 0 0,1 0 0,-1 1 0,0-1 0,-1 3 0,-14 12 0,0 1 0,1 0 0,1 1 0,1 0 0,-23 41 0,-48 110 0,68-130 0,2 0 0,1 1 0,3 0 0,1 1 0,2 1 0,-5 73 0,12-111 0,1 1 0,-1-1 0,1 1 0,0-1 0,1 1 0,-1 0 0,1-1 0,0 0 0,0 1 0,0-1 0,1 1 0,-1-1 0,1 0 0,0 0 0,0 0 0,1 0 0,-1 0 0,1-1 0,0 1 0,0-1 0,0 1 0,0-1 0,0 0 0,1 0 0,0-1 0,-1 1 0,1-1 0,0 1 0,0-1 0,1-1 0,-1 1 0,0 0 0,1-1 0,-1 0 0,0 0 0,1 0 0,5-1 0,51 7 0,0-2 0,0-3 0,69-8 0,-42 3 0,-77 2-79,7 2-82,-1-1 0,1-2 0,0 0 1,-1 0-1,1-2 0,-1 0 1,26-10-1,-10-4-6665</inkml:trace>
+</inkml:ink>
+</file>
+
+<file path=ppt/ink/ink52.xml><?xml version="1.0" encoding="utf-8"?>
+<inkml:ink xmlns:inkml="http://www.w3.org/2003/InkML">
+  <inkml:definitions>
+    <inkml:context xml:id="ctx0">
+      <inkml:inkSource xml:id="inkSrc0">
+        <inkml:traceFormat>
+          <inkml:channel name="X" type="integer" min="-2.14748E9" max="2.14748E9" units="cm"/>
+          <inkml:channel name="Y" type="integer" min="-2.14748E9" max="2.14748E9" units="cm"/>
+          <inkml:channel name="F" type="integer" max="32767" units="dev"/>
+        </inkml:traceFormat>
+        <inkml:channelProperties>
+          <inkml:channelProperty channel="X" name="resolution" value="1000" units="1/cm"/>
+          <inkml:channelProperty channel="Y" name="resolution" value="1000" units="1/cm"/>
+          <inkml:channelProperty channel="F" name="resolution" value="0" units="1/dev"/>
+        </inkml:channelProperties>
+      </inkml:inkSource>
+      <inkml:timestamp xml:id="ts0" timeString="2025-01-23T13:48:27.285"/>
+    </inkml:context>
+    <inkml:brush xml:id="br0">
+      <inkml:brushProperty name="width" value="0.035" units="cm"/>
+      <inkml:brushProperty name="height" value="0.035" units="cm"/>
+    </inkml:brush>
+  </inkml:definitions>
+  <inkml:trace contextRef="#ctx0" brushRef="#br0">1 1 24575,'0'13'0,"0"19"0,0 10 0,0 12 0,6 9 0,3 22 0,6 3 0,1-7 0,5-3 0,-3-9 0,-3-9 0,-4-8 0,-5-13-8191</inkml:trace>
+</inkml:ink>
+</file>
+
+<file path=ppt/ink/ink53.xml><?xml version="1.0" encoding="utf-8"?>
+<inkml:ink xmlns:inkml="http://www.w3.org/2003/InkML">
+  <inkml:definitions>
+    <inkml:context xml:id="ctx0">
+      <inkml:inkSource xml:id="inkSrc0">
+        <inkml:traceFormat>
+          <inkml:channel name="X" type="integer" min="-2.14748E9" max="2.14748E9" units="cm"/>
+          <inkml:channel name="Y" type="integer" min="-2.14748E9" max="2.14748E9" units="cm"/>
+          <inkml:channel name="F" type="integer" max="32767" units="dev"/>
+        </inkml:traceFormat>
+        <inkml:channelProperties>
+          <inkml:channelProperty channel="X" name="resolution" value="1000" units="1/cm"/>
+          <inkml:channelProperty channel="Y" name="resolution" value="1000" units="1/cm"/>
+          <inkml:channelProperty channel="F" name="resolution" value="0" units="1/dev"/>
+        </inkml:channelProperties>
+      </inkml:inkSource>
+      <inkml:timestamp xml:id="ts0" timeString="2025-01-23T13:48:27.935"/>
+    </inkml:context>
+    <inkml:brush xml:id="br0">
+      <inkml:brushProperty name="width" value="0.035" units="cm"/>
+      <inkml:brushProperty name="height" value="0.035" units="cm"/>
+    </inkml:brush>
+  </inkml:definitions>
+  <inkml:trace contextRef="#ctx0" brushRef="#br0">0 1 24575,'1'7'0,"0"-1"0,1 1 0,0-1 0,0 1 0,0-1 0,1 0 0,0 0 0,0 0 0,6 8 0,10 21 0,5 23 0,46 81 0,-56-116 0,1 0 0,0-1 0,2-1 0,1-1 0,0 0 0,23 18 0,-37-34 0,1 0 0,0-1 0,0 0 0,1 1 0,-1-2 0,1 1 0,0-1 0,-1 0 0,1 0 0,11 2 0,-14-4 0,0 0 0,0 0 0,0 0 0,0 0 0,0 0 0,-1-1 0,1 1 0,0-1 0,0 0 0,-1 0 0,1 0 0,0 0 0,-1-1 0,1 1 0,-1-1 0,1 1 0,-1-1 0,0 0 0,0 0 0,0 0 0,0 0 0,0 0 0,0 0 0,0-1 0,1-2 0,11-20 0,-2 0 0,-1 0 0,0-1 0,-2 0 0,-1-1 0,6-37 0,12-164 0,-25 208-1365</inkml:trace>
+</inkml:ink>
+</file>
+
+<file path=ppt/ink/ink54.xml><?xml version="1.0" encoding="utf-8"?>
+<inkml:ink xmlns:inkml="http://www.w3.org/2003/InkML">
+  <inkml:definitions>
+    <inkml:context xml:id="ctx0">
+      <inkml:inkSource xml:id="inkSrc0">
+        <inkml:traceFormat>
+          <inkml:channel name="X" type="integer" min="-2.14748E9" max="2.14748E9" units="cm"/>
+          <inkml:channel name="Y" type="integer" min="-2.14748E9" max="2.14748E9" units="cm"/>
+        </inkml:traceFormat>
+        <inkml:channelProperties>
+          <inkml:channelProperty channel="X" name="resolution" value="1000" units="1/cm"/>
+          <inkml:channelProperty channel="Y" name="resolution" value="1000" units="1/cm"/>
+        </inkml:channelProperties>
+      </inkml:inkSource>
+      <inkml:timestamp xml:id="ts0" timeString="2025-01-23T13:30:50.632"/>
+    </inkml:context>
+    <inkml:brush xml:id="br0">
+      <inkml:brushProperty name="width" value="0.3" units="cm"/>
+      <inkml:brushProperty name="height" value="0.6" units="cm"/>
+      <inkml:brushProperty name="color" value="#FFFC00"/>
+      <inkml:brushProperty name="tip" value="rectangle"/>
+      <inkml:brushProperty name="rasterOp" value="maskPen"/>
+      <inkml:brushProperty name="ignorePressure" value="1"/>
+    </inkml:brush>
+  </inkml:definitions>
+  <inkml:trace contextRef="#ctx0" brushRef="#br0">1 45,'9023'0,"-8976"-2,89-17,22-1,434 16,-303 7,1055-3,-1276 3,91 16,-88-9,81 2,552-14,-662 5,0 1,51 12,-2 0,-48-11,85 14,187 2,1208-23,-1477 2</inkml:trace>
+</inkml:ink>
+</file>
+
+<file path=ppt/ink/ink55.xml><?xml version="1.0" encoding="utf-8"?>
+<inkml:ink xmlns:inkml="http://www.w3.org/2003/InkML">
+  <inkml:definitions>
+    <inkml:context xml:id="ctx0">
+      <inkml:inkSource xml:id="inkSrc0">
+        <inkml:traceFormat>
+          <inkml:channel name="X" type="integer" min="-2.14748E9" max="2.14748E9" units="cm"/>
+          <inkml:channel name="Y" type="integer" min="-2.14748E9" max="2.14748E9" units="cm"/>
+        </inkml:traceFormat>
+        <inkml:channelProperties>
+          <inkml:channelProperty channel="X" name="resolution" value="1000" units="1/cm"/>
+          <inkml:channelProperty channel="Y" name="resolution" value="1000" units="1/cm"/>
+        </inkml:channelProperties>
+      </inkml:inkSource>
+      <inkml:timestamp xml:id="ts0" timeString="2025-01-23T13:30:52.549"/>
+    </inkml:context>
+    <inkml:brush xml:id="br0">
+      <inkml:brushProperty name="width" value="0.3" units="cm"/>
+      <inkml:brushProperty name="height" value="0.6" units="cm"/>
+      <inkml:brushProperty name="color" value="#FFFC00"/>
+      <inkml:brushProperty name="tip" value="rectangle"/>
+      <inkml:brushProperty name="rasterOp" value="maskPen"/>
+      <inkml:brushProperty name="ignorePressure" value="1"/>
+    </inkml:brush>
+  </inkml:definitions>
+  <inkml:trace contextRef="#ctx0" brushRef="#br0">0 85,'1037'0,"-974"-3,87-15,45-3,93 0,33-1,338 24,-632 0,0 0,0 2,29 9,-25-6,0-1,33 2,95-7,-91-2,0 3,88 13,-82-5,90 0,-36-3,23 16,-70-9,127 27,-200-38,-15-2,-15 0,21-1,-26 0</inkml:trace>
 </inkml:ink>
 </file>
 
@@ -939,7 +1791,7 @@
           <a:p>
             <a:fld id="{25356B97-445C-49D8-8173-B5FE447337B2}" type="datetimeFigureOut">
               <a:rPr lang="he-IL" smtClean="0"/>
-              <a:t>כ"ב/טבת/תשפ"ה</a:t>
+              <a:t>כ"ג/טבת/תשפ"ה</a:t>
             </a:fld>
             <a:endParaRPr lang="he-IL"/>
           </a:p>
@@ -1139,7 +1991,7 @@
           <a:p>
             <a:fld id="{25356B97-445C-49D8-8173-B5FE447337B2}" type="datetimeFigureOut">
               <a:rPr lang="he-IL" smtClean="0"/>
-              <a:t>כ"ב/טבת/תשפ"ה</a:t>
+              <a:t>כ"ג/טבת/תשפ"ה</a:t>
             </a:fld>
             <a:endParaRPr lang="he-IL"/>
           </a:p>
@@ -1349,7 +2201,7 @@
           <a:p>
             <a:fld id="{25356B97-445C-49D8-8173-B5FE447337B2}" type="datetimeFigureOut">
               <a:rPr lang="he-IL" smtClean="0"/>
-              <a:t>כ"ב/טבת/תשפ"ה</a:t>
+              <a:t>כ"ג/טבת/תשפ"ה</a:t>
             </a:fld>
             <a:endParaRPr lang="he-IL"/>
           </a:p>
@@ -1549,7 +2401,7 @@
           <a:p>
             <a:fld id="{25356B97-445C-49D8-8173-B5FE447337B2}" type="datetimeFigureOut">
               <a:rPr lang="he-IL" smtClean="0"/>
-              <a:t>כ"ב/טבת/תשפ"ה</a:t>
+              <a:t>כ"ג/טבת/תשפ"ה</a:t>
             </a:fld>
             <a:endParaRPr lang="he-IL"/>
           </a:p>
@@ -1825,7 +2677,7 @@
           <a:p>
             <a:fld id="{25356B97-445C-49D8-8173-B5FE447337B2}" type="datetimeFigureOut">
               <a:rPr lang="he-IL" smtClean="0"/>
-              <a:t>כ"ב/טבת/תשפ"ה</a:t>
+              <a:t>כ"ג/טבת/תשפ"ה</a:t>
             </a:fld>
             <a:endParaRPr lang="he-IL"/>
           </a:p>
@@ -2093,7 +2945,7 @@
           <a:p>
             <a:fld id="{25356B97-445C-49D8-8173-B5FE447337B2}" type="datetimeFigureOut">
               <a:rPr lang="he-IL" smtClean="0"/>
-              <a:t>כ"ב/טבת/תשפ"ה</a:t>
+              <a:t>כ"ג/טבת/תשפ"ה</a:t>
             </a:fld>
             <a:endParaRPr lang="he-IL"/>
           </a:p>
@@ -2508,7 +3360,7 @@
           <a:p>
             <a:fld id="{25356B97-445C-49D8-8173-B5FE447337B2}" type="datetimeFigureOut">
               <a:rPr lang="he-IL" smtClean="0"/>
-              <a:t>כ"ב/טבת/תשפ"ה</a:t>
+              <a:t>כ"ג/טבת/תשפ"ה</a:t>
             </a:fld>
             <a:endParaRPr lang="he-IL"/>
           </a:p>
@@ -2650,7 +3502,7 @@
           <a:p>
             <a:fld id="{25356B97-445C-49D8-8173-B5FE447337B2}" type="datetimeFigureOut">
               <a:rPr lang="he-IL" smtClean="0"/>
-              <a:t>כ"ב/טבת/תשפ"ה</a:t>
+              <a:t>כ"ג/טבת/תשפ"ה</a:t>
             </a:fld>
             <a:endParaRPr lang="he-IL"/>
           </a:p>
@@ -2763,7 +3615,7 @@
           <a:p>
             <a:fld id="{25356B97-445C-49D8-8173-B5FE447337B2}" type="datetimeFigureOut">
               <a:rPr lang="he-IL" smtClean="0"/>
-              <a:t>כ"ב/טבת/תשפ"ה</a:t>
+              <a:t>כ"ג/טבת/תשפ"ה</a:t>
             </a:fld>
             <a:endParaRPr lang="he-IL"/>
           </a:p>
@@ -3076,7 +3928,7 @@
           <a:p>
             <a:fld id="{25356B97-445C-49D8-8173-B5FE447337B2}" type="datetimeFigureOut">
               <a:rPr lang="he-IL" smtClean="0"/>
-              <a:t>כ"ב/טבת/תשפ"ה</a:t>
+              <a:t>כ"ג/טבת/תשפ"ה</a:t>
             </a:fld>
             <a:endParaRPr lang="he-IL"/>
           </a:p>
@@ -3365,7 +4217,7 @@
           <a:p>
             <a:fld id="{25356B97-445C-49D8-8173-B5FE447337B2}" type="datetimeFigureOut">
               <a:rPr lang="he-IL" smtClean="0"/>
-              <a:t>כ"ב/טבת/תשפ"ה</a:t>
+              <a:t>כ"ג/טבת/תשפ"ה</a:t>
             </a:fld>
             <a:endParaRPr lang="he-IL"/>
           </a:p>
@@ -3442,9 +4294,14 @@
 <p:sldMaster xmlns:a="http://schemas.openxmlformats.org/drawingml/2006/main" xmlns:r="http://schemas.openxmlformats.org/officeDocument/2006/relationships" xmlns:p="http://schemas.openxmlformats.org/presentationml/2006/main">
   <p:cSld>
     <p:bg>
-      <p:bgRef idx="1001">
-        <a:schemeClr val="bg1"/>
-      </p:bgRef>
+      <p:bgPr>
+        <a:solidFill>
+          <a:schemeClr val="accent1">
+            <a:lumMod val="50000"/>
+          </a:schemeClr>
+        </a:solidFill>
+        <a:effectLst/>
+      </p:bgPr>
     </p:bg>
     <p:spTree>
       <p:nvGrpSpPr>
@@ -3608,7 +4465,7 @@
           <a:p>
             <a:fld id="{25356B97-445C-49D8-8173-B5FE447337B2}" type="datetimeFigureOut">
               <a:rPr lang="he-IL" smtClean="0"/>
-              <a:t>כ"ב/טבת/תשפ"ה</a:t>
+              <a:t>כ"ג/טבת/תשפ"ה</a:t>
             </a:fld>
             <a:endParaRPr lang="he-IL"/>
           </a:p>
@@ -4011,14 +4868,6 @@
 <file path=ppt/slides/slide1.xml><?xml version="1.0" encoding="utf-8"?>
 <p:sld xmlns:a="http://schemas.openxmlformats.org/drawingml/2006/main" xmlns:r="http://schemas.openxmlformats.org/officeDocument/2006/relationships" xmlns:p="http://schemas.openxmlformats.org/presentationml/2006/main">
   <p:cSld>
-    <p:bg>
-      <p:bgPr>
-        <a:solidFill>
-          <a:schemeClr val="bg1"/>
-        </a:solidFill>
-        <a:effectLst/>
-      </p:bgPr>
-    </p:bg>
     <p:spTree>
       <p:nvGrpSpPr>
         <p:cNvPr id="1" name=""/>
@@ -4721,17 +5570,2363 @@
 </p:sld>
 </file>
 
-<file path=ppt/slides/slide2.xml><?xml version="1.0" encoding="utf-8"?>
+<file path=ppt/slides/slide10.xml><?xml version="1.0" encoding="utf-8"?>
+<p:sld xmlns:a="http://schemas.openxmlformats.org/drawingml/2006/main" xmlns:r="http://schemas.openxmlformats.org/officeDocument/2006/relationships" xmlns:p="http://schemas.openxmlformats.org/presentationml/2006/main">
+  <p:cSld>
+    <p:spTree>
+      <p:nvGrpSpPr>
+        <p:cNvPr id="1" name=""/>
+        <p:cNvGrpSpPr/>
+        <p:nvPr/>
+      </p:nvGrpSpPr>
+      <p:grpSpPr>
+        <a:xfrm>
+          <a:off x="0" y="0"/>
+          <a:ext cx="0" cy="0"/>
+          <a:chOff x="0" y="0"/>
+          <a:chExt cx="0" cy="0"/>
+        </a:xfrm>
+      </p:grpSpPr>
+      <p:sp>
+        <p:nvSpPr>
+          <p:cNvPr id="3" name="Content Placeholder 2">
+            <a:extLst>
+              <a:ext uri="{FF2B5EF4-FFF2-40B4-BE49-F238E27FC236}">
+                <a16:creationId xmlns:a16="http://schemas.microsoft.com/office/drawing/2014/main" id="{82CC6F06-D7EC-8A9D-763D-4020AEC2AE90}"/>
+              </a:ext>
+            </a:extLst>
+          </p:cNvPr>
+          <p:cNvSpPr>
+            <a:spLocks noGrp="1"/>
+          </p:cNvSpPr>
+          <p:nvPr>
+            <p:ph idx="1"/>
+          </p:nvPr>
+        </p:nvSpPr>
+        <p:spPr>
+          <a:xfrm>
+            <a:off x="21294" y="1675752"/>
+            <a:ext cx="6350932" cy="1619953"/>
+          </a:xfrm>
+        </p:spPr>
+        <p:txBody>
+          <a:bodyPr>
+            <a:normAutofit/>
+          </a:bodyPr>
+          <a:lstStyle/>
+          <a:p>
+            <a:pPr marL="0" indent="0">
+              <a:buNone/>
+            </a:pPr>
+            <a:r>
+              <a:rPr lang="en-US" sz="1800" b="1" dirty="0">
+                <a:solidFill>
+                  <a:schemeClr val="bg1"/>
+                </a:solidFill>
+              </a:rPr>
+              <a:t> “show spanning-tree interface e0/1 detail”  output shows </a:t>
+            </a:r>
+            <a:r>
+              <a:rPr lang="en-US" sz="1800" b="1" dirty="0" err="1">
+                <a:solidFill>
+                  <a:schemeClr val="bg1"/>
+                </a:solidFill>
+              </a:rPr>
+              <a:t>bpdu</a:t>
+            </a:r>
+            <a:r>
+              <a:rPr lang="en-US" sz="1800" b="1" dirty="0">
+                <a:solidFill>
+                  <a:schemeClr val="bg1"/>
+                </a:solidFill>
+              </a:rPr>
+              <a:t> guard is enabled, 436 </a:t>
+            </a:r>
+            <a:r>
+              <a:rPr lang="en-US" sz="1800" b="1" dirty="0" err="1">
+                <a:solidFill>
+                  <a:schemeClr val="bg1"/>
+                </a:solidFill>
+              </a:rPr>
+              <a:t>bpdu’s</a:t>
+            </a:r>
+            <a:r>
+              <a:rPr lang="en-US" sz="1800" b="1" dirty="0">
+                <a:solidFill>
+                  <a:schemeClr val="bg1"/>
+                </a:solidFill>
+              </a:rPr>
+              <a:t> sent, 0 received. Now we will try to send a manipulated BPDU and see what happens</a:t>
+            </a:r>
+            <a:endParaRPr lang="he-IL" sz="1800" b="1" dirty="0">
+              <a:solidFill>
+                <a:schemeClr val="bg1"/>
+              </a:solidFill>
+            </a:endParaRPr>
+          </a:p>
+        </p:txBody>
+      </p:sp>
+      <p:pic>
+        <p:nvPicPr>
+          <p:cNvPr id="5" name="Picture 4">
+            <a:extLst>
+              <a:ext uri="{FF2B5EF4-FFF2-40B4-BE49-F238E27FC236}">
+                <a16:creationId xmlns:a16="http://schemas.microsoft.com/office/drawing/2014/main" id="{8CB48BFC-E582-DDEE-31D6-3292B8B57366}"/>
+              </a:ext>
+            </a:extLst>
+          </p:cNvPr>
+          <p:cNvPicPr>
+            <a:picLocks noChangeAspect="1"/>
+          </p:cNvPicPr>
+          <p:nvPr/>
+        </p:nvPicPr>
+        <p:blipFill>
+          <a:blip r:embed="rId2"/>
+          <a:stretch>
+            <a:fillRect/>
+          </a:stretch>
+        </p:blipFill>
+        <p:spPr>
+          <a:xfrm>
+            <a:off x="-213691" y="3142604"/>
+            <a:ext cx="11539018" cy="3644966"/>
+          </a:xfrm>
+          <a:prstGeom prst="rect">
+            <a:avLst/>
+          </a:prstGeom>
+        </p:spPr>
+      </p:pic>
+      <mc:AlternateContent xmlns:mc="http://schemas.openxmlformats.org/markup-compatibility/2006">
+        <mc:Choice xmlns:p14="http://schemas.microsoft.com/office/powerpoint/2010/main" Requires="p14">
+          <p:contentPart p14:bwMode="auto" r:id="rId3">
+            <p14:nvContentPartPr>
+              <p14:cNvPr id="6" name="Ink 5">
+                <a:extLst>
+                  <a:ext uri="{FF2B5EF4-FFF2-40B4-BE49-F238E27FC236}">
+                    <a16:creationId xmlns:a16="http://schemas.microsoft.com/office/drawing/2014/main" id="{B4485E61-2005-86C0-5849-9435A39CDBCE}"/>
+                  </a:ext>
+                </a:extLst>
+              </p14:cNvPr>
+              <p14:cNvContentPartPr/>
+              <p14:nvPr/>
+            </p14:nvContentPartPr>
+            <p14:xfrm>
+              <a:off x="569597" y="6415601"/>
+              <a:ext cx="3387240" cy="91440"/>
+            </p14:xfrm>
+          </p:contentPart>
+        </mc:Choice>
+        <mc:Fallback>
+          <p:pic>
+            <p:nvPicPr>
+              <p:cNvPr id="6" name="Ink 5">
+                <a:extLst>
+                  <a:ext uri="{FF2B5EF4-FFF2-40B4-BE49-F238E27FC236}">
+                    <a16:creationId xmlns:a16="http://schemas.microsoft.com/office/drawing/2014/main" id="{B4485E61-2005-86C0-5849-9435A39CDBCE}"/>
+                  </a:ext>
+                </a:extLst>
+              </p:cNvPr>
+              <p:cNvPicPr/>
+              <p:nvPr/>
+            </p:nvPicPr>
+            <p:blipFill>
+              <a:blip r:embed="rId4"/>
+              <a:stretch>
+                <a:fillRect/>
+              </a:stretch>
+            </p:blipFill>
+            <p:spPr>
+              <a:xfrm>
+                <a:off x="515597" y="6307601"/>
+                <a:ext cx="3494880" cy="307080"/>
+              </a:xfrm>
+              <a:prstGeom prst="rect">
+                <a:avLst/>
+              </a:prstGeom>
+            </p:spPr>
+          </p:pic>
+        </mc:Fallback>
+      </mc:AlternateContent>
+      <mc:AlternateContent xmlns:mc="http://schemas.openxmlformats.org/markup-compatibility/2006">
+        <mc:Choice xmlns:p14="http://schemas.microsoft.com/office/powerpoint/2010/main" Requires="p14">
+          <p:contentPart p14:bwMode="auto" r:id="rId5">
+            <p14:nvContentPartPr>
+              <p14:cNvPr id="7" name="Ink 6">
+                <a:extLst>
+                  <a:ext uri="{FF2B5EF4-FFF2-40B4-BE49-F238E27FC236}">
+                    <a16:creationId xmlns:a16="http://schemas.microsoft.com/office/drawing/2014/main" id="{0108E661-449B-3D8A-D541-BEDCD9168A4E}"/>
+                  </a:ext>
+                </a:extLst>
+              </p14:cNvPr>
+              <p14:cNvContentPartPr/>
+              <p14:nvPr/>
+            </p14:nvContentPartPr>
+            <p14:xfrm>
+              <a:off x="452797" y="6609010"/>
+              <a:ext cx="4374000" cy="178560"/>
+            </p14:xfrm>
+          </p:contentPart>
+        </mc:Choice>
+        <mc:Fallback>
+          <p:pic>
+            <p:nvPicPr>
+              <p:cNvPr id="7" name="Ink 6">
+                <a:extLst>
+                  <a:ext uri="{FF2B5EF4-FFF2-40B4-BE49-F238E27FC236}">
+                    <a16:creationId xmlns:a16="http://schemas.microsoft.com/office/drawing/2014/main" id="{0108E661-449B-3D8A-D541-BEDCD9168A4E}"/>
+                  </a:ext>
+                </a:extLst>
+              </p:cNvPr>
+              <p:cNvPicPr/>
+              <p:nvPr/>
+            </p:nvPicPr>
+            <p:blipFill>
+              <a:blip r:embed="rId6"/>
+              <a:stretch>
+                <a:fillRect/>
+              </a:stretch>
+            </p:blipFill>
+            <p:spPr>
+              <a:xfrm>
+                <a:off x="398797" y="6501370"/>
+                <a:ext cx="4481640" cy="394200"/>
+              </a:xfrm>
+              <a:prstGeom prst="rect">
+                <a:avLst/>
+              </a:prstGeom>
+            </p:spPr>
+          </p:pic>
+        </mc:Fallback>
+      </mc:AlternateContent>
+      <p:sp>
+        <p:nvSpPr>
+          <p:cNvPr id="8" name="TextBox 7">
+            <a:extLst>
+              <a:ext uri="{FF2B5EF4-FFF2-40B4-BE49-F238E27FC236}">
+                <a16:creationId xmlns:a16="http://schemas.microsoft.com/office/drawing/2014/main" id="{9134C48A-1463-7855-5A30-9ED5EE7303C8}"/>
+              </a:ext>
+            </a:extLst>
+          </p:cNvPr>
+          <p:cNvSpPr txBox="1"/>
+          <p:nvPr/>
+        </p:nvSpPr>
+        <p:spPr>
+          <a:xfrm>
+            <a:off x="6607211" y="1660951"/>
+            <a:ext cx="7631273" cy="1200329"/>
+          </a:xfrm>
+          <a:prstGeom prst="rect">
+            <a:avLst/>
+          </a:prstGeom>
+          <a:noFill/>
+        </p:spPr>
+        <p:txBody>
+          <a:bodyPr wrap="square" rtlCol="1">
+            <a:spAutoFit/>
+          </a:bodyPr>
+          <a:lstStyle/>
+          <a:p>
+            <a:r>
+              <a:rPr lang="en-US" b="1" dirty="0">
+                <a:solidFill>
+                  <a:schemeClr val="bg1"/>
+                </a:solidFill>
+              </a:rPr>
+              <a:t>IOU3&gt;enable</a:t>
+            </a:r>
+          </a:p>
+          <a:p>
+            <a:r>
+              <a:rPr lang="en-US" b="1" dirty="0">
+                <a:solidFill>
+                  <a:schemeClr val="bg1"/>
+                </a:solidFill>
+              </a:rPr>
+              <a:t>IOU3#conf t</a:t>
+            </a:r>
+          </a:p>
+          <a:p>
+            <a:r>
+              <a:rPr lang="en-US" b="1" dirty="0">
+                <a:solidFill>
+                  <a:schemeClr val="bg1"/>
+                </a:solidFill>
+              </a:rPr>
+              <a:t>IOU3(config)#interface e0/1</a:t>
+            </a:r>
+          </a:p>
+          <a:p>
+            <a:r>
+              <a:rPr lang="en-US" b="1" dirty="0">
+                <a:solidFill>
+                  <a:schemeClr val="bg1"/>
+                </a:solidFill>
+              </a:rPr>
+              <a:t>IOU3(config)#spanning-tree </a:t>
+            </a:r>
+            <a:r>
+              <a:rPr lang="en-US" b="1" dirty="0" err="1">
+                <a:solidFill>
+                  <a:schemeClr val="bg1"/>
+                </a:solidFill>
+              </a:rPr>
+              <a:t>bpduguard</a:t>
+            </a:r>
+            <a:r>
+              <a:rPr lang="en-US" b="1" dirty="0">
+                <a:solidFill>
+                  <a:schemeClr val="bg1"/>
+                </a:solidFill>
+              </a:rPr>
+              <a:t> enable </a:t>
+            </a:r>
+          </a:p>
+        </p:txBody>
+      </p:sp>
+      <p:grpSp>
+        <p:nvGrpSpPr>
+          <p:cNvPr id="26" name="Group 25">
+            <a:extLst>
+              <a:ext uri="{FF2B5EF4-FFF2-40B4-BE49-F238E27FC236}">
+                <a16:creationId xmlns:a16="http://schemas.microsoft.com/office/drawing/2014/main" id="{288AC6F9-1A4B-7DFC-CB54-92F7F663E1A9}"/>
+              </a:ext>
+            </a:extLst>
+          </p:cNvPr>
+          <p:cNvGrpSpPr/>
+          <p:nvPr/>
+        </p:nvGrpSpPr>
+        <p:grpSpPr>
+          <a:xfrm>
+            <a:off x="6642067" y="411120"/>
+            <a:ext cx="2133000" cy="1191240"/>
+            <a:chOff x="6642067" y="411120"/>
+            <a:chExt cx="2133000" cy="1191240"/>
+          </a:xfrm>
+        </p:grpSpPr>
+        <mc:AlternateContent xmlns:mc="http://schemas.openxmlformats.org/markup-compatibility/2006">
+          <mc:Choice xmlns:p14="http://schemas.microsoft.com/office/powerpoint/2010/main" Requires="p14">
+            <p:contentPart p14:bwMode="auto" r:id="rId7">
+              <p14:nvContentPartPr>
+                <p14:cNvPr id="11" name="Ink 10">
+                  <a:extLst>
+                    <a:ext uri="{FF2B5EF4-FFF2-40B4-BE49-F238E27FC236}">
+                      <a16:creationId xmlns:a16="http://schemas.microsoft.com/office/drawing/2014/main" id="{5B2323AC-9BF9-4FE3-C391-CBAB6A87697B}"/>
+                    </a:ext>
+                  </a:extLst>
+                </p14:cNvPr>
+                <p14:cNvContentPartPr/>
+                <p14:nvPr/>
+              </p14:nvContentPartPr>
+              <p14:xfrm>
+                <a:off x="6642067" y="613800"/>
+                <a:ext cx="236520" cy="300240"/>
+              </p14:xfrm>
+            </p:contentPart>
+          </mc:Choice>
+          <mc:Fallback>
+            <p:pic>
+              <p:nvPicPr>
+                <p:cNvPr id="11" name="Ink 10">
+                  <a:extLst>
+                    <a:ext uri="{FF2B5EF4-FFF2-40B4-BE49-F238E27FC236}">
+                      <a16:creationId xmlns:a16="http://schemas.microsoft.com/office/drawing/2014/main" id="{5B2323AC-9BF9-4FE3-C391-CBAB6A87697B}"/>
+                    </a:ext>
+                  </a:extLst>
+                </p:cNvPr>
+                <p:cNvPicPr/>
+                <p:nvPr/>
+              </p:nvPicPr>
+              <p:blipFill>
+                <a:blip r:embed="rId8"/>
+                <a:stretch>
+                  <a:fillRect/>
+                </a:stretch>
+              </p:blipFill>
+              <p:spPr>
+                <a:xfrm>
+                  <a:off x="6635947" y="607680"/>
+                  <a:ext cx="248760" cy="312480"/>
+                </a:xfrm>
+                <a:prstGeom prst="rect">
+                  <a:avLst/>
+                </a:prstGeom>
+              </p:spPr>
+            </p:pic>
+          </mc:Fallback>
+        </mc:AlternateContent>
+        <mc:AlternateContent xmlns:mc="http://schemas.openxmlformats.org/markup-compatibility/2006">
+          <mc:Choice xmlns:p14="http://schemas.microsoft.com/office/powerpoint/2010/main" Requires="p14">
+            <p:contentPart p14:bwMode="auto" r:id="rId9">
+              <p14:nvContentPartPr>
+                <p14:cNvPr id="12" name="Ink 11">
+                  <a:extLst>
+                    <a:ext uri="{FF2B5EF4-FFF2-40B4-BE49-F238E27FC236}">
+                      <a16:creationId xmlns:a16="http://schemas.microsoft.com/office/drawing/2014/main" id="{13091DED-AC07-EDA8-3778-1FD3EA79675A}"/>
+                    </a:ext>
+                  </a:extLst>
+                </p14:cNvPr>
+                <p14:cNvContentPartPr/>
+                <p14:nvPr/>
+              </p14:nvContentPartPr>
+              <p14:xfrm>
+                <a:off x="6914947" y="743400"/>
+                <a:ext cx="146160" cy="113400"/>
+              </p14:xfrm>
+            </p:contentPart>
+          </mc:Choice>
+          <mc:Fallback>
+            <p:pic>
+              <p:nvPicPr>
+                <p:cNvPr id="12" name="Ink 11">
+                  <a:extLst>
+                    <a:ext uri="{FF2B5EF4-FFF2-40B4-BE49-F238E27FC236}">
+                      <a16:creationId xmlns:a16="http://schemas.microsoft.com/office/drawing/2014/main" id="{13091DED-AC07-EDA8-3778-1FD3EA79675A}"/>
+                    </a:ext>
+                  </a:extLst>
+                </p:cNvPr>
+                <p:cNvPicPr/>
+                <p:nvPr/>
+              </p:nvPicPr>
+              <p:blipFill>
+                <a:blip r:embed="rId10"/>
+                <a:stretch>
+                  <a:fillRect/>
+                </a:stretch>
+              </p:blipFill>
+              <p:spPr>
+                <a:xfrm>
+                  <a:off x="6908827" y="737280"/>
+                  <a:ext cx="158400" cy="125640"/>
+                </a:xfrm>
+                <a:prstGeom prst="rect">
+                  <a:avLst/>
+                </a:prstGeom>
+              </p:spPr>
+            </p:pic>
+          </mc:Fallback>
+        </mc:AlternateContent>
+        <mc:AlternateContent xmlns:mc="http://schemas.openxmlformats.org/markup-compatibility/2006">
+          <mc:Choice xmlns:p14="http://schemas.microsoft.com/office/powerpoint/2010/main" Requires="p14">
+            <p:contentPart p14:bwMode="auto" r:id="rId11">
+              <p14:nvContentPartPr>
+                <p14:cNvPr id="13" name="Ink 12">
+                  <a:extLst>
+                    <a:ext uri="{FF2B5EF4-FFF2-40B4-BE49-F238E27FC236}">
+                      <a16:creationId xmlns:a16="http://schemas.microsoft.com/office/drawing/2014/main" id="{2544670E-192F-C58A-0108-9D1754E443A2}"/>
+                    </a:ext>
+                  </a:extLst>
+                </p14:cNvPr>
+                <p14:cNvContentPartPr/>
+                <p14:nvPr/>
+              </p14:nvContentPartPr>
+              <p14:xfrm>
+                <a:off x="7114747" y="657000"/>
+                <a:ext cx="216360" cy="207720"/>
+              </p14:xfrm>
+            </p:contentPart>
+          </mc:Choice>
+          <mc:Fallback>
+            <p:pic>
+              <p:nvPicPr>
+                <p:cNvPr id="13" name="Ink 12">
+                  <a:extLst>
+                    <a:ext uri="{FF2B5EF4-FFF2-40B4-BE49-F238E27FC236}">
+                      <a16:creationId xmlns:a16="http://schemas.microsoft.com/office/drawing/2014/main" id="{2544670E-192F-C58A-0108-9D1754E443A2}"/>
+                    </a:ext>
+                  </a:extLst>
+                </p:cNvPr>
+                <p:cNvPicPr/>
+                <p:nvPr/>
+              </p:nvPicPr>
+              <p:blipFill>
+                <a:blip r:embed="rId12"/>
+                <a:stretch>
+                  <a:fillRect/>
+                </a:stretch>
+              </p:blipFill>
+              <p:spPr>
+                <a:xfrm>
+                  <a:off x="7108627" y="650880"/>
+                  <a:ext cx="228600" cy="219960"/>
+                </a:xfrm>
+                <a:prstGeom prst="rect">
+                  <a:avLst/>
+                </a:prstGeom>
+              </p:spPr>
+            </p:pic>
+          </mc:Fallback>
+        </mc:AlternateContent>
+        <mc:AlternateContent xmlns:mc="http://schemas.openxmlformats.org/markup-compatibility/2006">
+          <mc:Choice xmlns:p14="http://schemas.microsoft.com/office/powerpoint/2010/main" Requires="p14">
+            <p:contentPart p14:bwMode="auto" r:id="rId13">
+              <p14:nvContentPartPr>
+                <p14:cNvPr id="14" name="Ink 13">
+                  <a:extLst>
+                    <a:ext uri="{FF2B5EF4-FFF2-40B4-BE49-F238E27FC236}">
+                      <a16:creationId xmlns:a16="http://schemas.microsoft.com/office/drawing/2014/main" id="{E5E43820-8025-B790-9F06-1197B6368096}"/>
+                    </a:ext>
+                  </a:extLst>
+                </p14:cNvPr>
+                <p14:cNvContentPartPr/>
+                <p14:nvPr/>
+              </p14:nvContentPartPr>
+              <p14:xfrm>
+                <a:off x="7485907" y="411120"/>
+                <a:ext cx="245520" cy="403560"/>
+              </p14:xfrm>
+            </p:contentPart>
+          </mc:Choice>
+          <mc:Fallback>
+            <p:pic>
+              <p:nvPicPr>
+                <p:cNvPr id="14" name="Ink 13">
+                  <a:extLst>
+                    <a:ext uri="{FF2B5EF4-FFF2-40B4-BE49-F238E27FC236}">
+                      <a16:creationId xmlns:a16="http://schemas.microsoft.com/office/drawing/2014/main" id="{E5E43820-8025-B790-9F06-1197B6368096}"/>
+                    </a:ext>
+                  </a:extLst>
+                </p:cNvPr>
+                <p:cNvPicPr/>
+                <p:nvPr/>
+              </p:nvPicPr>
+              <p:blipFill>
+                <a:blip r:embed="rId14"/>
+                <a:stretch>
+                  <a:fillRect/>
+                </a:stretch>
+              </p:blipFill>
+              <p:spPr>
+                <a:xfrm>
+                  <a:off x="7479787" y="405000"/>
+                  <a:ext cx="257760" cy="415800"/>
+                </a:xfrm>
+                <a:prstGeom prst="rect">
+                  <a:avLst/>
+                </a:prstGeom>
+              </p:spPr>
+            </p:pic>
+          </mc:Fallback>
+        </mc:AlternateContent>
+        <mc:AlternateContent xmlns:mc="http://schemas.openxmlformats.org/markup-compatibility/2006">
+          <mc:Choice xmlns:p14="http://schemas.microsoft.com/office/powerpoint/2010/main" Requires="p14">
+            <p:contentPart p14:bwMode="auto" r:id="rId15">
+              <p14:nvContentPartPr>
+                <p14:cNvPr id="15" name="Ink 14">
+                  <a:extLst>
+                    <a:ext uri="{FF2B5EF4-FFF2-40B4-BE49-F238E27FC236}">
+                      <a16:creationId xmlns:a16="http://schemas.microsoft.com/office/drawing/2014/main" id="{3C376DEA-D806-FBEB-7F2B-EE5CAA24808B}"/>
+                    </a:ext>
+                  </a:extLst>
+                </p14:cNvPr>
+                <p14:cNvContentPartPr/>
+                <p14:nvPr/>
+              </p14:nvContentPartPr>
+              <p14:xfrm>
+                <a:off x="7372507" y="571320"/>
+                <a:ext cx="254160" cy="9360"/>
+              </p14:xfrm>
+            </p:contentPart>
+          </mc:Choice>
+          <mc:Fallback>
+            <p:pic>
+              <p:nvPicPr>
+                <p:cNvPr id="15" name="Ink 14">
+                  <a:extLst>
+                    <a:ext uri="{FF2B5EF4-FFF2-40B4-BE49-F238E27FC236}">
+                      <a16:creationId xmlns:a16="http://schemas.microsoft.com/office/drawing/2014/main" id="{3C376DEA-D806-FBEB-7F2B-EE5CAA24808B}"/>
+                    </a:ext>
+                  </a:extLst>
+                </p:cNvPr>
+                <p:cNvPicPr/>
+                <p:nvPr/>
+              </p:nvPicPr>
+              <p:blipFill>
+                <a:blip r:embed="rId16"/>
+                <a:stretch>
+                  <a:fillRect/>
+                </a:stretch>
+              </p:blipFill>
+              <p:spPr>
+                <a:xfrm>
+                  <a:off x="7366387" y="565200"/>
+                  <a:ext cx="266400" cy="21600"/>
+                </a:xfrm>
+                <a:prstGeom prst="rect">
+                  <a:avLst/>
+                </a:prstGeom>
+              </p:spPr>
+            </p:pic>
+          </mc:Fallback>
+        </mc:AlternateContent>
+        <mc:AlternateContent xmlns:mc="http://schemas.openxmlformats.org/markup-compatibility/2006">
+          <mc:Choice xmlns:p14="http://schemas.microsoft.com/office/powerpoint/2010/main" Requires="p14">
+            <p:contentPart p14:bwMode="auto" r:id="rId17">
+              <p14:nvContentPartPr>
+                <p14:cNvPr id="16" name="Ink 15">
+                  <a:extLst>
+                    <a:ext uri="{FF2B5EF4-FFF2-40B4-BE49-F238E27FC236}">
+                      <a16:creationId xmlns:a16="http://schemas.microsoft.com/office/drawing/2014/main" id="{DA6EF579-95A0-AD3B-FC6C-8DC33223E10F}"/>
+                    </a:ext>
+                  </a:extLst>
+                </p14:cNvPr>
+                <p14:cNvContentPartPr/>
+                <p14:nvPr/>
+              </p14:nvContentPartPr>
+              <p14:xfrm>
+                <a:off x="7715227" y="628560"/>
+                <a:ext cx="360" cy="198360"/>
+              </p14:xfrm>
+            </p:contentPart>
+          </mc:Choice>
+          <mc:Fallback>
+            <p:pic>
+              <p:nvPicPr>
+                <p:cNvPr id="16" name="Ink 15">
+                  <a:extLst>
+                    <a:ext uri="{FF2B5EF4-FFF2-40B4-BE49-F238E27FC236}">
+                      <a16:creationId xmlns:a16="http://schemas.microsoft.com/office/drawing/2014/main" id="{DA6EF579-95A0-AD3B-FC6C-8DC33223E10F}"/>
+                    </a:ext>
+                  </a:extLst>
+                </p:cNvPr>
+                <p:cNvPicPr/>
+                <p:nvPr/>
+              </p:nvPicPr>
+              <p:blipFill>
+                <a:blip r:embed="rId18"/>
+                <a:stretch>
+                  <a:fillRect/>
+                </a:stretch>
+              </p:blipFill>
+              <p:spPr>
+                <a:xfrm>
+                  <a:off x="7709107" y="622440"/>
+                  <a:ext cx="12600" cy="210600"/>
+                </a:xfrm>
+                <a:prstGeom prst="rect">
+                  <a:avLst/>
+                </a:prstGeom>
+              </p:spPr>
+            </p:pic>
+          </mc:Fallback>
+        </mc:AlternateContent>
+        <mc:AlternateContent xmlns:mc="http://schemas.openxmlformats.org/markup-compatibility/2006">
+          <mc:Choice xmlns:p14="http://schemas.microsoft.com/office/powerpoint/2010/main" Requires="p14">
+            <p:contentPart p14:bwMode="auto" r:id="rId19">
+              <p14:nvContentPartPr>
+                <p14:cNvPr id="17" name="Ink 16">
+                  <a:extLst>
+                    <a:ext uri="{FF2B5EF4-FFF2-40B4-BE49-F238E27FC236}">
+                      <a16:creationId xmlns:a16="http://schemas.microsoft.com/office/drawing/2014/main" id="{58AF117E-D5C8-5F7C-9139-5DB7B5D1897C}"/>
+                    </a:ext>
+                  </a:extLst>
+                </p14:cNvPr>
+                <p14:cNvContentPartPr/>
+                <p14:nvPr/>
+              </p14:nvContentPartPr>
+              <p14:xfrm>
+                <a:off x="7729267" y="557280"/>
+                <a:ext cx="360" cy="360"/>
+              </p14:xfrm>
+            </p:contentPart>
+          </mc:Choice>
+          <mc:Fallback>
+            <p:pic>
+              <p:nvPicPr>
+                <p:cNvPr id="17" name="Ink 16">
+                  <a:extLst>
+                    <a:ext uri="{FF2B5EF4-FFF2-40B4-BE49-F238E27FC236}">
+                      <a16:creationId xmlns:a16="http://schemas.microsoft.com/office/drawing/2014/main" id="{58AF117E-D5C8-5F7C-9139-5DB7B5D1897C}"/>
+                    </a:ext>
+                  </a:extLst>
+                </p:cNvPr>
+                <p:cNvPicPr/>
+                <p:nvPr/>
+              </p:nvPicPr>
+              <p:blipFill>
+                <a:blip r:embed="rId20"/>
+                <a:stretch>
+                  <a:fillRect/>
+                </a:stretch>
+              </p:blipFill>
+              <p:spPr>
+                <a:xfrm>
+                  <a:off x="7723147" y="551160"/>
+                  <a:ext cx="12600" cy="12600"/>
+                </a:xfrm>
+                <a:prstGeom prst="rect">
+                  <a:avLst/>
+                </a:prstGeom>
+              </p:spPr>
+            </p:pic>
+          </mc:Fallback>
+        </mc:AlternateContent>
+        <mc:AlternateContent xmlns:mc="http://schemas.openxmlformats.org/markup-compatibility/2006">
+          <mc:Choice xmlns:p14="http://schemas.microsoft.com/office/powerpoint/2010/main" Requires="p14">
+            <p:contentPart p14:bwMode="auto" r:id="rId21">
+              <p14:nvContentPartPr>
+                <p14:cNvPr id="19" name="Ink 18">
+                  <a:extLst>
+                    <a:ext uri="{FF2B5EF4-FFF2-40B4-BE49-F238E27FC236}">
+                      <a16:creationId xmlns:a16="http://schemas.microsoft.com/office/drawing/2014/main" id="{D617EAF1-1BF0-11A7-983F-B21B36757CB3}"/>
+                    </a:ext>
+                  </a:extLst>
+                </p14:cNvPr>
+                <p14:cNvContentPartPr/>
+                <p14:nvPr/>
+              </p14:nvContentPartPr>
+              <p14:xfrm>
+                <a:off x="7799107" y="598320"/>
+                <a:ext cx="288720" cy="489960"/>
+              </p14:xfrm>
+            </p:contentPart>
+          </mc:Choice>
+          <mc:Fallback>
+            <p:pic>
+              <p:nvPicPr>
+                <p:cNvPr id="19" name="Ink 18">
+                  <a:extLst>
+                    <a:ext uri="{FF2B5EF4-FFF2-40B4-BE49-F238E27FC236}">
+                      <a16:creationId xmlns:a16="http://schemas.microsoft.com/office/drawing/2014/main" id="{D617EAF1-1BF0-11A7-983F-B21B36757CB3}"/>
+                    </a:ext>
+                  </a:extLst>
+                </p:cNvPr>
+                <p:cNvPicPr/>
+                <p:nvPr/>
+              </p:nvPicPr>
+              <p:blipFill>
+                <a:blip r:embed="rId22"/>
+                <a:stretch>
+                  <a:fillRect/>
+                </a:stretch>
+              </p:blipFill>
+              <p:spPr>
+                <a:xfrm>
+                  <a:off x="7792987" y="592200"/>
+                  <a:ext cx="300960" cy="502200"/>
+                </a:xfrm>
+                <a:prstGeom prst="rect">
+                  <a:avLst/>
+                </a:prstGeom>
+              </p:spPr>
+            </p:pic>
+          </mc:Fallback>
+        </mc:AlternateContent>
+        <mc:AlternateContent xmlns:mc="http://schemas.openxmlformats.org/markup-compatibility/2006">
+          <mc:Choice xmlns:p14="http://schemas.microsoft.com/office/powerpoint/2010/main" Requires="p14">
+            <p:contentPart p14:bwMode="auto" r:id="rId23">
+              <p14:nvContentPartPr>
+                <p14:cNvPr id="20" name="Ink 19">
+                  <a:extLst>
+                    <a:ext uri="{FF2B5EF4-FFF2-40B4-BE49-F238E27FC236}">
+                      <a16:creationId xmlns:a16="http://schemas.microsoft.com/office/drawing/2014/main" id="{F235B26C-665B-99DA-EB6E-B8C7F7D7E669}"/>
+                    </a:ext>
+                  </a:extLst>
+                </p14:cNvPr>
+                <p14:cNvContentPartPr/>
+                <p14:nvPr/>
+              </p14:nvContentPartPr>
+              <p14:xfrm>
+                <a:off x="8142187" y="528480"/>
+                <a:ext cx="159480" cy="270360"/>
+              </p14:xfrm>
+            </p:contentPart>
+          </mc:Choice>
+          <mc:Fallback>
+            <p:pic>
+              <p:nvPicPr>
+                <p:cNvPr id="20" name="Ink 19">
+                  <a:extLst>
+                    <a:ext uri="{FF2B5EF4-FFF2-40B4-BE49-F238E27FC236}">
+                      <a16:creationId xmlns:a16="http://schemas.microsoft.com/office/drawing/2014/main" id="{F235B26C-665B-99DA-EB6E-B8C7F7D7E669}"/>
+                    </a:ext>
+                  </a:extLst>
+                </p:cNvPr>
+                <p:cNvPicPr/>
+                <p:nvPr/>
+              </p:nvPicPr>
+              <p:blipFill>
+                <a:blip r:embed="rId24"/>
+                <a:stretch>
+                  <a:fillRect/>
+                </a:stretch>
+              </p:blipFill>
+              <p:spPr>
+                <a:xfrm>
+                  <a:off x="8136067" y="522360"/>
+                  <a:ext cx="171720" cy="282600"/>
+                </a:xfrm>
+                <a:prstGeom prst="rect">
+                  <a:avLst/>
+                </a:prstGeom>
+              </p:spPr>
+            </p:pic>
+          </mc:Fallback>
+        </mc:AlternateContent>
+        <mc:AlternateContent xmlns:mc="http://schemas.openxmlformats.org/markup-compatibility/2006">
+          <mc:Choice xmlns:p14="http://schemas.microsoft.com/office/powerpoint/2010/main" Requires="p14">
+            <p:contentPart p14:bwMode="auto" r:id="rId25">
+              <p14:nvContentPartPr>
+                <p14:cNvPr id="21" name="Ink 20">
+                  <a:extLst>
+                    <a:ext uri="{FF2B5EF4-FFF2-40B4-BE49-F238E27FC236}">
+                      <a16:creationId xmlns:a16="http://schemas.microsoft.com/office/drawing/2014/main" id="{39195365-4E7A-A1D3-5F32-4FC0FBE4B33F}"/>
+                    </a:ext>
+                  </a:extLst>
+                </p14:cNvPr>
+                <p14:cNvContentPartPr/>
+                <p14:nvPr/>
+              </p14:nvContentPartPr>
+              <p14:xfrm>
+                <a:off x="8358907" y="570960"/>
+                <a:ext cx="186120" cy="297360"/>
+              </p14:xfrm>
+            </p:contentPart>
+          </mc:Choice>
+          <mc:Fallback>
+            <p:pic>
+              <p:nvPicPr>
+                <p:cNvPr id="21" name="Ink 20">
+                  <a:extLst>
+                    <a:ext uri="{FF2B5EF4-FFF2-40B4-BE49-F238E27FC236}">
+                      <a16:creationId xmlns:a16="http://schemas.microsoft.com/office/drawing/2014/main" id="{39195365-4E7A-A1D3-5F32-4FC0FBE4B33F}"/>
+                    </a:ext>
+                  </a:extLst>
+                </p:cNvPr>
+                <p:cNvPicPr/>
+                <p:nvPr/>
+              </p:nvPicPr>
+              <p:blipFill>
+                <a:blip r:embed="rId26"/>
+                <a:stretch>
+                  <a:fillRect/>
+                </a:stretch>
+              </p:blipFill>
+              <p:spPr>
+                <a:xfrm>
+                  <a:off x="8352787" y="564840"/>
+                  <a:ext cx="198360" cy="309600"/>
+                </a:xfrm>
+                <a:prstGeom prst="rect">
+                  <a:avLst/>
+                </a:prstGeom>
+              </p:spPr>
+            </p:pic>
+          </mc:Fallback>
+        </mc:AlternateContent>
+        <mc:AlternateContent xmlns:mc="http://schemas.openxmlformats.org/markup-compatibility/2006">
+          <mc:Choice xmlns:p14="http://schemas.microsoft.com/office/powerpoint/2010/main" Requires="p14">
+            <p:contentPart p14:bwMode="auto" r:id="rId27">
+              <p14:nvContentPartPr>
+                <p14:cNvPr id="22" name="Ink 21">
+                  <a:extLst>
+                    <a:ext uri="{FF2B5EF4-FFF2-40B4-BE49-F238E27FC236}">
+                      <a16:creationId xmlns:a16="http://schemas.microsoft.com/office/drawing/2014/main" id="{E267D02F-408D-1CB1-82BD-01EB1375C7FF}"/>
+                    </a:ext>
+                  </a:extLst>
+                </p14:cNvPr>
+                <p14:cNvContentPartPr/>
+                <p14:nvPr/>
+              </p14:nvContentPartPr>
+              <p14:xfrm>
+                <a:off x="8548267" y="647640"/>
+                <a:ext cx="226800" cy="366840"/>
+              </p14:xfrm>
+            </p:contentPart>
+          </mc:Choice>
+          <mc:Fallback>
+            <p:pic>
+              <p:nvPicPr>
+                <p:cNvPr id="22" name="Ink 21">
+                  <a:extLst>
+                    <a:ext uri="{FF2B5EF4-FFF2-40B4-BE49-F238E27FC236}">
+                      <a16:creationId xmlns:a16="http://schemas.microsoft.com/office/drawing/2014/main" id="{E267D02F-408D-1CB1-82BD-01EB1375C7FF}"/>
+                    </a:ext>
+                  </a:extLst>
+                </p:cNvPr>
+                <p:cNvPicPr/>
+                <p:nvPr/>
+              </p:nvPicPr>
+              <p:blipFill>
+                <a:blip r:embed="rId28"/>
+                <a:stretch>
+                  <a:fillRect/>
+                </a:stretch>
+              </p:blipFill>
+              <p:spPr>
+                <a:xfrm>
+                  <a:off x="8542147" y="641520"/>
+                  <a:ext cx="239040" cy="379080"/>
+                </a:xfrm>
+                <a:prstGeom prst="rect">
+                  <a:avLst/>
+                </a:prstGeom>
+              </p:spPr>
+            </p:pic>
+          </mc:Fallback>
+        </mc:AlternateContent>
+        <mc:AlternateContent xmlns:mc="http://schemas.openxmlformats.org/markup-compatibility/2006">
+          <mc:Choice xmlns:p14="http://schemas.microsoft.com/office/powerpoint/2010/main" Requires="p14">
+            <p:contentPart p14:bwMode="auto" r:id="rId29">
+              <p14:nvContentPartPr>
+                <p14:cNvPr id="23" name="Ink 22">
+                  <a:extLst>
+                    <a:ext uri="{FF2B5EF4-FFF2-40B4-BE49-F238E27FC236}">
+                      <a16:creationId xmlns:a16="http://schemas.microsoft.com/office/drawing/2014/main" id="{79C1CF51-9A77-4DAC-536B-7CBA23D7F822}"/>
+                    </a:ext>
+                  </a:extLst>
+                </p14:cNvPr>
+                <p14:cNvContentPartPr/>
+                <p14:nvPr/>
+              </p14:nvContentPartPr>
+              <p14:xfrm>
+                <a:off x="7785067" y="1042560"/>
+                <a:ext cx="301680" cy="393480"/>
+              </p14:xfrm>
+            </p:contentPart>
+          </mc:Choice>
+          <mc:Fallback>
+            <p:pic>
+              <p:nvPicPr>
+                <p:cNvPr id="23" name="Ink 22">
+                  <a:extLst>
+                    <a:ext uri="{FF2B5EF4-FFF2-40B4-BE49-F238E27FC236}">
+                      <a16:creationId xmlns:a16="http://schemas.microsoft.com/office/drawing/2014/main" id="{79C1CF51-9A77-4DAC-536B-7CBA23D7F822}"/>
+                    </a:ext>
+                  </a:extLst>
+                </p:cNvPr>
+                <p:cNvPicPr/>
+                <p:nvPr/>
+              </p:nvPicPr>
+              <p:blipFill>
+                <a:blip r:embed="rId30"/>
+                <a:stretch>
+                  <a:fillRect/>
+                </a:stretch>
+              </p:blipFill>
+              <p:spPr>
+                <a:xfrm>
+                  <a:off x="7778947" y="1036440"/>
+                  <a:ext cx="313920" cy="405720"/>
+                </a:xfrm>
+                <a:prstGeom prst="rect">
+                  <a:avLst/>
+                </a:prstGeom>
+              </p:spPr>
+            </p:pic>
+          </mc:Fallback>
+        </mc:AlternateContent>
+        <mc:AlternateContent xmlns:mc="http://schemas.openxmlformats.org/markup-compatibility/2006">
+          <mc:Choice xmlns:p14="http://schemas.microsoft.com/office/powerpoint/2010/main" Requires="p14">
+            <p:contentPart p14:bwMode="auto" r:id="rId31">
+              <p14:nvContentPartPr>
+                <p14:cNvPr id="24" name="Ink 23">
+                  <a:extLst>
+                    <a:ext uri="{FF2B5EF4-FFF2-40B4-BE49-F238E27FC236}">
+                      <a16:creationId xmlns:a16="http://schemas.microsoft.com/office/drawing/2014/main" id="{0BE9D5AF-41DA-4CD7-9174-EE87E516853B}"/>
+                    </a:ext>
+                  </a:extLst>
+                </p14:cNvPr>
+                <p14:cNvContentPartPr/>
+                <p14:nvPr/>
+              </p14:nvContentPartPr>
+              <p14:xfrm>
+                <a:off x="7687147" y="1314360"/>
+                <a:ext cx="532080" cy="288000"/>
+              </p14:xfrm>
+            </p:contentPart>
+          </mc:Choice>
+          <mc:Fallback>
+            <p:pic>
+              <p:nvPicPr>
+                <p:cNvPr id="24" name="Ink 23">
+                  <a:extLst>
+                    <a:ext uri="{FF2B5EF4-FFF2-40B4-BE49-F238E27FC236}">
+                      <a16:creationId xmlns:a16="http://schemas.microsoft.com/office/drawing/2014/main" id="{0BE9D5AF-41DA-4CD7-9174-EE87E516853B}"/>
+                    </a:ext>
+                  </a:extLst>
+                </p:cNvPr>
+                <p:cNvPicPr/>
+                <p:nvPr/>
+              </p:nvPicPr>
+              <p:blipFill>
+                <a:blip r:embed="rId32"/>
+                <a:stretch>
+                  <a:fillRect/>
+                </a:stretch>
+              </p:blipFill>
+              <p:spPr>
+                <a:xfrm>
+                  <a:off x="7681027" y="1308240"/>
+                  <a:ext cx="544320" cy="300240"/>
+                </a:xfrm>
+                <a:prstGeom prst="rect">
+                  <a:avLst/>
+                </a:prstGeom>
+              </p:spPr>
+            </p:pic>
+          </mc:Fallback>
+        </mc:AlternateContent>
+      </p:grpSp>
+      <p:grpSp>
+        <p:nvGrpSpPr>
+          <p:cNvPr id="40" name="Group 39">
+            <a:extLst>
+              <a:ext uri="{FF2B5EF4-FFF2-40B4-BE49-F238E27FC236}">
+                <a16:creationId xmlns:a16="http://schemas.microsoft.com/office/drawing/2014/main" id="{437AA0AD-55DF-F128-C85F-ACC0D3CB872B}"/>
+              </a:ext>
+            </a:extLst>
+          </p:cNvPr>
+          <p:cNvGrpSpPr/>
+          <p:nvPr/>
+        </p:nvGrpSpPr>
+        <p:grpSpPr>
+          <a:xfrm>
+            <a:off x="1957387" y="271080"/>
+            <a:ext cx="1739160" cy="1139040"/>
+            <a:chOff x="1957387" y="271080"/>
+            <a:chExt cx="1739160" cy="1139040"/>
+          </a:xfrm>
+        </p:grpSpPr>
+        <mc:AlternateContent xmlns:mc="http://schemas.openxmlformats.org/markup-compatibility/2006">
+          <mc:Choice xmlns:p14="http://schemas.microsoft.com/office/powerpoint/2010/main" Requires="p14">
+            <p:contentPart p14:bwMode="auto" r:id="rId33">
+              <p14:nvContentPartPr>
+                <p14:cNvPr id="27" name="Ink 26">
+                  <a:extLst>
+                    <a:ext uri="{FF2B5EF4-FFF2-40B4-BE49-F238E27FC236}">
+                      <a16:creationId xmlns:a16="http://schemas.microsoft.com/office/drawing/2014/main" id="{8F81F77E-C99A-20BF-0376-78F1A13E89C1}"/>
+                    </a:ext>
+                  </a:extLst>
+                </p14:cNvPr>
+                <p14:cNvContentPartPr/>
+                <p14:nvPr/>
+              </p14:nvContentPartPr>
+              <p14:xfrm>
+                <a:off x="1957387" y="586800"/>
+                <a:ext cx="251280" cy="325080"/>
+              </p14:xfrm>
+            </p:contentPart>
+          </mc:Choice>
+          <mc:Fallback>
+            <p:pic>
+              <p:nvPicPr>
+                <p:cNvPr id="27" name="Ink 26">
+                  <a:extLst>
+                    <a:ext uri="{FF2B5EF4-FFF2-40B4-BE49-F238E27FC236}">
+                      <a16:creationId xmlns:a16="http://schemas.microsoft.com/office/drawing/2014/main" id="{8F81F77E-C99A-20BF-0376-78F1A13E89C1}"/>
+                    </a:ext>
+                  </a:extLst>
+                </p:cNvPr>
+                <p:cNvPicPr/>
+                <p:nvPr/>
+              </p:nvPicPr>
+              <p:blipFill>
+                <a:blip r:embed="rId34"/>
+                <a:stretch>
+                  <a:fillRect/>
+                </a:stretch>
+              </p:blipFill>
+              <p:spPr>
+                <a:xfrm>
+                  <a:off x="1951267" y="580680"/>
+                  <a:ext cx="263520" cy="337320"/>
+                </a:xfrm>
+                <a:prstGeom prst="rect">
+                  <a:avLst/>
+                </a:prstGeom>
+              </p:spPr>
+            </p:pic>
+          </mc:Fallback>
+        </mc:AlternateContent>
+        <mc:AlternateContent xmlns:mc="http://schemas.openxmlformats.org/markup-compatibility/2006">
+          <mc:Choice xmlns:p14="http://schemas.microsoft.com/office/powerpoint/2010/main" Requires="p14">
+            <p:contentPart p14:bwMode="auto" r:id="rId35">
+              <p14:nvContentPartPr>
+                <p14:cNvPr id="28" name="Ink 27">
+                  <a:extLst>
+                    <a:ext uri="{FF2B5EF4-FFF2-40B4-BE49-F238E27FC236}">
+                      <a16:creationId xmlns:a16="http://schemas.microsoft.com/office/drawing/2014/main" id="{DC8A837D-ED40-5EBC-9498-392713C9CD45}"/>
+                    </a:ext>
+                  </a:extLst>
+                </p14:cNvPr>
+                <p14:cNvContentPartPr/>
+                <p14:nvPr/>
+              </p14:nvContentPartPr>
+              <p14:xfrm>
+                <a:off x="2245027" y="571320"/>
+                <a:ext cx="217800" cy="214200"/>
+              </p14:xfrm>
+            </p:contentPart>
+          </mc:Choice>
+          <mc:Fallback>
+            <p:pic>
+              <p:nvPicPr>
+                <p:cNvPr id="28" name="Ink 27">
+                  <a:extLst>
+                    <a:ext uri="{FF2B5EF4-FFF2-40B4-BE49-F238E27FC236}">
+                      <a16:creationId xmlns:a16="http://schemas.microsoft.com/office/drawing/2014/main" id="{DC8A837D-ED40-5EBC-9498-392713C9CD45}"/>
+                    </a:ext>
+                  </a:extLst>
+                </p:cNvPr>
+                <p:cNvPicPr/>
+                <p:nvPr/>
+              </p:nvPicPr>
+              <p:blipFill>
+                <a:blip r:embed="rId36"/>
+                <a:stretch>
+                  <a:fillRect/>
+                </a:stretch>
+              </p:blipFill>
+              <p:spPr>
+                <a:xfrm>
+                  <a:off x="2238907" y="565200"/>
+                  <a:ext cx="230040" cy="226440"/>
+                </a:xfrm>
+                <a:prstGeom prst="rect">
+                  <a:avLst/>
+                </a:prstGeom>
+              </p:spPr>
+            </p:pic>
+          </mc:Fallback>
+        </mc:AlternateContent>
+        <mc:AlternateContent xmlns:mc="http://schemas.openxmlformats.org/markup-compatibility/2006">
+          <mc:Choice xmlns:p14="http://schemas.microsoft.com/office/powerpoint/2010/main" Requires="p14">
+            <p:contentPart p14:bwMode="auto" r:id="rId37">
+              <p14:nvContentPartPr>
+                <p14:cNvPr id="29" name="Ink 28">
+                  <a:extLst>
+                    <a:ext uri="{FF2B5EF4-FFF2-40B4-BE49-F238E27FC236}">
+                      <a16:creationId xmlns:a16="http://schemas.microsoft.com/office/drawing/2014/main" id="{B6B1A84F-4362-B279-9975-04B089698050}"/>
+                    </a:ext>
+                  </a:extLst>
+                </p14:cNvPr>
+                <p14:cNvContentPartPr/>
+                <p14:nvPr/>
+              </p14:nvContentPartPr>
+              <p14:xfrm>
+                <a:off x="2514667" y="356760"/>
+                <a:ext cx="15120" cy="428760"/>
+              </p14:xfrm>
+            </p:contentPart>
+          </mc:Choice>
+          <mc:Fallback>
+            <p:pic>
+              <p:nvPicPr>
+                <p:cNvPr id="29" name="Ink 28">
+                  <a:extLst>
+                    <a:ext uri="{FF2B5EF4-FFF2-40B4-BE49-F238E27FC236}">
+                      <a16:creationId xmlns:a16="http://schemas.microsoft.com/office/drawing/2014/main" id="{B6B1A84F-4362-B279-9975-04B089698050}"/>
+                    </a:ext>
+                  </a:extLst>
+                </p:cNvPr>
+                <p:cNvPicPr/>
+                <p:nvPr/>
+              </p:nvPicPr>
+              <p:blipFill>
+                <a:blip r:embed="rId38"/>
+                <a:stretch>
+                  <a:fillRect/>
+                </a:stretch>
+              </p:blipFill>
+              <p:spPr>
+                <a:xfrm>
+                  <a:off x="2508547" y="350640"/>
+                  <a:ext cx="27360" cy="441000"/>
+                </a:xfrm>
+                <a:prstGeom prst="rect">
+                  <a:avLst/>
+                </a:prstGeom>
+              </p:spPr>
+            </p:pic>
+          </mc:Fallback>
+        </mc:AlternateContent>
+        <mc:AlternateContent xmlns:mc="http://schemas.openxmlformats.org/markup-compatibility/2006">
+          <mc:Choice xmlns:p14="http://schemas.microsoft.com/office/powerpoint/2010/main" Requires="p14">
+            <p:contentPart p14:bwMode="auto" r:id="rId39">
+              <p14:nvContentPartPr>
+                <p14:cNvPr id="30" name="Ink 29">
+                  <a:extLst>
+                    <a:ext uri="{FF2B5EF4-FFF2-40B4-BE49-F238E27FC236}">
+                      <a16:creationId xmlns:a16="http://schemas.microsoft.com/office/drawing/2014/main" id="{2809D289-C915-BED4-B201-98719EEF5D86}"/>
+                    </a:ext>
+                  </a:extLst>
+                </p14:cNvPr>
+                <p14:cNvContentPartPr/>
+                <p14:nvPr/>
+              </p14:nvContentPartPr>
+              <p14:xfrm>
+                <a:off x="2643187" y="628560"/>
+                <a:ext cx="360" cy="130320"/>
+              </p14:xfrm>
+            </p:contentPart>
+          </mc:Choice>
+          <mc:Fallback>
+            <p:pic>
+              <p:nvPicPr>
+                <p:cNvPr id="30" name="Ink 29">
+                  <a:extLst>
+                    <a:ext uri="{FF2B5EF4-FFF2-40B4-BE49-F238E27FC236}">
+                      <a16:creationId xmlns:a16="http://schemas.microsoft.com/office/drawing/2014/main" id="{2809D289-C915-BED4-B201-98719EEF5D86}"/>
+                    </a:ext>
+                  </a:extLst>
+                </p:cNvPr>
+                <p:cNvPicPr/>
+                <p:nvPr/>
+              </p:nvPicPr>
+              <p:blipFill>
+                <a:blip r:embed="rId40"/>
+                <a:stretch>
+                  <a:fillRect/>
+                </a:stretch>
+              </p:blipFill>
+              <p:spPr>
+                <a:xfrm>
+                  <a:off x="2637067" y="622440"/>
+                  <a:ext cx="12600" cy="142560"/>
+                </a:xfrm>
+                <a:prstGeom prst="rect">
+                  <a:avLst/>
+                </a:prstGeom>
+              </p:spPr>
+            </p:pic>
+          </mc:Fallback>
+        </mc:AlternateContent>
+        <mc:AlternateContent xmlns:mc="http://schemas.openxmlformats.org/markup-compatibility/2006">
+          <mc:Choice xmlns:p14="http://schemas.microsoft.com/office/powerpoint/2010/main" Requires="p14">
+            <p:contentPart p14:bwMode="auto" r:id="rId41">
+              <p14:nvContentPartPr>
+                <p14:cNvPr id="31" name="Ink 30">
+                  <a:extLst>
+                    <a:ext uri="{FF2B5EF4-FFF2-40B4-BE49-F238E27FC236}">
+                      <a16:creationId xmlns:a16="http://schemas.microsoft.com/office/drawing/2014/main" id="{6917DA13-CF05-134D-31AD-3FA506A6135D}"/>
+                    </a:ext>
+                  </a:extLst>
+                </p14:cNvPr>
+                <p14:cNvContentPartPr/>
+                <p14:nvPr/>
+              </p14:nvContentPartPr>
+              <p14:xfrm>
+                <a:off x="2643187" y="542520"/>
+                <a:ext cx="360" cy="360"/>
+              </p14:xfrm>
+            </p:contentPart>
+          </mc:Choice>
+          <mc:Fallback>
+            <p:pic>
+              <p:nvPicPr>
+                <p:cNvPr id="31" name="Ink 30">
+                  <a:extLst>
+                    <a:ext uri="{FF2B5EF4-FFF2-40B4-BE49-F238E27FC236}">
+                      <a16:creationId xmlns:a16="http://schemas.microsoft.com/office/drawing/2014/main" id="{6917DA13-CF05-134D-31AD-3FA506A6135D}"/>
+                    </a:ext>
+                  </a:extLst>
+                </p:cNvPr>
+                <p:cNvPicPr/>
+                <p:nvPr/>
+              </p:nvPicPr>
+              <p:blipFill>
+                <a:blip r:embed="rId20"/>
+                <a:stretch>
+                  <a:fillRect/>
+                </a:stretch>
+              </p:blipFill>
+              <p:spPr>
+                <a:xfrm>
+                  <a:off x="2637067" y="536400"/>
+                  <a:ext cx="12600" cy="12600"/>
+                </a:xfrm>
+                <a:prstGeom prst="rect">
+                  <a:avLst/>
+                </a:prstGeom>
+              </p:spPr>
+            </p:pic>
+          </mc:Fallback>
+        </mc:AlternateContent>
+        <mc:AlternateContent xmlns:mc="http://schemas.openxmlformats.org/markup-compatibility/2006">
+          <mc:Choice xmlns:p14="http://schemas.microsoft.com/office/powerpoint/2010/main" Requires="p14">
+            <p:contentPart p14:bwMode="auto" r:id="rId42">
+              <p14:nvContentPartPr>
+                <p14:cNvPr id="33" name="Ink 32">
+                  <a:extLst>
+                    <a:ext uri="{FF2B5EF4-FFF2-40B4-BE49-F238E27FC236}">
+                      <a16:creationId xmlns:a16="http://schemas.microsoft.com/office/drawing/2014/main" id="{D3747FBD-7EE5-53F0-FED0-19B4DB6A0309}"/>
+                    </a:ext>
+                  </a:extLst>
+                </p14:cNvPr>
+                <p14:cNvContentPartPr/>
+                <p14:nvPr/>
+              </p14:nvContentPartPr>
+              <p14:xfrm>
+                <a:off x="2740387" y="285480"/>
+                <a:ext cx="174600" cy="500400"/>
+              </p14:xfrm>
+            </p:contentPart>
+          </mc:Choice>
+          <mc:Fallback>
+            <p:pic>
+              <p:nvPicPr>
+                <p:cNvPr id="33" name="Ink 32">
+                  <a:extLst>
+                    <a:ext uri="{FF2B5EF4-FFF2-40B4-BE49-F238E27FC236}">
+                      <a16:creationId xmlns:a16="http://schemas.microsoft.com/office/drawing/2014/main" id="{D3747FBD-7EE5-53F0-FED0-19B4DB6A0309}"/>
+                    </a:ext>
+                  </a:extLst>
+                </p:cNvPr>
+                <p:cNvPicPr/>
+                <p:nvPr/>
+              </p:nvPicPr>
+              <p:blipFill>
+                <a:blip r:embed="rId43"/>
+                <a:stretch>
+                  <a:fillRect/>
+                </a:stretch>
+              </p:blipFill>
+              <p:spPr>
+                <a:xfrm>
+                  <a:off x="2734267" y="279360"/>
+                  <a:ext cx="186840" cy="512640"/>
+                </a:xfrm>
+                <a:prstGeom prst="rect">
+                  <a:avLst/>
+                </a:prstGeom>
+              </p:spPr>
+            </p:pic>
+          </mc:Fallback>
+        </mc:AlternateContent>
+        <mc:AlternateContent xmlns:mc="http://schemas.openxmlformats.org/markup-compatibility/2006">
+          <mc:Choice xmlns:p14="http://schemas.microsoft.com/office/powerpoint/2010/main" Requires="p14">
+            <p:contentPart p14:bwMode="auto" r:id="rId44">
+              <p14:nvContentPartPr>
+                <p14:cNvPr id="34" name="Ink 33">
+                  <a:extLst>
+                    <a:ext uri="{FF2B5EF4-FFF2-40B4-BE49-F238E27FC236}">
+                      <a16:creationId xmlns:a16="http://schemas.microsoft.com/office/drawing/2014/main" id="{2FA8D240-24DD-EE8F-F5A8-FE5BF92EA0DD}"/>
+                    </a:ext>
+                  </a:extLst>
+                </p14:cNvPr>
+                <p14:cNvContentPartPr/>
+                <p14:nvPr/>
+              </p14:nvContentPartPr>
+              <p14:xfrm>
+                <a:off x="2949907" y="628560"/>
+                <a:ext cx="259560" cy="170280"/>
+              </p14:xfrm>
+            </p:contentPart>
+          </mc:Choice>
+          <mc:Fallback>
+            <p:pic>
+              <p:nvPicPr>
+                <p:cNvPr id="34" name="Ink 33">
+                  <a:extLst>
+                    <a:ext uri="{FF2B5EF4-FFF2-40B4-BE49-F238E27FC236}">
+                      <a16:creationId xmlns:a16="http://schemas.microsoft.com/office/drawing/2014/main" id="{2FA8D240-24DD-EE8F-F5A8-FE5BF92EA0DD}"/>
+                    </a:ext>
+                  </a:extLst>
+                </p:cNvPr>
+                <p:cNvPicPr/>
+                <p:nvPr/>
+              </p:nvPicPr>
+              <p:blipFill>
+                <a:blip r:embed="rId45"/>
+                <a:stretch>
+                  <a:fillRect/>
+                </a:stretch>
+              </p:blipFill>
+              <p:spPr>
+                <a:xfrm>
+                  <a:off x="2943787" y="622440"/>
+                  <a:ext cx="271800" cy="182520"/>
+                </a:xfrm>
+                <a:prstGeom prst="rect">
+                  <a:avLst/>
+                </a:prstGeom>
+              </p:spPr>
+            </p:pic>
+          </mc:Fallback>
+        </mc:AlternateContent>
+        <mc:AlternateContent xmlns:mc="http://schemas.openxmlformats.org/markup-compatibility/2006">
+          <mc:Choice xmlns:p14="http://schemas.microsoft.com/office/powerpoint/2010/main" Requires="p14">
+            <p:contentPart p14:bwMode="auto" r:id="rId46">
+              <p14:nvContentPartPr>
+                <p14:cNvPr id="35" name="Ink 34">
+                  <a:extLst>
+                    <a:ext uri="{FF2B5EF4-FFF2-40B4-BE49-F238E27FC236}">
+                      <a16:creationId xmlns:a16="http://schemas.microsoft.com/office/drawing/2014/main" id="{5C3FD4A4-4B4E-8DE4-5067-60F3A673C395}"/>
+                    </a:ext>
+                  </a:extLst>
+                </p14:cNvPr>
+                <p14:cNvContentPartPr/>
+                <p14:nvPr/>
+              </p14:nvContentPartPr>
+              <p14:xfrm>
+                <a:off x="3212707" y="271080"/>
+                <a:ext cx="103680" cy="612000"/>
+              </p14:xfrm>
+            </p:contentPart>
+          </mc:Choice>
+          <mc:Fallback>
+            <p:pic>
+              <p:nvPicPr>
+                <p:cNvPr id="35" name="Ink 34">
+                  <a:extLst>
+                    <a:ext uri="{FF2B5EF4-FFF2-40B4-BE49-F238E27FC236}">
+                      <a16:creationId xmlns:a16="http://schemas.microsoft.com/office/drawing/2014/main" id="{5C3FD4A4-4B4E-8DE4-5067-60F3A673C395}"/>
+                    </a:ext>
+                  </a:extLst>
+                </p:cNvPr>
+                <p:cNvPicPr/>
+                <p:nvPr/>
+              </p:nvPicPr>
+              <p:blipFill>
+                <a:blip r:embed="rId47"/>
+                <a:stretch>
+                  <a:fillRect/>
+                </a:stretch>
+              </p:blipFill>
+              <p:spPr>
+                <a:xfrm>
+                  <a:off x="3206587" y="264960"/>
+                  <a:ext cx="115920" cy="624240"/>
+                </a:xfrm>
+                <a:prstGeom prst="rect">
+                  <a:avLst/>
+                </a:prstGeom>
+              </p:spPr>
+            </p:pic>
+          </mc:Fallback>
+        </mc:AlternateContent>
+        <mc:AlternateContent xmlns:mc="http://schemas.openxmlformats.org/markup-compatibility/2006">
+          <mc:Choice xmlns:p14="http://schemas.microsoft.com/office/powerpoint/2010/main" Requires="p14">
+            <p:contentPart p14:bwMode="auto" r:id="rId48">
+              <p14:nvContentPartPr>
+                <p14:cNvPr id="36" name="Ink 35">
+                  <a:extLst>
+                    <a:ext uri="{FF2B5EF4-FFF2-40B4-BE49-F238E27FC236}">
+                      <a16:creationId xmlns:a16="http://schemas.microsoft.com/office/drawing/2014/main" id="{08FEB9A1-FD55-BAED-700D-C0FA6A59CDA9}"/>
+                    </a:ext>
+                  </a:extLst>
+                </p14:cNvPr>
+                <p14:cNvContentPartPr/>
+                <p14:nvPr/>
+              </p14:nvContentPartPr>
+              <p14:xfrm>
+                <a:off x="3157267" y="485280"/>
+                <a:ext cx="227520" cy="360"/>
+              </p14:xfrm>
+            </p:contentPart>
+          </mc:Choice>
+          <mc:Fallback>
+            <p:pic>
+              <p:nvPicPr>
+                <p:cNvPr id="36" name="Ink 35">
+                  <a:extLst>
+                    <a:ext uri="{FF2B5EF4-FFF2-40B4-BE49-F238E27FC236}">
+                      <a16:creationId xmlns:a16="http://schemas.microsoft.com/office/drawing/2014/main" id="{08FEB9A1-FD55-BAED-700D-C0FA6A59CDA9}"/>
+                    </a:ext>
+                  </a:extLst>
+                </p:cNvPr>
+                <p:cNvPicPr/>
+                <p:nvPr/>
+              </p:nvPicPr>
+              <p:blipFill>
+                <a:blip r:embed="rId49"/>
+                <a:stretch>
+                  <a:fillRect/>
+                </a:stretch>
+              </p:blipFill>
+              <p:spPr>
+                <a:xfrm>
+                  <a:off x="3151147" y="479160"/>
+                  <a:ext cx="239760" cy="12600"/>
+                </a:xfrm>
+                <a:prstGeom prst="rect">
+                  <a:avLst/>
+                </a:prstGeom>
+              </p:spPr>
+            </p:pic>
+          </mc:Fallback>
+        </mc:AlternateContent>
+        <mc:AlternateContent xmlns:mc="http://schemas.openxmlformats.org/markup-compatibility/2006">
+          <mc:Choice xmlns:p14="http://schemas.microsoft.com/office/powerpoint/2010/main" Requires="p14">
+            <p:contentPart p14:bwMode="auto" r:id="rId50">
+              <p14:nvContentPartPr>
+                <p14:cNvPr id="37" name="Ink 36">
+                  <a:extLst>
+                    <a:ext uri="{FF2B5EF4-FFF2-40B4-BE49-F238E27FC236}">
+                      <a16:creationId xmlns:a16="http://schemas.microsoft.com/office/drawing/2014/main" id="{A21F7CBA-DC98-4728-07D6-B5D5E02B4D43}"/>
+                    </a:ext>
+                  </a:extLst>
+                </p14:cNvPr>
+                <p14:cNvContentPartPr/>
+                <p14:nvPr/>
+              </p14:nvContentPartPr>
+              <p14:xfrm>
+                <a:off x="3428707" y="580680"/>
+                <a:ext cx="267840" cy="296280"/>
+              </p14:xfrm>
+            </p:contentPart>
+          </mc:Choice>
+          <mc:Fallback>
+            <p:pic>
+              <p:nvPicPr>
+                <p:cNvPr id="37" name="Ink 36">
+                  <a:extLst>
+                    <a:ext uri="{FF2B5EF4-FFF2-40B4-BE49-F238E27FC236}">
+                      <a16:creationId xmlns:a16="http://schemas.microsoft.com/office/drawing/2014/main" id="{A21F7CBA-DC98-4728-07D6-B5D5E02B4D43}"/>
+                    </a:ext>
+                  </a:extLst>
+                </p:cNvPr>
+                <p:cNvPicPr/>
+                <p:nvPr/>
+              </p:nvPicPr>
+              <p:blipFill>
+                <a:blip r:embed="rId51"/>
+                <a:stretch>
+                  <a:fillRect/>
+                </a:stretch>
+              </p:blipFill>
+              <p:spPr>
+                <a:xfrm>
+                  <a:off x="3422587" y="574560"/>
+                  <a:ext cx="280080" cy="308520"/>
+                </a:xfrm>
+                <a:prstGeom prst="rect">
+                  <a:avLst/>
+                </a:prstGeom>
+              </p:spPr>
+            </p:pic>
+          </mc:Fallback>
+        </mc:AlternateContent>
+        <mc:AlternateContent xmlns:mc="http://schemas.openxmlformats.org/markup-compatibility/2006">
+          <mc:Choice xmlns:p14="http://schemas.microsoft.com/office/powerpoint/2010/main" Requires="p14">
+            <p:contentPart p14:bwMode="auto" r:id="rId52">
+              <p14:nvContentPartPr>
+                <p14:cNvPr id="38" name="Ink 37">
+                  <a:extLst>
+                    <a:ext uri="{FF2B5EF4-FFF2-40B4-BE49-F238E27FC236}">
+                      <a16:creationId xmlns:a16="http://schemas.microsoft.com/office/drawing/2014/main" id="{42F77A8C-7519-B4B1-0B2D-24E98730F4A5}"/>
+                    </a:ext>
+                  </a:extLst>
+                </p14:cNvPr>
+                <p14:cNvContentPartPr/>
+                <p14:nvPr/>
+              </p14:nvContentPartPr>
+              <p14:xfrm>
+                <a:off x="3114427" y="985320"/>
+                <a:ext cx="42840" cy="272520"/>
+              </p14:xfrm>
+            </p:contentPart>
+          </mc:Choice>
+          <mc:Fallback>
+            <p:pic>
+              <p:nvPicPr>
+                <p:cNvPr id="38" name="Ink 37">
+                  <a:extLst>
+                    <a:ext uri="{FF2B5EF4-FFF2-40B4-BE49-F238E27FC236}">
+                      <a16:creationId xmlns:a16="http://schemas.microsoft.com/office/drawing/2014/main" id="{42F77A8C-7519-B4B1-0B2D-24E98730F4A5}"/>
+                    </a:ext>
+                  </a:extLst>
+                </p:cNvPr>
+                <p:cNvPicPr/>
+                <p:nvPr/>
+              </p:nvPicPr>
+              <p:blipFill>
+                <a:blip r:embed="rId53"/>
+                <a:stretch>
+                  <a:fillRect/>
+                </a:stretch>
+              </p:blipFill>
+              <p:spPr>
+                <a:xfrm>
+                  <a:off x="3108307" y="979200"/>
+                  <a:ext cx="55080" cy="284760"/>
+                </a:xfrm>
+                <a:prstGeom prst="rect">
+                  <a:avLst/>
+                </a:prstGeom>
+              </p:spPr>
+            </p:pic>
+          </mc:Fallback>
+        </mc:AlternateContent>
+        <mc:AlternateContent xmlns:mc="http://schemas.openxmlformats.org/markup-compatibility/2006">
+          <mc:Choice xmlns:p14="http://schemas.microsoft.com/office/powerpoint/2010/main" Requires="p14">
+            <p:contentPart p14:bwMode="auto" r:id="rId54">
+              <p14:nvContentPartPr>
+                <p14:cNvPr id="39" name="Ink 38">
+                  <a:extLst>
+                    <a:ext uri="{FF2B5EF4-FFF2-40B4-BE49-F238E27FC236}">
+                      <a16:creationId xmlns:a16="http://schemas.microsoft.com/office/drawing/2014/main" id="{69ED59CD-EFC8-2AB2-7FB7-93286B11EE82}"/>
+                    </a:ext>
+                  </a:extLst>
+                </p14:cNvPr>
+                <p14:cNvContentPartPr/>
+                <p14:nvPr/>
+              </p14:nvContentPartPr>
+              <p14:xfrm>
+                <a:off x="3014707" y="1228320"/>
+                <a:ext cx="187920" cy="181800"/>
+              </p14:xfrm>
+            </p:contentPart>
+          </mc:Choice>
+          <mc:Fallback>
+            <p:pic>
+              <p:nvPicPr>
+                <p:cNvPr id="39" name="Ink 38">
+                  <a:extLst>
+                    <a:ext uri="{FF2B5EF4-FFF2-40B4-BE49-F238E27FC236}">
+                      <a16:creationId xmlns:a16="http://schemas.microsoft.com/office/drawing/2014/main" id="{69ED59CD-EFC8-2AB2-7FB7-93286B11EE82}"/>
+                    </a:ext>
+                  </a:extLst>
+                </p:cNvPr>
+                <p:cNvPicPr/>
+                <p:nvPr/>
+              </p:nvPicPr>
+              <p:blipFill>
+                <a:blip r:embed="rId55"/>
+                <a:stretch>
+                  <a:fillRect/>
+                </a:stretch>
+              </p:blipFill>
+              <p:spPr>
+                <a:xfrm>
+                  <a:off x="3008587" y="1222200"/>
+                  <a:ext cx="200160" cy="194040"/>
+                </a:xfrm>
+                <a:prstGeom prst="rect">
+                  <a:avLst/>
+                </a:prstGeom>
+              </p:spPr>
+            </p:pic>
+          </mc:Fallback>
+        </mc:AlternateContent>
+      </p:grpSp>
+    </p:spTree>
+    <p:extLst>
+      <p:ext uri="{BB962C8B-B14F-4D97-AF65-F5344CB8AC3E}">
+        <p14:creationId xmlns:p14="http://schemas.microsoft.com/office/powerpoint/2010/main" val="742624730"/>
+      </p:ext>
+    </p:extLst>
+  </p:cSld>
+  <p:clrMapOvr>
+    <a:masterClrMapping/>
+  </p:clrMapOvr>
+</p:sld>
+</file>
+
+<file path=ppt/slides/slide11.xml><?xml version="1.0" encoding="utf-8"?>
+<p:sld xmlns:a="http://schemas.openxmlformats.org/drawingml/2006/main" xmlns:r="http://schemas.openxmlformats.org/officeDocument/2006/relationships" xmlns:p="http://schemas.openxmlformats.org/presentationml/2006/main">
+  <p:cSld>
+    <p:spTree>
+      <p:nvGrpSpPr>
+        <p:cNvPr id="1" name=""/>
+        <p:cNvGrpSpPr/>
+        <p:nvPr/>
+      </p:nvGrpSpPr>
+      <p:grpSpPr>
+        <a:xfrm>
+          <a:off x="0" y="0"/>
+          <a:ext cx="0" cy="0"/>
+          <a:chOff x="0" y="0"/>
+          <a:chExt cx="0" cy="0"/>
+        </a:xfrm>
+      </p:grpSpPr>
+      <p:sp>
+        <p:nvSpPr>
+          <p:cNvPr id="2" name="Title 1">
+            <a:extLst>
+              <a:ext uri="{FF2B5EF4-FFF2-40B4-BE49-F238E27FC236}">
+                <a16:creationId xmlns:a16="http://schemas.microsoft.com/office/drawing/2014/main" id="{A4F16FEE-FFA4-2D31-006D-5FC8B91069CB}"/>
+              </a:ext>
+            </a:extLst>
+          </p:cNvPr>
+          <p:cNvSpPr>
+            <a:spLocks noGrp="1"/>
+          </p:cNvSpPr>
+          <p:nvPr>
+            <p:ph type="title"/>
+          </p:nvPr>
+        </p:nvSpPr>
+        <p:spPr/>
+        <p:txBody>
+          <a:bodyPr/>
+          <a:lstStyle/>
+          <a:p>
+            <a:endParaRPr lang="he-IL"/>
+          </a:p>
+        </p:txBody>
+      </p:sp>
+      <p:sp>
+        <p:nvSpPr>
+          <p:cNvPr id="3" name="Content Placeholder 2">
+            <a:extLst>
+              <a:ext uri="{FF2B5EF4-FFF2-40B4-BE49-F238E27FC236}">
+                <a16:creationId xmlns:a16="http://schemas.microsoft.com/office/drawing/2014/main" id="{06F3A7AE-75BF-F134-D009-39EF1239B853}"/>
+              </a:ext>
+            </a:extLst>
+          </p:cNvPr>
+          <p:cNvSpPr>
+            <a:spLocks noGrp="1"/>
+          </p:cNvSpPr>
+          <p:nvPr>
+            <p:ph idx="1"/>
+          </p:nvPr>
+        </p:nvSpPr>
+        <p:spPr/>
+        <p:txBody>
+          <a:bodyPr/>
+          <a:lstStyle/>
+          <a:p>
+            <a:endParaRPr lang="he-IL"/>
+          </a:p>
+        </p:txBody>
+      </p:sp>
+      <p:pic>
+        <p:nvPicPr>
+          <p:cNvPr id="5" name="Picture 4">
+            <a:extLst>
+              <a:ext uri="{FF2B5EF4-FFF2-40B4-BE49-F238E27FC236}">
+                <a16:creationId xmlns:a16="http://schemas.microsoft.com/office/drawing/2014/main" id="{ED689FD9-2BAD-6904-1CA3-E25044BE5C82}"/>
+              </a:ext>
+            </a:extLst>
+          </p:cNvPr>
+          <p:cNvPicPr>
+            <a:picLocks noChangeAspect="1"/>
+          </p:cNvPicPr>
+          <p:nvPr/>
+        </p:nvPicPr>
+        <p:blipFill>
+          <a:blip r:embed="rId2"/>
+          <a:stretch>
+            <a:fillRect/>
+          </a:stretch>
+        </p:blipFill>
+        <p:spPr>
+          <a:xfrm>
+            <a:off x="0" y="387819"/>
+            <a:ext cx="12192000" cy="6082362"/>
+          </a:xfrm>
+          <a:prstGeom prst="rect">
+            <a:avLst/>
+          </a:prstGeom>
+        </p:spPr>
+      </p:pic>
+      <mc:AlternateContent xmlns:mc="http://schemas.openxmlformats.org/markup-compatibility/2006">
+        <mc:Choice xmlns:p14="http://schemas.microsoft.com/office/powerpoint/2010/main" Requires="p14">
+          <p:contentPart p14:bwMode="auto" r:id="rId3">
+            <p14:nvContentPartPr>
+              <p14:cNvPr id="6" name="Ink 5">
+                <a:extLst>
+                  <a:ext uri="{FF2B5EF4-FFF2-40B4-BE49-F238E27FC236}">
+                    <a16:creationId xmlns:a16="http://schemas.microsoft.com/office/drawing/2014/main" id="{EF4DC0D0-705F-342F-74BB-0E6845CC41F6}"/>
+                  </a:ext>
+                </a:extLst>
+              </p14:cNvPr>
+              <p14:cNvContentPartPr/>
+              <p14:nvPr/>
+            </p14:nvContentPartPr>
+            <p14:xfrm>
+              <a:off x="6505578" y="5260450"/>
+              <a:ext cx="5424120" cy="46800"/>
+            </p14:xfrm>
+          </p:contentPart>
+        </mc:Choice>
+        <mc:Fallback>
+          <p:pic>
+            <p:nvPicPr>
+              <p:cNvPr id="6" name="Ink 5">
+                <a:extLst>
+                  <a:ext uri="{FF2B5EF4-FFF2-40B4-BE49-F238E27FC236}">
+                    <a16:creationId xmlns:a16="http://schemas.microsoft.com/office/drawing/2014/main" id="{EF4DC0D0-705F-342F-74BB-0E6845CC41F6}"/>
+                  </a:ext>
+                </a:extLst>
+              </p:cNvPr>
+              <p:cNvPicPr/>
+              <p:nvPr/>
+            </p:nvPicPr>
+            <p:blipFill>
+              <a:blip r:embed="rId4"/>
+              <a:stretch>
+                <a:fillRect/>
+              </a:stretch>
+            </p:blipFill>
+            <p:spPr>
+              <a:xfrm>
+                <a:off x="6451938" y="5152450"/>
+                <a:ext cx="5531760" cy="262440"/>
+              </a:xfrm>
+              <a:prstGeom prst="rect">
+                <a:avLst/>
+              </a:prstGeom>
+            </p:spPr>
+          </p:pic>
+        </mc:Fallback>
+      </mc:AlternateContent>
+      <mc:AlternateContent xmlns:mc="http://schemas.openxmlformats.org/markup-compatibility/2006">
+        <mc:Choice xmlns:p14="http://schemas.microsoft.com/office/powerpoint/2010/main" Requires="p14">
+          <p:contentPart p14:bwMode="auto" r:id="rId5">
+            <p14:nvContentPartPr>
+              <p14:cNvPr id="7" name="Ink 6">
+                <a:extLst>
+                  <a:ext uri="{FF2B5EF4-FFF2-40B4-BE49-F238E27FC236}">
+                    <a16:creationId xmlns:a16="http://schemas.microsoft.com/office/drawing/2014/main" id="{ACBC78F5-3F85-6DDE-7AC2-F0097A818E06}"/>
+                  </a:ext>
+                </a:extLst>
+              </p14:cNvPr>
+              <p14:cNvContentPartPr/>
+              <p14:nvPr/>
+            </p14:nvContentPartPr>
+            <p14:xfrm>
+              <a:off x="10493298" y="5110690"/>
+              <a:ext cx="1527120" cy="61920"/>
+            </p14:xfrm>
+          </p:contentPart>
+        </mc:Choice>
+        <mc:Fallback>
+          <p:pic>
+            <p:nvPicPr>
+              <p:cNvPr id="7" name="Ink 6">
+                <a:extLst>
+                  <a:ext uri="{FF2B5EF4-FFF2-40B4-BE49-F238E27FC236}">
+                    <a16:creationId xmlns:a16="http://schemas.microsoft.com/office/drawing/2014/main" id="{ACBC78F5-3F85-6DDE-7AC2-F0097A818E06}"/>
+                  </a:ext>
+                </a:extLst>
+              </p:cNvPr>
+              <p:cNvPicPr/>
+              <p:nvPr/>
+            </p:nvPicPr>
+            <p:blipFill>
+              <a:blip r:embed="rId6"/>
+              <a:stretch>
+                <a:fillRect/>
+              </a:stretch>
+            </p:blipFill>
+            <p:spPr>
+              <a:xfrm>
+                <a:off x="10439298" y="5002690"/>
+                <a:ext cx="1634760" cy="277560"/>
+              </a:xfrm>
+              <a:prstGeom prst="rect">
+                <a:avLst/>
+              </a:prstGeom>
+            </p:spPr>
+          </p:pic>
+        </mc:Fallback>
+      </mc:AlternateContent>
+    </p:spTree>
+    <p:extLst>
+      <p:ext uri="{BB962C8B-B14F-4D97-AF65-F5344CB8AC3E}">
+        <p14:creationId xmlns:p14="http://schemas.microsoft.com/office/powerpoint/2010/main" val="665140401"/>
+      </p:ext>
+    </p:extLst>
+  </p:cSld>
+  <p:clrMapOvr>
+    <a:masterClrMapping/>
+  </p:clrMapOvr>
+</p:sld>
+</file>
+
+<file path=ppt/slides/slide12.xml><?xml version="1.0" encoding="utf-8"?>
 <p:sld xmlns:a="http://schemas.openxmlformats.org/drawingml/2006/main" xmlns:r="http://schemas.openxmlformats.org/officeDocument/2006/relationships" xmlns:p="http://schemas.openxmlformats.org/presentationml/2006/main">
   <p:cSld>
     <p:bg>
       <p:bgPr>
         <a:solidFill>
-          <a:schemeClr val="bg1"/>
+          <a:schemeClr val="accent1">
+            <a:lumMod val="50000"/>
+          </a:schemeClr>
         </a:solidFill>
         <a:effectLst/>
       </p:bgPr>
     </p:bg>
+    <p:spTree>
+      <p:nvGrpSpPr>
+        <p:cNvPr id="1" name=""/>
+        <p:cNvGrpSpPr/>
+        <p:nvPr/>
+      </p:nvGrpSpPr>
+      <p:grpSpPr>
+        <a:xfrm>
+          <a:off x="0" y="0"/>
+          <a:ext cx="0" cy="0"/>
+          <a:chOff x="0" y="0"/>
+          <a:chExt cx="0" cy="0"/>
+        </a:xfrm>
+      </p:grpSpPr>
+      <p:sp useBgFill="1">
+        <p:nvSpPr>
+          <p:cNvPr id="15" name="Slide Background">
+            <a:extLst>
+              <a:ext uri="{FF2B5EF4-FFF2-40B4-BE49-F238E27FC236}">
+                <a16:creationId xmlns:a16="http://schemas.microsoft.com/office/drawing/2014/main" id="{EEDFD83B-474E-42D8-99FD-250991624799}"/>
+              </a:ext>
+              <a:ext uri="{C183D7F6-B498-43B3-948B-1728B52AA6E4}">
+                <adec:decorative xmlns:adec="http://schemas.microsoft.com/office/drawing/2017/decorative" val="1"/>
+              </a:ext>
+            </a:extLst>
+          </p:cNvPr>
+          <p:cNvSpPr>
+            <a:spLocks noGrp="1" noRot="1" noChangeAspect="1" noMove="1" noResize="1" noEditPoints="1" noAdjustHandles="1" noChangeArrowheads="1" noChangeShapeType="1" noTextEdit="1"/>
+          </p:cNvSpPr>
+          <p:nvPr>
+            <p:extLst>
+              <p:ext uri="{386F3935-93C4-4BCD-93E2-E3B085C9AB24}">
+                <p16:designElem xmlns:p16="http://schemas.microsoft.com/office/powerpoint/2015/main" val="1"/>
+              </p:ext>
+            </p:extLst>
+          </p:nvPr>
+        </p:nvSpPr>
+        <p:spPr bwMode="white">
+          <a:xfrm>
+            <a:off x="-1" y="0"/>
+            <a:ext cx="12191999" cy="6858000"/>
+          </a:xfrm>
+          <a:prstGeom prst="rect">
+            <a:avLst/>
+          </a:prstGeom>
+          <a:ln>
+            <a:noFill/>
+          </a:ln>
+        </p:spPr>
+        <p:style>
+          <a:lnRef idx="2">
+            <a:schemeClr val="accent1">
+              <a:shade val="50000"/>
+            </a:schemeClr>
+          </a:lnRef>
+          <a:fillRef idx="1">
+            <a:schemeClr val="accent1"/>
+          </a:fillRef>
+          <a:effectRef idx="0">
+            <a:schemeClr val="accent1"/>
+          </a:effectRef>
+          <a:fontRef idx="minor">
+            <a:schemeClr val="lt1"/>
+          </a:fontRef>
+        </p:style>
+        <p:txBody>
+          <a:bodyPr rtlCol="0" anchor="ctr"/>
+          <a:lstStyle>
+            <a:defPPr>
+              <a:defRPr lang="en-US"/>
+            </a:defPPr>
+            <a:lvl1pPr marL="0" algn="l" defTabSz="914400" rtl="0" eaLnBrk="1" latinLnBrk="0" hangingPunct="1">
+              <a:defRPr sz="1800" kern="1200">
+                <a:solidFill>
+                  <a:schemeClr val="lt1"/>
+                </a:solidFill>
+                <a:latin typeface="+mn-lt"/>
+                <a:ea typeface="+mn-ea"/>
+                <a:cs typeface="+mn-cs"/>
+              </a:defRPr>
+            </a:lvl1pPr>
+            <a:lvl2pPr marL="457200" algn="l" defTabSz="914400" rtl="0" eaLnBrk="1" latinLnBrk="0" hangingPunct="1">
+              <a:defRPr sz="1800" kern="1200">
+                <a:solidFill>
+                  <a:schemeClr val="lt1"/>
+                </a:solidFill>
+                <a:latin typeface="+mn-lt"/>
+                <a:ea typeface="+mn-ea"/>
+                <a:cs typeface="+mn-cs"/>
+              </a:defRPr>
+            </a:lvl2pPr>
+            <a:lvl3pPr marL="914400" algn="l" defTabSz="914400" rtl="0" eaLnBrk="1" latinLnBrk="0" hangingPunct="1">
+              <a:defRPr sz="1800" kern="1200">
+                <a:solidFill>
+                  <a:schemeClr val="lt1"/>
+                </a:solidFill>
+                <a:latin typeface="+mn-lt"/>
+                <a:ea typeface="+mn-ea"/>
+                <a:cs typeface="+mn-cs"/>
+              </a:defRPr>
+            </a:lvl3pPr>
+            <a:lvl4pPr marL="1371600" algn="l" defTabSz="914400" rtl="0" eaLnBrk="1" latinLnBrk="0" hangingPunct="1">
+              <a:defRPr sz="1800" kern="1200">
+                <a:solidFill>
+                  <a:schemeClr val="lt1"/>
+                </a:solidFill>
+                <a:latin typeface="+mn-lt"/>
+                <a:ea typeface="+mn-ea"/>
+                <a:cs typeface="+mn-cs"/>
+              </a:defRPr>
+            </a:lvl4pPr>
+            <a:lvl5pPr marL="1828800" algn="l" defTabSz="914400" rtl="0" eaLnBrk="1" latinLnBrk="0" hangingPunct="1">
+              <a:defRPr sz="1800" kern="1200">
+                <a:solidFill>
+                  <a:schemeClr val="lt1"/>
+                </a:solidFill>
+                <a:latin typeface="+mn-lt"/>
+                <a:ea typeface="+mn-ea"/>
+                <a:cs typeface="+mn-cs"/>
+              </a:defRPr>
+            </a:lvl5pPr>
+            <a:lvl6pPr marL="2286000" algn="l" defTabSz="914400" rtl="0" eaLnBrk="1" latinLnBrk="0" hangingPunct="1">
+              <a:defRPr sz="1800" kern="1200">
+                <a:solidFill>
+                  <a:schemeClr val="lt1"/>
+                </a:solidFill>
+                <a:latin typeface="+mn-lt"/>
+                <a:ea typeface="+mn-ea"/>
+                <a:cs typeface="+mn-cs"/>
+              </a:defRPr>
+            </a:lvl6pPr>
+            <a:lvl7pPr marL="2743200" algn="l" defTabSz="914400" rtl="0" eaLnBrk="1" latinLnBrk="0" hangingPunct="1">
+              <a:defRPr sz="1800" kern="1200">
+                <a:solidFill>
+                  <a:schemeClr val="lt1"/>
+                </a:solidFill>
+                <a:latin typeface="+mn-lt"/>
+                <a:ea typeface="+mn-ea"/>
+                <a:cs typeface="+mn-cs"/>
+              </a:defRPr>
+            </a:lvl7pPr>
+            <a:lvl8pPr marL="3200400" algn="l" defTabSz="914400" rtl="0" eaLnBrk="1" latinLnBrk="0" hangingPunct="1">
+              <a:defRPr sz="1800" kern="1200">
+                <a:solidFill>
+                  <a:schemeClr val="lt1"/>
+                </a:solidFill>
+                <a:latin typeface="+mn-lt"/>
+                <a:ea typeface="+mn-ea"/>
+                <a:cs typeface="+mn-cs"/>
+              </a:defRPr>
+            </a:lvl8pPr>
+            <a:lvl9pPr marL="3657600" algn="l" defTabSz="914400" rtl="0" eaLnBrk="1" latinLnBrk="0" hangingPunct="1">
+              <a:defRPr sz="1800" kern="1200">
+                <a:solidFill>
+                  <a:schemeClr val="lt1"/>
+                </a:solidFill>
+                <a:latin typeface="+mn-lt"/>
+                <a:ea typeface="+mn-ea"/>
+                <a:cs typeface="+mn-cs"/>
+              </a:defRPr>
+            </a:lvl9pPr>
+          </a:lstStyle>
+          <a:p>
+            <a:pPr algn="ctr"/>
+            <a:endParaRPr lang="en-US"/>
+          </a:p>
+        </p:txBody>
+      </p:sp>
+      <p:sp useBgFill="1">
+        <p:nvSpPr>
+          <p:cNvPr id="17" name="Rectangle 16">
+            <a:extLst>
+              <a:ext uri="{FF2B5EF4-FFF2-40B4-BE49-F238E27FC236}">
+                <a16:creationId xmlns:a16="http://schemas.microsoft.com/office/drawing/2014/main" id="{E18AC0D4-F32D-4067-9F63-E553F4AFFF0E}"/>
+              </a:ext>
+              <a:ext uri="{C183D7F6-B498-43B3-948B-1728B52AA6E4}">
+                <adec:decorative xmlns:adec="http://schemas.microsoft.com/office/drawing/2017/decorative" val="1"/>
+              </a:ext>
+            </a:extLst>
+          </p:cNvPr>
+          <p:cNvSpPr>
+            <a:spLocks noGrp="1" noRot="1" noChangeAspect="1" noMove="1" noResize="1" noEditPoints="1" noAdjustHandles="1" noChangeArrowheads="1" noChangeShapeType="1" noTextEdit="1"/>
+          </p:cNvSpPr>
+          <p:nvPr>
+            <p:extLst>
+              <p:ext uri="{386F3935-93C4-4BCD-93E2-E3B085C9AB24}">
+                <p16:designElem xmlns:p16="http://schemas.microsoft.com/office/powerpoint/2015/main" val="1"/>
+              </p:ext>
+            </p:extLst>
+          </p:nvPr>
+        </p:nvSpPr>
+        <p:spPr>
+          <a:xfrm>
+            <a:off x="-1" y="0"/>
+            <a:ext cx="12192000" cy="3429000"/>
+          </a:xfrm>
+          <a:prstGeom prst="rect">
+            <a:avLst/>
+          </a:prstGeom>
+          <a:ln>
+            <a:noFill/>
+          </a:ln>
+          <a:effectLst>
+            <a:outerShdw blurRad="203200" dist="127000" dir="5400000" sx="94000" sy="94000" algn="t" rotWithShape="0">
+              <a:prstClr val="black">
+                <a:alpha val="22000"/>
+              </a:prstClr>
+            </a:outerShdw>
+          </a:effectLst>
+        </p:spPr>
+        <p:style>
+          <a:lnRef idx="2">
+            <a:schemeClr val="accent1">
+              <a:shade val="50000"/>
+            </a:schemeClr>
+          </a:lnRef>
+          <a:fillRef idx="1">
+            <a:schemeClr val="accent1"/>
+          </a:fillRef>
+          <a:effectRef idx="0">
+            <a:schemeClr val="accent1"/>
+          </a:effectRef>
+          <a:fontRef idx="minor">
+            <a:schemeClr val="lt1"/>
+          </a:fontRef>
+        </p:style>
+        <p:txBody>
+          <a:bodyPr rtlCol="0" anchor="ctr"/>
+          <a:lstStyle/>
+          <a:p>
+            <a:pPr algn="ctr"/>
+            <a:endParaRPr lang="en-US"/>
+          </a:p>
+        </p:txBody>
+      </p:sp>
+      <p:sp>
+        <p:nvSpPr>
+          <p:cNvPr id="10" name="TextBox 9">
+            <a:extLst>
+              <a:ext uri="{FF2B5EF4-FFF2-40B4-BE49-F238E27FC236}">
+                <a16:creationId xmlns:a16="http://schemas.microsoft.com/office/drawing/2014/main" id="{00320E25-8FAB-896E-86A2-26D360505317}"/>
+              </a:ext>
+            </a:extLst>
+          </p:cNvPr>
+          <p:cNvSpPr txBox="1"/>
+          <p:nvPr/>
+        </p:nvSpPr>
+        <p:spPr>
+          <a:xfrm>
+            <a:off x="217739" y="55012"/>
+            <a:ext cx="5566914" cy="551204"/>
+          </a:xfrm>
+          <a:prstGeom prst="rect">
+            <a:avLst/>
+          </a:prstGeom>
+        </p:spPr>
+        <p:txBody>
+          <a:bodyPr vert="horz" lIns="91440" tIns="45720" rIns="91440" bIns="45720" rtlCol="0" anchor="ctr">
+            <a:normAutofit/>
+          </a:bodyPr>
+          <a:lstStyle/>
+          <a:p>
+            <a:pPr>
+              <a:lnSpc>
+                <a:spcPct val="90000"/>
+              </a:lnSpc>
+              <a:spcBef>
+                <a:spcPct val="0"/>
+              </a:spcBef>
+              <a:spcAft>
+                <a:spcPts val="600"/>
+              </a:spcAft>
+            </a:pPr>
+            <a:r>
+              <a:rPr lang="en-US" sz="2400" b="1" dirty="0">
+                <a:solidFill>
+                  <a:schemeClr val="bg1"/>
+                </a:solidFill>
+                <a:latin typeface="+mj-lt"/>
+                <a:ea typeface="+mj-ea"/>
+                <a:cs typeface="+mj-cs"/>
+              </a:rPr>
+              <a:t>- Original Root-Bridge kept its role </a:t>
+            </a:r>
+          </a:p>
+        </p:txBody>
+      </p:sp>
+      <p:sp>
+        <p:nvSpPr>
+          <p:cNvPr id="3" name="Content Placeholder 2">
+            <a:extLst>
+              <a:ext uri="{FF2B5EF4-FFF2-40B4-BE49-F238E27FC236}">
+                <a16:creationId xmlns:a16="http://schemas.microsoft.com/office/drawing/2014/main" id="{078320B1-9302-9311-A4D3-12C9457D4E23}"/>
+              </a:ext>
+            </a:extLst>
+          </p:cNvPr>
+          <p:cNvSpPr>
+            <a:spLocks noGrp="1"/>
+          </p:cNvSpPr>
+          <p:nvPr>
+            <p:ph idx="1"/>
+          </p:nvPr>
+        </p:nvSpPr>
+        <p:spPr>
+          <a:xfrm>
+            <a:off x="6340615" y="721678"/>
+            <a:ext cx="5257799" cy="1821706"/>
+          </a:xfrm>
+        </p:spPr>
+        <p:txBody>
+          <a:bodyPr vert="horz" lIns="91440" tIns="45720" rIns="91440" bIns="45720" rtlCol="0" anchor="ctr">
+            <a:normAutofit/>
+          </a:bodyPr>
+          <a:lstStyle/>
+          <a:p>
+            <a:pPr marL="0" indent="0">
+              <a:buNone/>
+            </a:pPr>
+            <a:r>
+              <a:rPr lang="en-US" sz="2000" b="1" dirty="0">
+                <a:solidFill>
+                  <a:schemeClr val="bg1"/>
+                </a:solidFill>
+              </a:rPr>
+              <a:t>- As can be reviewed in Wireshark the traffic was sent on the wire but the IOU3 didn’t process it because the 0/1 ethernet interface went down as the first BPDU was received.</a:t>
+            </a:r>
+          </a:p>
+        </p:txBody>
+      </p:sp>
+      <p:pic>
+        <p:nvPicPr>
+          <p:cNvPr id="9" name="Picture 8">
+            <a:extLst>
+              <a:ext uri="{FF2B5EF4-FFF2-40B4-BE49-F238E27FC236}">
+                <a16:creationId xmlns:a16="http://schemas.microsoft.com/office/drawing/2014/main" id="{3E491AC9-4785-3887-69D8-B72E4922CD37}"/>
+              </a:ext>
+            </a:extLst>
+          </p:cNvPr>
+          <p:cNvPicPr>
+            <a:picLocks noChangeAspect="1"/>
+          </p:cNvPicPr>
+          <p:nvPr/>
+        </p:nvPicPr>
+        <p:blipFill>
+          <a:blip r:embed="rId2"/>
+          <a:stretch>
+            <a:fillRect/>
+          </a:stretch>
+        </p:blipFill>
+        <p:spPr>
+          <a:xfrm>
+            <a:off x="90056" y="606216"/>
+            <a:ext cx="6160502" cy="1743865"/>
+          </a:xfrm>
+          <a:prstGeom prst="rect">
+            <a:avLst/>
+          </a:prstGeom>
+          <a:effectLst/>
+        </p:spPr>
+      </p:pic>
+      <p:pic>
+        <p:nvPicPr>
+          <p:cNvPr id="5" name="Picture 4">
+            <a:extLst>
+              <a:ext uri="{FF2B5EF4-FFF2-40B4-BE49-F238E27FC236}">
+                <a16:creationId xmlns:a16="http://schemas.microsoft.com/office/drawing/2014/main" id="{7533CEDB-200C-19A0-6958-94FF776025F7}"/>
+              </a:ext>
+            </a:extLst>
+          </p:cNvPr>
+          <p:cNvPicPr>
+            <a:picLocks noChangeAspect="1"/>
+          </p:cNvPicPr>
+          <p:nvPr/>
+        </p:nvPicPr>
+        <p:blipFill>
+          <a:blip r:embed="rId3"/>
+          <a:stretch>
+            <a:fillRect/>
+          </a:stretch>
+        </p:blipFill>
+        <p:spPr>
+          <a:xfrm>
+            <a:off x="6151982" y="2616744"/>
+            <a:ext cx="5822279" cy="1821705"/>
+          </a:xfrm>
+          <a:prstGeom prst="rect">
+            <a:avLst/>
+          </a:prstGeom>
+          <a:effectLst/>
+        </p:spPr>
+      </p:pic>
+      <p:sp>
+        <p:nvSpPr>
+          <p:cNvPr id="11" name="TextBox 10">
+            <a:extLst>
+              <a:ext uri="{FF2B5EF4-FFF2-40B4-BE49-F238E27FC236}">
+                <a16:creationId xmlns:a16="http://schemas.microsoft.com/office/drawing/2014/main" id="{A6F6B2D6-14A5-1471-3889-BCC7E0C6FF32}"/>
+              </a:ext>
+            </a:extLst>
+          </p:cNvPr>
+          <p:cNvSpPr txBox="1"/>
+          <p:nvPr/>
+        </p:nvSpPr>
+        <p:spPr>
+          <a:xfrm>
+            <a:off x="-3" y="4585170"/>
+            <a:ext cx="7281545" cy="984885"/>
+          </a:xfrm>
+          <a:prstGeom prst="rect">
+            <a:avLst/>
+          </a:prstGeom>
+          <a:noFill/>
+        </p:spPr>
+        <p:txBody>
+          <a:bodyPr wrap="square" rtlCol="1">
+            <a:spAutoFit/>
+          </a:bodyPr>
+          <a:lstStyle/>
+          <a:p>
+            <a:r>
+              <a:rPr lang="en-US" sz="2000" b="1" dirty="0">
+                <a:solidFill>
+                  <a:schemeClr val="bg1"/>
+                </a:solidFill>
+              </a:rPr>
+              <a:t>- Lets configure an automatic recovery of the er-disable mode</a:t>
+            </a:r>
+          </a:p>
+          <a:p>
+            <a:r>
+              <a:rPr lang="en-US" sz="2000" b="1" dirty="0">
+                <a:solidFill>
+                  <a:schemeClr val="bg1"/>
+                </a:solidFill>
+              </a:rPr>
+              <a:t>After 60 seconds the port will recover back to an Up state.</a:t>
+            </a:r>
+          </a:p>
+          <a:p>
+            <a:endParaRPr lang="he-IL" dirty="0"/>
+          </a:p>
+        </p:txBody>
+      </p:sp>
+      <p:pic>
+        <p:nvPicPr>
+          <p:cNvPr id="13" name="Picture 12">
+            <a:extLst>
+              <a:ext uri="{FF2B5EF4-FFF2-40B4-BE49-F238E27FC236}">
+                <a16:creationId xmlns:a16="http://schemas.microsoft.com/office/drawing/2014/main" id="{594284B8-6F91-3774-ED32-26B9B0EB8B97}"/>
+              </a:ext>
+            </a:extLst>
+          </p:cNvPr>
+          <p:cNvPicPr>
+            <a:picLocks noChangeAspect="1"/>
+          </p:cNvPicPr>
+          <p:nvPr/>
+        </p:nvPicPr>
+        <p:blipFill>
+          <a:blip r:embed="rId4"/>
+          <a:stretch>
+            <a:fillRect/>
+          </a:stretch>
+        </p:blipFill>
+        <p:spPr>
+          <a:xfrm>
+            <a:off x="255365" y="5517185"/>
+            <a:ext cx="6572250" cy="1225334"/>
+          </a:xfrm>
+          <a:prstGeom prst="rect">
+            <a:avLst/>
+          </a:prstGeom>
+        </p:spPr>
+      </p:pic>
+    </p:spTree>
+    <p:extLst>
+      <p:ext uri="{BB962C8B-B14F-4D97-AF65-F5344CB8AC3E}">
+        <p14:creationId xmlns:p14="http://schemas.microsoft.com/office/powerpoint/2010/main" val="4058210160"/>
+      </p:ext>
+    </p:extLst>
+  </p:cSld>
+  <p:clrMapOvr>
+    <a:masterClrMapping/>
+  </p:clrMapOvr>
+</p:sld>
+</file>
+
+<file path=ppt/slides/slide2.xml><?xml version="1.0" encoding="utf-8"?>
+<p:sld xmlns:a="http://schemas.openxmlformats.org/drawingml/2006/main" xmlns:r="http://schemas.openxmlformats.org/officeDocument/2006/relationships" xmlns:p="http://schemas.openxmlformats.org/presentationml/2006/main">
+  <p:cSld>
     <p:spTree>
       <p:nvGrpSpPr>
         <p:cNvPr id="1" name=""/>
@@ -5075,6 +8270,12 @@
           <a:prstGeom prst="rect">
             <a:avLst/>
           </a:prstGeom>
+          <a:ln>
+            <a:noFill/>
+          </a:ln>
+          <a:effectLst>
+            <a:softEdge rad="112500"/>
+          </a:effectLst>
         </p:spPr>
       </p:pic>
       <p:grpSp>
@@ -5097,8 +8298,8 @@
             <a:chExt cx="256680" cy="511560"/>
           </a:xfrm>
         </p:grpSpPr>
-        <mc:AlternateContent xmlns:mc="http://schemas.openxmlformats.org/markup-compatibility/2006">
-          <mc:Choice xmlns:p14="http://schemas.microsoft.com/office/powerpoint/2010/main" Requires="p14">
+        <mc:AlternateContent xmlns:mc="http://schemas.openxmlformats.org/markup-compatibility/2006" xmlns:p14="http://schemas.microsoft.com/office/powerpoint/2010/main">
+          <mc:Choice Requires="p14">
             <p:contentPart p14:bwMode="auto" r:id="rId3">
               <p14:nvContentPartPr>
                 <p14:cNvPr id="25" name="Ink 24">
@@ -5117,7 +8318,7 @@
               </p14:xfrm>
             </p:contentPart>
           </mc:Choice>
-          <mc:Fallback>
+          <mc:Fallback xmlns="">
             <p:pic>
               <p:nvPicPr>
                 <p:cNvPr id="25" name="Ink 24">
@@ -5148,8 +8349,8 @@
             </p:pic>
           </mc:Fallback>
         </mc:AlternateContent>
-        <mc:AlternateContent xmlns:mc="http://schemas.openxmlformats.org/markup-compatibility/2006">
-          <mc:Choice xmlns:p14="http://schemas.microsoft.com/office/powerpoint/2010/main" Requires="p14">
+        <mc:AlternateContent xmlns:mc="http://schemas.openxmlformats.org/markup-compatibility/2006" xmlns:p14="http://schemas.microsoft.com/office/powerpoint/2010/main">
+          <mc:Choice Requires="p14">
             <p:contentPart p14:bwMode="auto" r:id="rId5">
               <p14:nvContentPartPr>
                 <p14:cNvPr id="26" name="Ink 25">
@@ -5168,7 +8369,7 @@
               </p14:xfrm>
             </p:contentPart>
           </mc:Choice>
-          <mc:Fallback>
+          <mc:Fallback xmlns="">
             <p:pic>
               <p:nvPicPr>
                 <p:cNvPr id="26" name="Ink 25">
@@ -5220,8 +8421,8 @@
             <a:chExt cx="277560" cy="330840"/>
           </a:xfrm>
         </p:grpSpPr>
-        <mc:AlternateContent xmlns:mc="http://schemas.openxmlformats.org/markup-compatibility/2006">
-          <mc:Choice xmlns:p14="http://schemas.microsoft.com/office/powerpoint/2010/main" Requires="p14">
+        <mc:AlternateContent xmlns:mc="http://schemas.openxmlformats.org/markup-compatibility/2006" xmlns:p14="http://schemas.microsoft.com/office/powerpoint/2010/main">
+          <mc:Choice Requires="p14">
             <p:contentPart p14:bwMode="auto" r:id="rId7">
               <p14:nvContentPartPr>
                 <p14:cNvPr id="28" name="Ink 27">
@@ -5240,7 +8441,7 @@
               </p14:xfrm>
             </p:contentPart>
           </mc:Choice>
-          <mc:Fallback>
+          <mc:Fallback xmlns="">
             <p:pic>
               <p:nvPicPr>
                 <p:cNvPr id="28" name="Ink 27">
@@ -5271,8 +8472,8 @@
             </p:pic>
           </mc:Fallback>
         </mc:AlternateContent>
-        <mc:AlternateContent xmlns:mc="http://schemas.openxmlformats.org/markup-compatibility/2006">
-          <mc:Choice xmlns:p14="http://schemas.microsoft.com/office/powerpoint/2010/main" Requires="p14">
+        <mc:AlternateContent xmlns:mc="http://schemas.openxmlformats.org/markup-compatibility/2006" xmlns:p14="http://schemas.microsoft.com/office/powerpoint/2010/main">
+          <mc:Choice Requires="p14">
             <p:contentPart p14:bwMode="auto" r:id="rId9">
               <p14:nvContentPartPr>
                 <p14:cNvPr id="29" name="Ink 28">
@@ -5291,7 +8492,7 @@
               </p14:xfrm>
             </p:contentPart>
           </mc:Choice>
-          <mc:Fallback>
+          <mc:Fallback xmlns="">
             <p:pic>
               <p:nvPicPr>
                 <p:cNvPr id="29" name="Ink 28">
@@ -5343,8 +8544,8 @@
             <a:chExt cx="279000" cy="246240"/>
           </a:xfrm>
         </p:grpSpPr>
-        <mc:AlternateContent xmlns:mc="http://schemas.openxmlformats.org/markup-compatibility/2006">
-          <mc:Choice xmlns:p14="http://schemas.microsoft.com/office/powerpoint/2010/main" Requires="p14">
+        <mc:AlternateContent xmlns:mc="http://schemas.openxmlformats.org/markup-compatibility/2006" xmlns:p14="http://schemas.microsoft.com/office/powerpoint/2010/main">
+          <mc:Choice Requires="p14">
             <p:contentPart p14:bwMode="auto" r:id="rId11">
               <p14:nvContentPartPr>
                 <p14:cNvPr id="34" name="Ink 33">
@@ -5363,7 +8564,7 @@
               </p14:xfrm>
             </p:contentPart>
           </mc:Choice>
-          <mc:Fallback>
+          <mc:Fallback xmlns="">
             <p:pic>
               <p:nvPicPr>
                 <p:cNvPr id="34" name="Ink 33">
@@ -5394,8 +8595,8 @@
             </p:pic>
           </mc:Fallback>
         </mc:AlternateContent>
-        <mc:AlternateContent xmlns:mc="http://schemas.openxmlformats.org/markup-compatibility/2006">
-          <mc:Choice xmlns:p14="http://schemas.microsoft.com/office/powerpoint/2010/main" Requires="p14">
+        <mc:AlternateContent xmlns:mc="http://schemas.openxmlformats.org/markup-compatibility/2006" xmlns:p14="http://schemas.microsoft.com/office/powerpoint/2010/main">
+          <mc:Choice Requires="p14">
             <p:contentPart p14:bwMode="auto" r:id="rId13">
               <p14:nvContentPartPr>
                 <p14:cNvPr id="35" name="Ink 34">
@@ -5414,7 +8615,7 @@
               </p14:xfrm>
             </p:contentPart>
           </mc:Choice>
-          <mc:Fallback>
+          <mc:Fallback xmlns="">
             <p:pic>
               <p:nvPicPr>
                 <p:cNvPr id="35" name="Ink 34">
@@ -5466,8 +8667,8 @@
             <a:chExt cx="293760" cy="570600"/>
           </a:xfrm>
         </p:grpSpPr>
-        <mc:AlternateContent xmlns:mc="http://schemas.openxmlformats.org/markup-compatibility/2006">
-          <mc:Choice xmlns:p14="http://schemas.microsoft.com/office/powerpoint/2010/main" Requires="p14">
+        <mc:AlternateContent xmlns:mc="http://schemas.openxmlformats.org/markup-compatibility/2006" xmlns:p14="http://schemas.microsoft.com/office/powerpoint/2010/main">
+          <mc:Choice Requires="p14">
             <p:contentPart p14:bwMode="auto" r:id="rId15">
               <p14:nvContentPartPr>
                 <p14:cNvPr id="37" name="Ink 36">
@@ -5486,7 +8687,7 @@
               </p14:xfrm>
             </p:contentPart>
           </mc:Choice>
-          <mc:Fallback>
+          <mc:Fallback xmlns="">
             <p:pic>
               <p:nvPicPr>
                 <p:cNvPr id="37" name="Ink 36">
@@ -5517,8 +8718,8 @@
             </p:pic>
           </mc:Fallback>
         </mc:AlternateContent>
-        <mc:AlternateContent xmlns:mc="http://schemas.openxmlformats.org/markup-compatibility/2006">
-          <mc:Choice xmlns:p14="http://schemas.microsoft.com/office/powerpoint/2010/main" Requires="p14">
+        <mc:AlternateContent xmlns:mc="http://schemas.openxmlformats.org/markup-compatibility/2006" xmlns:p14="http://schemas.microsoft.com/office/powerpoint/2010/main">
+          <mc:Choice Requires="p14">
             <p:contentPart p14:bwMode="auto" r:id="rId17">
               <p14:nvContentPartPr>
                 <p14:cNvPr id="38" name="Ink 37">
@@ -5537,7 +8738,7 @@
               </p14:xfrm>
             </p:contentPart>
           </mc:Choice>
-          <mc:Fallback>
+          <mc:Fallback xmlns="">
             <p:pic>
               <p:nvPicPr>
                 <p:cNvPr id="38" name="Ink 37">
@@ -5589,8 +8790,8 @@
             <a:chExt cx="215640" cy="349920"/>
           </a:xfrm>
         </p:grpSpPr>
-        <mc:AlternateContent xmlns:mc="http://schemas.openxmlformats.org/markup-compatibility/2006">
-          <mc:Choice xmlns:p14="http://schemas.microsoft.com/office/powerpoint/2010/main" Requires="p14">
+        <mc:AlternateContent xmlns:mc="http://schemas.openxmlformats.org/markup-compatibility/2006" xmlns:p14="http://schemas.microsoft.com/office/powerpoint/2010/main">
+          <mc:Choice Requires="p14">
             <p:contentPart p14:bwMode="auto" r:id="rId19">
               <p14:nvContentPartPr>
                 <p14:cNvPr id="40" name="Ink 39">
@@ -5609,7 +8810,7 @@
               </p14:xfrm>
             </p:contentPart>
           </mc:Choice>
-          <mc:Fallback>
+          <mc:Fallback xmlns="">
             <p:pic>
               <p:nvPicPr>
                 <p:cNvPr id="40" name="Ink 39">
@@ -5640,8 +8841,8 @@
             </p:pic>
           </mc:Fallback>
         </mc:AlternateContent>
-        <mc:AlternateContent xmlns:mc="http://schemas.openxmlformats.org/markup-compatibility/2006">
-          <mc:Choice xmlns:p14="http://schemas.microsoft.com/office/powerpoint/2010/main" Requires="p14">
+        <mc:AlternateContent xmlns:mc="http://schemas.openxmlformats.org/markup-compatibility/2006" xmlns:p14="http://schemas.microsoft.com/office/powerpoint/2010/main">
+          <mc:Choice Requires="p14">
             <p:contentPart p14:bwMode="auto" r:id="rId21">
               <p14:nvContentPartPr>
                 <p14:cNvPr id="41" name="Ink 40">
@@ -5660,7 +8861,7 @@
               </p14:xfrm>
             </p:contentPart>
           </mc:Choice>
-          <mc:Fallback>
+          <mc:Fallback xmlns="">
             <p:pic>
               <p:nvPicPr>
                 <p:cNvPr id="41" name="Ink 40">
@@ -5692,8 +8893,8 @@
           </mc:Fallback>
         </mc:AlternateContent>
       </p:grpSp>
-      <mc:AlternateContent xmlns:mc="http://schemas.openxmlformats.org/markup-compatibility/2006">
-        <mc:Choice xmlns:p14="http://schemas.microsoft.com/office/powerpoint/2010/main" Requires="p14">
+      <mc:AlternateContent xmlns:mc="http://schemas.openxmlformats.org/markup-compatibility/2006" xmlns:p14="http://schemas.microsoft.com/office/powerpoint/2010/main">
+        <mc:Choice Requires="p14">
           <p:contentPart p14:bwMode="auto" r:id="rId23">
             <p14:nvContentPartPr>
               <p14:cNvPr id="43" name="Ink 42">
@@ -5712,7 +8913,7 @@
             </p14:xfrm>
           </p:contentPart>
         </mc:Choice>
-        <mc:Fallback>
+        <mc:Fallback xmlns="">
           <p:pic>
             <p:nvPicPr>
               <p:cNvPr id="43" name="Ink 42">
@@ -5743,8 +8944,8 @@
           </p:pic>
         </mc:Fallback>
       </mc:AlternateContent>
-      <mc:AlternateContent xmlns:mc="http://schemas.openxmlformats.org/markup-compatibility/2006">
-        <mc:Choice xmlns:p14="http://schemas.microsoft.com/office/powerpoint/2010/main" Requires="p14">
+      <mc:AlternateContent xmlns:mc="http://schemas.openxmlformats.org/markup-compatibility/2006" xmlns:p14="http://schemas.microsoft.com/office/powerpoint/2010/main">
+        <mc:Choice Requires="p14">
           <p:contentPart p14:bwMode="auto" r:id="rId25">
             <p14:nvContentPartPr>
               <p14:cNvPr id="51" name="Ink 50">
@@ -5763,7 +8964,7 @@
             </p14:xfrm>
           </p:contentPart>
         </mc:Choice>
-        <mc:Fallback>
+        <mc:Fallback xmlns="">
           <p:pic>
             <p:nvPicPr>
               <p:cNvPr id="51" name="Ink 50">
@@ -5814,8 +9015,8 @@
             <a:chExt cx="1424520" cy="972000"/>
           </a:xfrm>
         </p:grpSpPr>
-        <mc:AlternateContent xmlns:mc="http://schemas.openxmlformats.org/markup-compatibility/2006">
-          <mc:Choice xmlns:p14="http://schemas.microsoft.com/office/powerpoint/2010/main" Requires="p14">
+        <mc:AlternateContent xmlns:mc="http://schemas.openxmlformats.org/markup-compatibility/2006" xmlns:p14="http://schemas.microsoft.com/office/powerpoint/2010/main">
+          <mc:Choice Requires="p14">
             <p:contentPart p14:bwMode="auto" r:id="rId27">
               <p14:nvContentPartPr>
                 <p14:cNvPr id="31" name="Ink 30">
@@ -5834,7 +9035,7 @@
               </p14:xfrm>
             </p:contentPart>
           </mc:Choice>
-          <mc:Fallback>
+          <mc:Fallback xmlns="">
             <p:pic>
               <p:nvPicPr>
                 <p:cNvPr id="31" name="Ink 30">
@@ -5865,8 +9066,8 @@
             </p:pic>
           </mc:Fallback>
         </mc:AlternateContent>
-        <mc:AlternateContent xmlns:mc="http://schemas.openxmlformats.org/markup-compatibility/2006">
-          <mc:Choice xmlns:p14="http://schemas.microsoft.com/office/powerpoint/2010/main" Requires="p14">
+        <mc:AlternateContent xmlns:mc="http://schemas.openxmlformats.org/markup-compatibility/2006" xmlns:p14="http://schemas.microsoft.com/office/powerpoint/2010/main">
+          <mc:Choice Requires="p14">
             <p:contentPart p14:bwMode="auto" r:id="rId29">
               <p14:nvContentPartPr>
                 <p14:cNvPr id="32" name="Ink 31">
@@ -5885,7 +9086,7 @@
               </p14:xfrm>
             </p:contentPart>
           </mc:Choice>
-          <mc:Fallback>
+          <mc:Fallback xmlns="">
             <p:pic>
               <p:nvPicPr>
                 <p:cNvPr id="32" name="Ink 31">
@@ -5916,8 +9117,8 @@
             </p:pic>
           </mc:Fallback>
         </mc:AlternateContent>
-        <mc:AlternateContent xmlns:mc="http://schemas.openxmlformats.org/markup-compatibility/2006">
-          <mc:Choice xmlns:p14="http://schemas.microsoft.com/office/powerpoint/2010/main" Requires="p14">
+        <mc:AlternateContent xmlns:mc="http://schemas.openxmlformats.org/markup-compatibility/2006" xmlns:p14="http://schemas.microsoft.com/office/powerpoint/2010/main">
+          <mc:Choice Requires="p14">
             <p:contentPart p14:bwMode="auto" r:id="rId31">
               <p14:nvContentPartPr>
                 <p14:cNvPr id="53" name="Ink 52">
@@ -5936,7 +9137,7 @@
               </p14:xfrm>
             </p:contentPart>
           </mc:Choice>
-          <mc:Fallback>
+          <mc:Fallback xmlns="">
             <p:pic>
               <p:nvPicPr>
                 <p:cNvPr id="53" name="Ink 52">
@@ -5968,8 +9169,8 @@
           </mc:Fallback>
         </mc:AlternateContent>
       </p:grpSp>
-      <mc:AlternateContent xmlns:mc="http://schemas.openxmlformats.org/markup-compatibility/2006">
-        <mc:Choice xmlns:p14="http://schemas.microsoft.com/office/powerpoint/2010/main" Requires="p14">
+      <mc:AlternateContent xmlns:mc="http://schemas.openxmlformats.org/markup-compatibility/2006" xmlns:p14="http://schemas.microsoft.com/office/powerpoint/2010/main">
+        <mc:Choice Requires="p14">
           <p:contentPart p14:bwMode="auto" r:id="rId33">
             <p14:nvContentPartPr>
               <p14:cNvPr id="55" name="Ink 54">
@@ -5988,7 +9189,7 @@
             </p14:xfrm>
           </p:contentPart>
         </mc:Choice>
-        <mc:Fallback>
+        <mc:Fallback xmlns="">
           <p:pic>
             <p:nvPicPr>
               <p:cNvPr id="55" name="Ink 54">
@@ -6019,8 +9220,8 @@
           </p:pic>
         </mc:Fallback>
       </mc:AlternateContent>
-      <mc:AlternateContent xmlns:mc="http://schemas.openxmlformats.org/markup-compatibility/2006">
-        <mc:Choice xmlns:p14="http://schemas.microsoft.com/office/powerpoint/2010/main" xmlns:aink="http://schemas.microsoft.com/office/drawing/2016/ink" Requires="p14 aink">
+      <mc:AlternateContent xmlns:mc="http://schemas.openxmlformats.org/markup-compatibility/2006" xmlns:p14="http://schemas.microsoft.com/office/powerpoint/2010/main" xmlns:aink="http://schemas.microsoft.com/office/drawing/2016/ink">
+        <mc:Choice Requires="p14 aink">
           <p:contentPart p14:bwMode="auto" r:id="rId35">
             <p14:nvContentPartPr>
               <p14:cNvPr id="56" name="Ink 55">
@@ -6039,7 +9240,7 @@
             </p14:xfrm>
           </p:contentPart>
         </mc:Choice>
-        <mc:Fallback>
+        <mc:Fallback xmlns="">
           <p:pic>
             <p:nvPicPr>
               <p:cNvPr id="56" name="Ink 55">
@@ -6090,8 +9291,8 @@
             <a:chExt cx="315000" cy="423720"/>
           </a:xfrm>
         </p:grpSpPr>
-        <mc:AlternateContent xmlns:mc="http://schemas.openxmlformats.org/markup-compatibility/2006">
-          <mc:Choice xmlns:p14="http://schemas.microsoft.com/office/powerpoint/2010/main" Requires="p14">
+        <mc:AlternateContent xmlns:mc="http://schemas.openxmlformats.org/markup-compatibility/2006" xmlns:p14="http://schemas.microsoft.com/office/powerpoint/2010/main">
+          <mc:Choice Requires="p14">
             <p:contentPart p14:bwMode="auto" r:id="rId37">
               <p14:nvContentPartPr>
                 <p14:cNvPr id="57" name="Ink 56">
@@ -6110,7 +9311,7 @@
               </p14:xfrm>
             </p:contentPart>
           </mc:Choice>
-          <mc:Fallback>
+          <mc:Fallback xmlns="">
             <p:pic>
               <p:nvPicPr>
                 <p:cNvPr id="57" name="Ink 56">
@@ -6141,8 +9342,8 @@
             </p:pic>
           </mc:Fallback>
         </mc:AlternateContent>
-        <mc:AlternateContent xmlns:mc="http://schemas.openxmlformats.org/markup-compatibility/2006">
-          <mc:Choice xmlns:p14="http://schemas.microsoft.com/office/powerpoint/2010/main" Requires="p14">
+        <mc:AlternateContent xmlns:mc="http://schemas.openxmlformats.org/markup-compatibility/2006" xmlns:p14="http://schemas.microsoft.com/office/powerpoint/2010/main">
+          <mc:Choice Requires="p14">
             <p:contentPart p14:bwMode="auto" r:id="rId39">
               <p14:nvContentPartPr>
                 <p14:cNvPr id="58" name="Ink 57">
@@ -6161,7 +9362,7 @@
               </p14:xfrm>
             </p:contentPart>
           </mc:Choice>
-          <mc:Fallback>
+          <mc:Fallback xmlns="">
             <p:pic>
               <p:nvPicPr>
                 <p:cNvPr id="58" name="Ink 57">
@@ -6238,37 +9439,37 @@
           <p:nvPr>
             <p:extLst>
               <p:ext uri="{D42A27DB-BD31-4B8C-83A1-F6EECF244321}">
-                <p14:modId xmlns:p14="http://schemas.microsoft.com/office/powerpoint/2010/main" val="2613326017"/>
+                <p14:modId xmlns:p14="http://schemas.microsoft.com/office/powerpoint/2010/main" val="3641442270"/>
               </p:ext>
             </p:extLst>
           </p:nvPr>
         </p:nvGraphicFramePr>
         <p:xfrm>
-          <a:off x="268818" y="2373902"/>
-          <a:ext cx="10596282" cy="3748492"/>
+          <a:off x="104933" y="3728265"/>
+          <a:ext cx="10544310" cy="2790794"/>
         </p:xfrm>
         <a:graphic>
           <a:graphicData uri="http://schemas.openxmlformats.org/drawingml/2006/table">
             <a:tbl>
               <a:tblPr rtl="1" firstRow="1" bandRow="1">
-                <a:tableStyleId>{5C22544A-7EE6-4342-B048-85BDC9FD1C3A}</a:tableStyleId>
+                <a:tableStyleId>{E8B1032C-EA38-4F05-BA0D-38AFFFC7BED3}</a:tableStyleId>
               </a:tblPr>
               <a:tblGrid>
-                <a:gridCol w="3532094">
+                <a:gridCol w="3207434">
                   <a:extLst>
                     <a:ext uri="{9D8B030D-6E8A-4147-A177-3AD203B41FA5}">
                       <a16:colId xmlns:a16="http://schemas.microsoft.com/office/drawing/2014/main" val="1449195740"/>
                     </a:ext>
                   </a:extLst>
                 </a:gridCol>
-                <a:gridCol w="3532094">
+                <a:gridCol w="3822106">
                   <a:extLst>
                     <a:ext uri="{9D8B030D-6E8A-4147-A177-3AD203B41FA5}">
                       <a16:colId xmlns:a16="http://schemas.microsoft.com/office/drawing/2014/main" val="1191773683"/>
                     </a:ext>
                   </a:extLst>
                 </a:gridCol>
-                <a:gridCol w="3532094">
+                <a:gridCol w="3514770">
                   <a:extLst>
                     <a:ext uri="{9D8B030D-6E8A-4147-A177-3AD203B41FA5}">
                       <a16:colId xmlns:a16="http://schemas.microsoft.com/office/drawing/2014/main" val="1723574877"/>
@@ -6276,7 +9477,7 @@
                   </a:extLst>
                 </a:gridCol>
               </a:tblGrid>
-              <a:tr h="1624321">
+              <a:tr h="1209324">
                 <a:tc>
                   <a:txBody>
                     <a:bodyPr/>
@@ -6285,7 +9486,7 @@
                       <a:pPr rtl="1"/>
                       <a:r>
                         <a:rPr lang="en-US" dirty="0"/>
-                        <a:t>DEC</a:t>
+                        <a:t>DECIMAL </a:t>
                       </a:r>
                       <a:endParaRPr lang="he-IL" dirty="0"/>
                     </a:p>
@@ -6300,7 +9501,7 @@
                       <a:pPr rtl="1"/>
                       <a:r>
                         <a:rPr lang="en-US" dirty="0"/>
-                        <a:t>HEX</a:t>
+                        <a:t>HEXADECIMAL </a:t>
                       </a:r>
                       <a:endParaRPr lang="he-IL" dirty="0"/>
                     </a:p>
@@ -6328,7 +9529,7 @@
                   </a:ext>
                 </a:extLst>
               </a:tr>
-              <a:tr h="932365">
+              <a:tr h="694156">
                 <a:tc>
                   <a:txBody>
                     <a:bodyPr/>
@@ -6337,15 +9538,15 @@
                       <a:pPr rtl="1"/>
                       <a:r>
                         <a:rPr lang="en-US" dirty="0"/>
-                        <a:t>32769 – </a:t>
+                        <a:t>32769(</a:t>
                       </a:r>
                       <a:r>
                         <a:rPr lang="en-US" dirty="0" err="1"/>
-                        <a:t>vlan</a:t>
+                        <a:t>Vlan</a:t>
                       </a:r>
                       <a:r>
                         <a:rPr lang="en-US" dirty="0"/>
-                        <a:t> id number gets added to default of 32768</a:t>
+                        <a:t> -id + 32768)</a:t>
                       </a:r>
                     </a:p>
                   </a:txBody>
@@ -6359,7 +9560,7 @@
                       <a:pPr rtl="1"/>
                       <a:r>
                         <a:rPr lang="en-US" dirty="0"/>
-                        <a:t>8001 aa:bb:cc:00:01:00</a:t>
+                        <a:t>8001</a:t>
                       </a:r>
                       <a:endParaRPr lang="he-IL" dirty="0"/>
                     </a:p>
@@ -6374,7 +9575,7 @@
                       <a:pPr rtl="1"/>
                       <a:r>
                         <a:rPr lang="en-US" dirty="0"/>
-                        <a:t>Root Bridge Priority and MAC</a:t>
+                        <a:t>Root Bridge Priority</a:t>
                       </a:r>
                       <a:endParaRPr lang="he-IL" dirty="0"/>
                     </a:p>
@@ -6387,7 +9588,65 @@
                   </a:ext>
                 </a:extLst>
               </a:tr>
-              <a:tr h="595903">
+              <a:tr h="443657">
+                <a:tc>
+                  <a:txBody>
+                    <a:bodyPr/>
+                    <a:lstStyle/>
+                    <a:p>
+                      <a:pPr rtl="1"/>
+                      <a:r>
+                        <a:rPr lang="en-US" dirty="0"/>
+                        <a:t>No need to do that </a:t>
+                      </a:r>
+                      <a:r>
+                        <a:rPr lang="en-US" dirty="0">
+                          <a:sym typeface="Wingdings" panose="05000000000000000000" pitchFamily="2" charset="2"/>
+                        </a:rPr>
+                        <a:t></a:t>
+                      </a:r>
+                      <a:endParaRPr lang="he-IL" dirty="0"/>
+                    </a:p>
+                  </a:txBody>
+                  <a:tcPr/>
+                </a:tc>
+                <a:tc>
+                  <a:txBody>
+                    <a:bodyPr/>
+                    <a:lstStyle/>
+                    <a:p>
+                      <a:pPr rtl="1"/>
+                      <a:r>
+                        <a:rPr lang="en-US" dirty="0"/>
+                        <a:t>aa:bb:cc:00:01:00</a:t>
+                      </a:r>
+                      <a:endParaRPr lang="he-IL" dirty="0"/>
+                    </a:p>
+                  </a:txBody>
+                  <a:tcPr/>
+                </a:tc>
+                <a:tc>
+                  <a:txBody>
+                    <a:bodyPr/>
+                    <a:lstStyle/>
+                    <a:p>
+                      <a:pPr rtl="1"/>
+                      <a:r>
+                        <a:rPr lang="en-US" dirty="0"/>
+                        <a:t>Root Mac-address </a:t>
+                      </a:r>
+                      <a:endParaRPr lang="he-IL" dirty="0"/>
+                    </a:p>
+                  </a:txBody>
+                  <a:tcPr/>
+                </a:tc>
+                <a:extLst>
+                  <a:ext uri="{0D108BD9-81ED-4DB2-BD59-A6C34878D82A}">
+                    <a16:rowId xmlns:a16="http://schemas.microsoft.com/office/drawing/2014/main" val="1615497908"/>
+                  </a:ext>
+                </a:extLst>
+              </a:tr>
+              <a:tr h="443657">
                 <a:tc>
                   <a:txBody>
                     <a:bodyPr/>
@@ -6435,58 +9694,6 @@
                 </a:tc>
                 <a:extLst>
                   <a:ext uri="{0D108BD9-81ED-4DB2-BD59-A6C34878D82A}">
-                    <a16:rowId xmlns:a16="http://schemas.microsoft.com/office/drawing/2014/main" val="1615497908"/>
-                  </a:ext>
-                </a:extLst>
-              </a:tr>
-              <a:tr h="595903">
-                <a:tc>
-                  <a:txBody>
-                    <a:bodyPr/>
-                    <a:lstStyle/>
-                    <a:p>
-                      <a:pPr rtl="1"/>
-                      <a:r>
-                        <a:rPr lang="en-US" dirty="0"/>
-                        <a:t>3</a:t>
-                      </a:r>
-                      <a:endParaRPr lang="he-IL" dirty="0"/>
-                    </a:p>
-                  </a:txBody>
-                  <a:tcPr/>
-                </a:tc>
-                <a:tc>
-                  <a:txBody>
-                    <a:bodyPr/>
-                    <a:lstStyle/>
-                    <a:p>
-                      <a:pPr rtl="1"/>
-                      <a:r>
-                        <a:rPr lang="en-US" dirty="0"/>
-                        <a:t>3</a:t>
-                      </a:r>
-                      <a:endParaRPr lang="he-IL" dirty="0"/>
-                    </a:p>
-                  </a:txBody>
-                  <a:tcPr/>
-                </a:tc>
-                <a:tc>
-                  <a:txBody>
-                    <a:bodyPr/>
-                    <a:lstStyle/>
-                    <a:p>
-                      <a:pPr rtl="1"/>
-                      <a:r>
-                        <a:rPr lang="en-US" dirty="0"/>
-                        <a:t>Port-id</a:t>
-                      </a:r>
-                      <a:endParaRPr lang="he-IL" dirty="0"/>
-                    </a:p>
-                  </a:txBody>
-                  <a:tcPr/>
-                </a:tc>
-                <a:extLst>
-                  <a:ext uri="{0D108BD9-81ED-4DB2-BD59-A6C34878D82A}">
                     <a16:rowId xmlns:a16="http://schemas.microsoft.com/office/drawing/2014/main" val="4116092026"/>
                   </a:ext>
                 </a:extLst>
@@ -6495,261 +9702,6 @@
           </a:graphicData>
         </a:graphic>
       </p:graphicFrame>
-      <mc:AlternateContent xmlns:mc="http://schemas.openxmlformats.org/markup-compatibility/2006" xmlns:p14="http://schemas.microsoft.com/office/powerpoint/2010/main">
-        <mc:Choice Requires="p14">
-          <p:contentPart p14:bwMode="auto" r:id="rId2">
-            <p14:nvContentPartPr>
-              <p14:cNvPr id="74" name="Ink 73">
-                <a:extLst>
-                  <a:ext uri="{FF2B5EF4-FFF2-40B4-BE49-F238E27FC236}">
-                    <a16:creationId xmlns:a16="http://schemas.microsoft.com/office/drawing/2014/main" id="{8E9665FB-8302-F779-C282-D6C43A7B5C2F}"/>
-                  </a:ext>
-                </a:extLst>
-              </p14:cNvPr>
-              <p14:cNvContentPartPr/>
-              <p14:nvPr/>
-            </p14:nvContentPartPr>
-            <p14:xfrm>
-              <a:off x="7814629" y="1031210"/>
-              <a:ext cx="609840" cy="505080"/>
-            </p14:xfrm>
-          </p:contentPart>
-        </mc:Choice>
-        <mc:Fallback xmlns="">
-          <p:pic>
-            <p:nvPicPr>
-              <p:cNvPr id="74" name="Ink 73">
-                <a:extLst>
-                  <a:ext uri="{FF2B5EF4-FFF2-40B4-BE49-F238E27FC236}">
-                    <a16:creationId xmlns:a16="http://schemas.microsoft.com/office/drawing/2014/main" id="{8E9665FB-8302-F779-C282-D6C43A7B5C2F}"/>
-                  </a:ext>
-                </a:extLst>
-              </p:cNvPr>
-              <p:cNvPicPr/>
-              <p:nvPr/>
-            </p:nvPicPr>
-            <p:blipFill>
-              <a:blip r:embed="rId3"/>
-              <a:stretch>
-                <a:fillRect/>
-              </a:stretch>
-            </p:blipFill>
-            <p:spPr>
-              <a:xfrm>
-                <a:off x="7808509" y="1025090"/>
-                <a:ext cx="622080" cy="517320"/>
-              </a:xfrm>
-              <a:prstGeom prst="rect">
-                <a:avLst/>
-              </a:prstGeom>
-            </p:spPr>
-          </p:pic>
-        </mc:Fallback>
-      </mc:AlternateContent>
-      <mc:AlternateContent xmlns:mc="http://schemas.openxmlformats.org/markup-compatibility/2006" xmlns:p14="http://schemas.microsoft.com/office/powerpoint/2010/main">
-        <mc:Choice Requires="p14">
-          <p:contentPart p14:bwMode="auto" r:id="rId4">
-            <p14:nvContentPartPr>
-              <p14:cNvPr id="75" name="Ink 74">
-                <a:extLst>
-                  <a:ext uri="{FF2B5EF4-FFF2-40B4-BE49-F238E27FC236}">
-                    <a16:creationId xmlns:a16="http://schemas.microsoft.com/office/drawing/2014/main" id="{31F179A6-747B-02AC-B8B1-638101F63DA0}"/>
-                  </a:ext>
-                </a:extLst>
-              </p14:cNvPr>
-              <p14:cNvContentPartPr/>
-              <p14:nvPr/>
-            </p14:nvContentPartPr>
-            <p14:xfrm>
-              <a:off x="8401789" y="1465730"/>
-              <a:ext cx="1708920" cy="36360"/>
-            </p14:xfrm>
-          </p:contentPart>
-        </mc:Choice>
-        <mc:Fallback xmlns="">
-          <p:pic>
-            <p:nvPicPr>
-              <p:cNvPr id="75" name="Ink 74">
-                <a:extLst>
-                  <a:ext uri="{FF2B5EF4-FFF2-40B4-BE49-F238E27FC236}">
-                    <a16:creationId xmlns:a16="http://schemas.microsoft.com/office/drawing/2014/main" id="{31F179A6-747B-02AC-B8B1-638101F63DA0}"/>
-                  </a:ext>
-                </a:extLst>
-              </p:cNvPr>
-              <p:cNvPicPr/>
-              <p:nvPr/>
-            </p:nvPicPr>
-            <p:blipFill>
-              <a:blip r:embed="rId5"/>
-              <a:stretch>
-                <a:fillRect/>
-              </a:stretch>
-            </p:blipFill>
-            <p:spPr>
-              <a:xfrm>
-                <a:off x="8395669" y="1459610"/>
-                <a:ext cx="1721160" cy="48600"/>
-              </a:xfrm>
-              <a:prstGeom prst="rect">
-                <a:avLst/>
-              </a:prstGeom>
-            </p:spPr>
-          </p:pic>
-        </mc:Fallback>
-      </mc:AlternateContent>
-      <mc:AlternateContent xmlns:mc="http://schemas.openxmlformats.org/markup-compatibility/2006" xmlns:p14="http://schemas.microsoft.com/office/powerpoint/2010/main">
-        <mc:Choice Requires="p14">
-          <p:contentPart p14:bwMode="auto" r:id="rId6">
-            <p14:nvContentPartPr>
-              <p14:cNvPr id="76" name="Ink 75">
-                <a:extLst>
-                  <a:ext uri="{FF2B5EF4-FFF2-40B4-BE49-F238E27FC236}">
-                    <a16:creationId xmlns:a16="http://schemas.microsoft.com/office/drawing/2014/main" id="{235D8B0B-2F3D-5E8B-47DF-9140A4D0F5EB}"/>
-                  </a:ext>
-                </a:extLst>
-              </p14:cNvPr>
-              <p14:cNvContentPartPr/>
-              <p14:nvPr/>
-            </p14:nvContentPartPr>
-            <p14:xfrm>
-              <a:off x="189469" y="1341530"/>
-              <a:ext cx="747000" cy="332280"/>
-            </p14:xfrm>
-          </p:contentPart>
-        </mc:Choice>
-        <mc:Fallback xmlns="">
-          <p:pic>
-            <p:nvPicPr>
-              <p:cNvPr id="76" name="Ink 75">
-                <a:extLst>
-                  <a:ext uri="{FF2B5EF4-FFF2-40B4-BE49-F238E27FC236}">
-                    <a16:creationId xmlns:a16="http://schemas.microsoft.com/office/drawing/2014/main" id="{235D8B0B-2F3D-5E8B-47DF-9140A4D0F5EB}"/>
-                  </a:ext>
-                </a:extLst>
-              </p:cNvPr>
-              <p:cNvPicPr/>
-              <p:nvPr/>
-            </p:nvPicPr>
-            <p:blipFill>
-              <a:blip r:embed="rId7"/>
-              <a:stretch>
-                <a:fillRect/>
-              </a:stretch>
-            </p:blipFill>
-            <p:spPr>
-              <a:xfrm>
-                <a:off x="183349" y="1335410"/>
-                <a:ext cx="759240" cy="344520"/>
-              </a:xfrm>
-              <a:prstGeom prst="rect">
-                <a:avLst/>
-              </a:prstGeom>
-            </p:spPr>
-          </p:pic>
-        </mc:Fallback>
-      </mc:AlternateContent>
-      <mc:AlternateContent xmlns:mc="http://schemas.openxmlformats.org/markup-compatibility/2006" xmlns:p14="http://schemas.microsoft.com/office/powerpoint/2010/main">
-        <mc:Choice Requires="p14">
-          <p:contentPart p14:bwMode="auto" r:id="rId8">
-            <p14:nvContentPartPr>
-              <p14:cNvPr id="77" name="Ink 76">
-                <a:extLst>
-                  <a:ext uri="{FF2B5EF4-FFF2-40B4-BE49-F238E27FC236}">
-                    <a16:creationId xmlns:a16="http://schemas.microsoft.com/office/drawing/2014/main" id="{0AC43A5A-9A85-09E9-87C2-6BAA03F42D6D}"/>
-                  </a:ext>
-                </a:extLst>
-              </p14:cNvPr>
-              <p14:cNvContentPartPr/>
-              <p14:nvPr/>
-            </p14:nvContentPartPr>
-            <p14:xfrm>
-              <a:off x="8368309" y="1034450"/>
-              <a:ext cx="1586880" cy="54000"/>
-            </p14:xfrm>
-          </p:contentPart>
-        </mc:Choice>
-        <mc:Fallback xmlns="">
-          <p:pic>
-            <p:nvPicPr>
-              <p:cNvPr id="77" name="Ink 76">
-                <a:extLst>
-                  <a:ext uri="{FF2B5EF4-FFF2-40B4-BE49-F238E27FC236}">
-                    <a16:creationId xmlns:a16="http://schemas.microsoft.com/office/drawing/2014/main" id="{0AC43A5A-9A85-09E9-87C2-6BAA03F42D6D}"/>
-                  </a:ext>
-                </a:extLst>
-              </p:cNvPr>
-              <p:cNvPicPr/>
-              <p:nvPr/>
-            </p:nvPicPr>
-            <p:blipFill>
-              <a:blip r:embed="rId9"/>
-              <a:stretch>
-                <a:fillRect/>
-              </a:stretch>
-            </p:blipFill>
-            <p:spPr>
-              <a:xfrm>
-                <a:off x="8362189" y="1028330"/>
-                <a:ext cx="1599120" cy="66240"/>
-              </a:xfrm>
-              <a:prstGeom prst="rect">
-                <a:avLst/>
-              </a:prstGeom>
-            </p:spPr>
-          </p:pic>
-        </mc:Fallback>
-      </mc:AlternateContent>
-      <mc:AlternateContent xmlns:mc="http://schemas.openxmlformats.org/markup-compatibility/2006" xmlns:p14="http://schemas.microsoft.com/office/powerpoint/2010/main">
-        <mc:Choice Requires="p14">
-          <p:contentPart p14:bwMode="auto" r:id="rId10">
-            <p14:nvContentPartPr>
-              <p14:cNvPr id="78" name="Ink 77">
-                <a:extLst>
-                  <a:ext uri="{FF2B5EF4-FFF2-40B4-BE49-F238E27FC236}">
-                    <a16:creationId xmlns:a16="http://schemas.microsoft.com/office/drawing/2014/main" id="{2C62A2D6-BFB0-B60F-7A99-D133483895A9}"/>
-                  </a:ext>
-                </a:extLst>
-              </p14:cNvPr>
-              <p14:cNvContentPartPr/>
-              <p14:nvPr/>
-            </p14:nvContentPartPr>
-            <p14:xfrm>
-              <a:off x="965989" y="1343330"/>
-              <a:ext cx="699840" cy="278640"/>
-            </p14:xfrm>
-          </p:contentPart>
-        </mc:Choice>
-        <mc:Fallback xmlns="">
-          <p:pic>
-            <p:nvPicPr>
-              <p:cNvPr id="78" name="Ink 77">
-                <a:extLst>
-                  <a:ext uri="{FF2B5EF4-FFF2-40B4-BE49-F238E27FC236}">
-                    <a16:creationId xmlns:a16="http://schemas.microsoft.com/office/drawing/2014/main" id="{2C62A2D6-BFB0-B60F-7A99-D133483895A9}"/>
-                  </a:ext>
-                </a:extLst>
-              </p:cNvPr>
-              <p:cNvPicPr/>
-              <p:nvPr/>
-            </p:nvPicPr>
-            <p:blipFill>
-              <a:blip r:embed="rId11"/>
-              <a:stretch>
-                <a:fillRect/>
-              </a:stretch>
-            </p:blipFill>
-            <p:spPr>
-              <a:xfrm>
-                <a:off x="959869" y="1337210"/>
-                <a:ext cx="712080" cy="290880"/>
-              </a:xfrm>
-              <a:prstGeom prst="rect">
-                <a:avLst/>
-              </a:prstGeom>
-            </p:spPr>
-          </p:pic>
-        </mc:Fallback>
-      </mc:AlternateContent>
       <p:pic>
         <p:nvPicPr>
           <p:cNvPr id="84" name="Picture 83">
@@ -6765,21 +9717,101 @@
           <p:nvPr/>
         </p:nvPicPr>
         <p:blipFill>
-          <a:blip r:embed="rId12"/>
+          <a:blip r:embed="rId2"/>
           <a:stretch>
             <a:fillRect/>
           </a:stretch>
         </p:blipFill>
         <p:spPr>
           <a:xfrm>
-            <a:off x="189469" y="285"/>
-            <a:ext cx="10596281" cy="2282612"/>
+            <a:off x="104933" y="1146388"/>
+            <a:ext cx="10596278" cy="2282612"/>
           </a:xfrm>
           <a:prstGeom prst="rect">
             <a:avLst/>
           </a:prstGeom>
+          <a:ln>
+            <a:noFill/>
+          </a:ln>
+          <a:effectLst>
+            <a:softEdge rad="112500"/>
+          </a:effectLst>
         </p:spPr>
       </p:pic>
+      <p:sp>
+        <p:nvSpPr>
+          <p:cNvPr id="4" name="TextBox 3">
+            <a:extLst>
+              <a:ext uri="{FF2B5EF4-FFF2-40B4-BE49-F238E27FC236}">
+                <a16:creationId xmlns:a16="http://schemas.microsoft.com/office/drawing/2014/main" id="{8560D423-325D-1156-8D16-DBB730089861}"/>
+              </a:ext>
+            </a:extLst>
+          </p:cNvPr>
+          <p:cNvSpPr txBox="1"/>
+          <p:nvPr/>
+        </p:nvSpPr>
+        <p:spPr>
+          <a:xfrm>
+            <a:off x="524665" y="184197"/>
+            <a:ext cx="8019260" cy="1077218"/>
+          </a:xfrm>
+          <a:prstGeom prst="rect">
+            <a:avLst/>
+          </a:prstGeom>
+          <a:noFill/>
+        </p:spPr>
+        <p:txBody>
+          <a:bodyPr wrap="square" rtlCol="1">
+            <a:spAutoFit/>
+          </a:bodyPr>
+          <a:lstStyle/>
+          <a:p>
+            <a:r>
+              <a:rPr lang="en-US" sz="1600" b="1" dirty="0">
+                <a:solidFill>
+                  <a:schemeClr val="bg1"/>
+                </a:solidFill>
+              </a:rPr>
+              <a:t>Switches flood STP frames on all active ports  by default .</a:t>
+            </a:r>
+          </a:p>
+          <a:p>
+            <a:r>
+              <a:rPr lang="en-US" sz="1600" b="1" dirty="0">
+                <a:solidFill>
+                  <a:schemeClr val="bg1"/>
+                </a:solidFill>
+              </a:rPr>
+              <a:t> I Captured a STP frame sourced from Sw3.</a:t>
+            </a:r>
+          </a:p>
+          <a:p>
+            <a:r>
+              <a:rPr lang="en-US" sz="1600" b="1" dirty="0">
+                <a:solidFill>
+                  <a:schemeClr val="bg1"/>
+                </a:solidFill>
+              </a:rPr>
+              <a:t> Identified the lowest mac-address. And the lowest bridge priority in  the network.</a:t>
+            </a:r>
+          </a:p>
+          <a:p>
+            <a:r>
+              <a:rPr lang="en-US" sz="1600" b="1" dirty="0">
+                <a:solidFill>
+                  <a:schemeClr val="bg1"/>
+                </a:solidFill>
+              </a:rPr>
+              <a:t>I need this info to create the malicious script.</a:t>
+            </a:r>
+            <a:endParaRPr lang="he-IL" sz="1600" b="1" dirty="0">
+              <a:solidFill>
+                <a:schemeClr val="bg1"/>
+              </a:solidFill>
+            </a:endParaRPr>
+          </a:p>
+        </p:txBody>
+      </p:sp>
     </p:spTree>
     <p:extLst>
       <p:ext uri="{BB962C8B-B14F-4D97-AF65-F5344CB8AC3E}">
@@ -6790,20 +9822,24 @@
   <p:clrMapOvr>
     <a:masterClrMapping/>
   </p:clrMapOvr>
+  <mc:AlternateContent xmlns:mc="http://schemas.openxmlformats.org/markup-compatibility/2006">
+    <mc:Choice xmlns:p14="http://schemas.microsoft.com/office/powerpoint/2010/main" Requires="p14">
+      <p:transition spd="med">
+        <p14:gallery dir="l"/>
+      </p:transition>
+    </mc:Choice>
+    <mc:Fallback>
+      <p:transition spd="med">
+        <p:fade/>
+      </p:transition>
+    </mc:Fallback>
+  </mc:AlternateContent>
 </p:sld>
 </file>
 
 <file path=ppt/slides/slide4.xml><?xml version="1.0" encoding="utf-8"?>
 <p:sld xmlns:a="http://schemas.openxmlformats.org/drawingml/2006/main" xmlns:r="http://schemas.openxmlformats.org/officeDocument/2006/relationships" xmlns:p="http://schemas.openxmlformats.org/presentationml/2006/main">
   <p:cSld>
-    <p:bg>
-      <p:bgPr>
-        <a:solidFill>
-          <a:schemeClr val="bg1"/>
-        </a:solidFill>
-        <a:effectLst/>
-      </p:bgPr>
-    </p:bg>
     <p:spTree>
       <p:nvGrpSpPr>
         <p:cNvPr id="1" name=""/>
@@ -7843,7 +10879,7 @@
         </p:blipFill>
         <p:spPr>
           <a:xfrm>
-            <a:off x="626590" y="317578"/>
+            <a:off x="539768" y="658815"/>
             <a:ext cx="10851111" cy="3508437"/>
           </a:xfrm>
           <a:prstGeom prst="rect">
@@ -8512,7 +11548,7 @@
         </p:nvSpPr>
         <p:spPr>
           <a:xfrm>
-            <a:off x="626590" y="4192945"/>
+            <a:off x="626590" y="4519057"/>
             <a:ext cx="10533595" cy="2129599"/>
           </a:xfrm>
           <a:prstGeom prst="rect">
@@ -8537,20 +11573,12 @@
               <a:buChar char="•"/>
             </a:pPr>
             <a:r>
-              <a:rPr lang="en-US" dirty="0" err="1">
-                <a:solidFill>
-                  <a:schemeClr val="bg1"/>
-                </a:solidFill>
-              </a:rPr>
-              <a:t>Caprute</a:t>
-            </a:r>
-            <a:r>
               <a:rPr lang="en-US" dirty="0">
                 <a:solidFill>
                   <a:schemeClr val="bg1"/>
                 </a:solidFill>
               </a:rPr>
-              <a:t> a configuration BPDU packet, alter it and send it 20 times back on the wire. </a:t>
+              <a:t>The script Captures a configuration BPDU packet, alters it and sends it 20 times back on the wire. </a:t>
             </a:r>
           </a:p>
           <a:p>
@@ -8610,7 +11638,27 @@
                   <a:schemeClr val="bg1"/>
                 </a:solidFill>
               </a:rPr>
-              <a:t>And most preferred and declare it as the root mac.</a:t>
+              <a:t>And most preferred.</a:t>
+            </a:r>
+          </a:p>
+          <a:p>
+            <a:pPr indent="-228600">
+              <a:lnSpc>
+                <a:spcPct val="90000"/>
+              </a:lnSpc>
+              <a:spcAft>
+                <a:spcPts val="600"/>
+              </a:spcAft>
+              <a:buFont typeface="Arial" panose="020B0604020202020204" pitchFamily="34" charset="0"/>
+              <a:buChar char="•"/>
+            </a:pPr>
+            <a:r>
+              <a:rPr lang="en-US" dirty="0">
+                <a:solidFill>
+                  <a:schemeClr val="bg1"/>
+                </a:solidFill>
+              </a:rPr>
+              <a:t> declare it as the root mac.</a:t>
             </a:r>
           </a:p>
         </p:txBody>
@@ -8631,14 +11679,6 @@
 <file path=ppt/slides/slide5.xml><?xml version="1.0" encoding="utf-8"?>
 <p:sld xmlns:a="http://schemas.openxmlformats.org/drawingml/2006/main" xmlns:r="http://schemas.openxmlformats.org/officeDocument/2006/relationships" xmlns:p="http://schemas.openxmlformats.org/presentationml/2006/main">
   <p:cSld>
-    <p:bg>
-      <p:bgPr>
-        <a:solidFill>
-          <a:schemeClr val="bg1"/>
-        </a:solidFill>
-        <a:effectLst/>
-      </p:bgPr>
-    </p:bg>
     <p:spTree>
       <p:nvGrpSpPr>
         <p:cNvPr id="1" name=""/>
@@ -10409,14 +13449,6 @@
 <file path=ppt/slides/slide6.xml><?xml version="1.0" encoding="utf-8"?>
 <p:sld xmlns:a="http://schemas.openxmlformats.org/drawingml/2006/main" xmlns:r="http://schemas.openxmlformats.org/officeDocument/2006/relationships" xmlns:p="http://schemas.openxmlformats.org/presentationml/2006/main">
   <p:cSld>
-    <p:bg>
-      <p:bgPr>
-        <a:solidFill>
-          <a:schemeClr val="bg1"/>
-        </a:solidFill>
-        <a:effectLst/>
-      </p:bgPr>
-    </p:bg>
     <p:spTree>
       <p:nvGrpSpPr>
         <p:cNvPr id="1" name=""/>
@@ -10431,92 +13463,28 @@
           <a:chExt cx="0" cy="0"/>
         </a:xfrm>
       </p:grpSpPr>
-      <p:sp useBgFill="1">
+      <p:sp>
         <p:nvSpPr>
-          <p:cNvPr id="28" name="Rectangle 27">
+          <p:cNvPr id="2" name="Title 1">
             <a:extLst>
               <a:ext uri="{FF2B5EF4-FFF2-40B4-BE49-F238E27FC236}">
-                <a16:creationId xmlns:a16="http://schemas.microsoft.com/office/drawing/2014/main" id="{8181FC64-B306-4821-98E2-780662EFC486}"/>
-              </a:ext>
-              <a:ext uri="{C183D7F6-B498-43B3-948B-1728B52AA6E4}">
-                <adec:decorative xmlns:adec="http://schemas.microsoft.com/office/drawing/2017/decorative" val="1"/>
+                <a16:creationId xmlns:a16="http://schemas.microsoft.com/office/drawing/2014/main" id="{7F4E6CE0-B673-0899-FA4B-57F71D844EC4}"/>
               </a:ext>
             </a:extLst>
           </p:cNvPr>
           <p:cNvSpPr>
-            <a:spLocks noGrp="1" noRot="1" noChangeAspect="1" noMove="1" noResize="1" noEditPoints="1" noAdjustHandles="1" noChangeArrowheads="1" noChangeShapeType="1" noTextEdit="1"/>
+            <a:spLocks noGrp="1"/>
           </p:cNvSpPr>
           <p:nvPr>
-            <p:extLst>
-              <p:ext uri="{386F3935-93C4-4BCD-93E2-E3B085C9AB24}">
-                <p16:designElem xmlns:p16="http://schemas.microsoft.com/office/powerpoint/2015/main" val="1"/>
-              </p:ext>
-            </p:extLst>
+            <p:ph type="title"/>
           </p:nvPr>
         </p:nvSpPr>
-        <p:spPr>
-          <a:xfrm>
-            <a:off x="305" y="0"/>
-            <a:ext cx="12191695" cy="6858000"/>
-          </a:xfrm>
-          <a:prstGeom prst="rect">
-            <a:avLst/>
-          </a:prstGeom>
-          <a:ln>
-            <a:noFill/>
-          </a:ln>
-        </p:spPr>
-        <p:style>
-          <a:lnRef idx="2">
-            <a:schemeClr val="accent1">
-              <a:shade val="50000"/>
-            </a:schemeClr>
-          </a:lnRef>
-          <a:fillRef idx="1">
-            <a:schemeClr val="accent1"/>
-          </a:fillRef>
-          <a:effectRef idx="0">
-            <a:schemeClr val="accent1"/>
-          </a:effectRef>
-          <a:fontRef idx="minor">
-            <a:schemeClr val="lt1"/>
-          </a:fontRef>
-        </p:style>
+        <p:spPr/>
         <p:txBody>
-          <a:bodyPr rtlCol="0" anchor="ctr"/>
+          <a:bodyPr/>
           <a:lstStyle/>
           <a:p>
-            <a:pPr marL="0" marR="0" lvl="0" indent="0" algn="ctr" defTabSz="457200" rtl="0" eaLnBrk="1" fontAlgn="auto" latinLnBrk="0" hangingPunct="1">
-              <a:lnSpc>
-                <a:spcPct val="100000"/>
-              </a:lnSpc>
-              <a:spcBef>
-                <a:spcPts val="0"/>
-              </a:spcBef>
-              <a:spcAft>
-                <a:spcPts val="0"/>
-              </a:spcAft>
-              <a:buClrTx/>
-              <a:buSzTx/>
-              <a:buFontTx/>
-              <a:buNone/>
-              <a:tabLst/>
-              <a:defRPr/>
-            </a:pPr>
-            <a:endParaRPr kumimoji="0" lang="en-US" sz="1800" b="0" i="0" u="none" strike="noStrike" kern="1200" cap="none" spc="0" normalizeH="0" baseline="0" noProof="0" dirty="0">
-              <a:ln>
-                <a:noFill/>
-              </a:ln>
-              <a:solidFill>
-                <a:prstClr val="white"/>
-              </a:solidFill>
-              <a:effectLst/>
-              <a:uLnTx/>
-              <a:uFillTx/>
-              <a:latin typeface="Meiryo"/>
-              <a:ea typeface="+mn-ea"/>
-              <a:cs typeface="+mn-cs"/>
-            </a:endParaRPr>
+            <a:endParaRPr lang="he-IL"/>
           </a:p>
         </p:txBody>
       </p:sp>
@@ -10538,736 +13506,144 @@
         </p:nvPicPr>
         <p:blipFill>
           <a:blip r:embed="rId2"/>
-          <a:srcRect r="13338" b="2"/>
           <a:stretch/>
         </p:blipFill>
         <p:spPr>
           <a:xfrm>
-            <a:off x="20" y="10"/>
-            <a:ext cx="9947062" cy="6857990"/>
+            <a:off x="0" y="365125"/>
+            <a:ext cx="12067006" cy="6060216"/>
           </a:xfrm>
           <a:prstGeom prst="rect">
             <a:avLst/>
           </a:prstGeom>
+          <a:solidFill>
+            <a:srgbClr val="FFFFFF">
+              <a:shade val="85000"/>
+            </a:srgbClr>
+          </a:solidFill>
+          <a:effectLst>
+            <a:outerShdw blurRad="50800" dist="50800" dir="5400000" algn="ctr" rotWithShape="0">
+              <a:srgbClr val="000000">
+                <a:alpha val="95000"/>
+              </a:srgbClr>
+            </a:outerShdw>
+          </a:effectLst>
           <a:scene3d>
-            <a:camera prst="perspectiveRelaxed">
-              <a:rot lat="19800000" lon="1200000" rev="20820000"/>
-            </a:camera>
-            <a:lightRig rig="threePt" dir="t"/>
+            <a:camera prst="orthographicFront"/>
+            <a:lightRig rig="twoPt" dir="t">
+              <a:rot lat="0" lon="0" rev="7800000"/>
+            </a:lightRig>
           </a:scene3d>
-          <a:sp3d contourW="6350" prstMaterial="matte">
-            <a:bevelT w="101600" h="101600"/>
+          <a:sp3d contourW="6350">
+            <a:bevelT w="50800" h="16510"/>
             <a:contourClr>
-              <a:srgbClr val="969696"/>
+              <a:srgbClr val="C0C0C0"/>
             </a:contourClr>
           </a:sp3d>
         </p:spPr>
       </p:pic>
-      <p:sp>
-        <p:nvSpPr>
-          <p:cNvPr id="30" name="Freeform: Shape 29">
-            <a:extLst>
-              <a:ext uri="{FF2B5EF4-FFF2-40B4-BE49-F238E27FC236}">
-                <a16:creationId xmlns:a16="http://schemas.microsoft.com/office/drawing/2014/main" id="{5871FC61-DD4E-47D4-81FD-8A7E7D12B371}"/>
-              </a:ext>
-              <a:ext uri="{C183D7F6-B498-43B3-948B-1728B52AA6E4}">
-                <adec:decorative xmlns:adec="http://schemas.microsoft.com/office/drawing/2017/decorative" val="1"/>
-              </a:ext>
-            </a:extLst>
-          </p:cNvPr>
-          <p:cNvSpPr>
-            <a:spLocks noGrp="1" noRot="1" noChangeAspect="1" noMove="1" noResize="1" noEditPoints="1" noAdjustHandles="1" noChangeArrowheads="1" noChangeShapeType="1" noTextEdit="1"/>
-          </p:cNvSpPr>
-          <p:nvPr>
-            <p:extLst>
-              <p:ext uri="{386F3935-93C4-4BCD-93E2-E3B085C9AB24}">
-                <p16:designElem xmlns:p16="http://schemas.microsoft.com/office/powerpoint/2015/main" val="1"/>
-              </p:ext>
-            </p:extLst>
-          </p:nvPr>
-        </p:nvSpPr>
-        <p:spPr>
-          <a:xfrm flipH="1">
-            <a:off x="6986049" y="0"/>
-            <a:ext cx="5205951" cy="6858000"/>
-          </a:xfrm>
-          <a:custGeom>
-            <a:avLst/>
-            <a:gdLst>
-              <a:gd name="connsiteX0" fmla="*/ 0 w 5205951"/>
-              <a:gd name="connsiteY0" fmla="*/ 0 h 6858000"/>
-              <a:gd name="connsiteX1" fmla="*/ 1709529 w 5205951"/>
-              <a:gd name="connsiteY1" fmla="*/ 0 h 6858000"/>
-              <a:gd name="connsiteX2" fmla="*/ 2489695 w 5205951"/>
-              <a:gd name="connsiteY2" fmla="*/ 0 h 6858000"/>
-              <a:gd name="connsiteX3" fmla="*/ 3582928 w 5205951"/>
-              <a:gd name="connsiteY3" fmla="*/ 0 h 6858000"/>
-              <a:gd name="connsiteX4" fmla="*/ 3605052 w 5205951"/>
-              <a:gd name="connsiteY4" fmla="*/ 14997 h 6858000"/>
-              <a:gd name="connsiteX5" fmla="*/ 5205951 w 5205951"/>
-              <a:gd name="connsiteY5" fmla="*/ 3621656 h 6858000"/>
-              <a:gd name="connsiteX6" fmla="*/ 3331601 w 5205951"/>
-              <a:gd name="connsiteY6" fmla="*/ 6374814 h 6858000"/>
-              <a:gd name="connsiteX7" fmla="*/ 2814953 w 5205951"/>
-              <a:gd name="connsiteY7" fmla="*/ 6780599 h 6858000"/>
-              <a:gd name="connsiteX8" fmla="*/ 2703197 w 5205951"/>
-              <a:gd name="connsiteY8" fmla="*/ 6858000 h 6858000"/>
-              <a:gd name="connsiteX9" fmla="*/ 2489695 w 5205951"/>
-              <a:gd name="connsiteY9" fmla="*/ 6858000 h 6858000"/>
-              <a:gd name="connsiteX10" fmla="*/ 1709529 w 5205951"/>
-              <a:gd name="connsiteY10" fmla="*/ 6858000 h 6858000"/>
-              <a:gd name="connsiteX11" fmla="*/ 0 w 5205951"/>
-              <a:gd name="connsiteY11" fmla="*/ 6858000 h 6858000"/>
-            </a:gdLst>
-            <a:ahLst/>
-            <a:cxnLst>
-              <a:cxn ang="0">
-                <a:pos x="connsiteX0" y="connsiteY0"/>
-              </a:cxn>
-              <a:cxn ang="0">
-                <a:pos x="connsiteX1" y="connsiteY1"/>
-              </a:cxn>
-              <a:cxn ang="0">
-                <a:pos x="connsiteX2" y="connsiteY2"/>
-              </a:cxn>
-              <a:cxn ang="0">
-                <a:pos x="connsiteX3" y="connsiteY3"/>
-              </a:cxn>
-              <a:cxn ang="0">
-                <a:pos x="connsiteX4" y="connsiteY4"/>
-              </a:cxn>
-              <a:cxn ang="0">
-                <a:pos x="connsiteX5" y="connsiteY5"/>
-              </a:cxn>
-              <a:cxn ang="0">
-                <a:pos x="connsiteX6" y="connsiteY6"/>
-              </a:cxn>
-              <a:cxn ang="0">
-                <a:pos x="connsiteX7" y="connsiteY7"/>
-              </a:cxn>
-              <a:cxn ang="0">
-                <a:pos x="connsiteX8" y="connsiteY8"/>
-              </a:cxn>
-              <a:cxn ang="0">
-                <a:pos x="connsiteX9" y="connsiteY9"/>
-              </a:cxn>
-              <a:cxn ang="0">
-                <a:pos x="connsiteX10" y="connsiteY10"/>
-              </a:cxn>
-              <a:cxn ang="0">
-                <a:pos x="connsiteX11" y="connsiteY11"/>
-              </a:cxn>
-            </a:cxnLst>
-            <a:rect l="l" t="t" r="r" b="b"/>
-            <a:pathLst>
-              <a:path w="5205951" h="6858000">
-                <a:moveTo>
-                  <a:pt x="0" y="0"/>
-                </a:moveTo>
-                <a:lnTo>
-                  <a:pt x="1709529" y="0"/>
-                </a:lnTo>
-                <a:lnTo>
-                  <a:pt x="2489695" y="0"/>
-                </a:lnTo>
-                <a:lnTo>
-                  <a:pt x="3582928" y="0"/>
-                </a:lnTo>
-                <a:lnTo>
-                  <a:pt x="3605052" y="14997"/>
-                </a:lnTo>
-                <a:cubicBezTo>
-                  <a:pt x="4632215" y="754641"/>
-                  <a:pt x="5205951" y="2093192"/>
-                  <a:pt x="5205951" y="3621656"/>
-                </a:cubicBezTo>
-                <a:cubicBezTo>
-                  <a:pt x="5205951" y="4969131"/>
-                  <a:pt x="4277226" y="5602839"/>
-                  <a:pt x="3331601" y="6374814"/>
-                </a:cubicBezTo>
-                <a:cubicBezTo>
-                  <a:pt x="3159398" y="6515397"/>
-                  <a:pt x="2988771" y="6653108"/>
-                  <a:pt x="2814953" y="6780599"/>
-                </a:cubicBezTo>
-                <a:lnTo>
-                  <a:pt x="2703197" y="6858000"/>
-                </a:lnTo>
-                <a:lnTo>
-                  <a:pt x="2489695" y="6858000"/>
-                </a:lnTo>
-                <a:lnTo>
-                  <a:pt x="1709529" y="6858000"/>
-                </a:lnTo>
-                <a:lnTo>
-                  <a:pt x="0" y="6858000"/>
-                </a:lnTo>
-                <a:close/>
-              </a:path>
-            </a:pathLst>
-          </a:custGeom>
-          <a:solidFill>
-            <a:srgbClr val="FFFFFF">
-              <a:alpha val="60000"/>
-            </a:srgbClr>
-          </a:solidFill>
-          <a:ln>
-            <a:noFill/>
-          </a:ln>
-        </p:spPr>
-        <p:style>
-          <a:lnRef idx="2">
-            <a:schemeClr val="accent1">
-              <a:shade val="50000"/>
-            </a:schemeClr>
-          </a:lnRef>
-          <a:fillRef idx="1">
-            <a:schemeClr val="accent1"/>
-          </a:fillRef>
-          <a:effectRef idx="0">
-            <a:schemeClr val="accent1"/>
-          </a:effectRef>
-          <a:fontRef idx="minor">
-            <a:schemeClr val="lt1"/>
-          </a:fontRef>
-        </p:style>
-        <p:txBody>
-          <a:bodyPr wrap="square" rtlCol="0" anchor="ctr">
-            <a:noAutofit/>
-          </a:bodyPr>
-          <a:lstStyle/>
-          <a:p>
-            <a:pPr algn="ctr"/>
-            <a:endParaRPr lang="en-US" dirty="0"/>
-          </a:p>
-        </p:txBody>
-      </p:sp>
-      <p:sp useBgFill="1">
-        <p:nvSpPr>
-          <p:cNvPr id="32" name="Freeform: Shape 31">
-            <a:extLst>
-              <a:ext uri="{FF2B5EF4-FFF2-40B4-BE49-F238E27FC236}">
-                <a16:creationId xmlns:a16="http://schemas.microsoft.com/office/drawing/2014/main" id="{F9EC3F91-A75C-4F74-867E-E4C28C13546B}"/>
-              </a:ext>
-              <a:ext uri="{C183D7F6-B498-43B3-948B-1728B52AA6E4}">
-                <adec:decorative xmlns:adec="http://schemas.microsoft.com/office/drawing/2017/decorative" val="1"/>
-              </a:ext>
-            </a:extLst>
-          </p:cNvPr>
-          <p:cNvSpPr>
-            <a:spLocks noGrp="1" noRot="1" noChangeAspect="1" noMove="1" noResize="1" noEditPoints="1" noAdjustHandles="1" noChangeArrowheads="1" noChangeShapeType="1" noTextEdit="1"/>
-          </p:cNvSpPr>
-          <p:nvPr>
-            <p:extLst>
-              <p:ext uri="{386F3935-93C4-4BCD-93E2-E3B085C9AB24}">
-                <p16:designElem xmlns:p16="http://schemas.microsoft.com/office/powerpoint/2015/main" val="1"/>
-              </p:ext>
-            </p:extLst>
-          </p:nvPr>
-        </p:nvSpPr>
-        <p:spPr>
-          <a:xfrm>
-            <a:off x="7148226" y="0"/>
-            <a:ext cx="5043774" cy="6858000"/>
-          </a:xfrm>
-          <a:custGeom>
-            <a:avLst/>
-            <a:gdLst>
-              <a:gd name="connsiteX0" fmla="*/ 1648981 w 5043774"/>
-              <a:gd name="connsiteY0" fmla="*/ 0 h 6858000"/>
-              <a:gd name="connsiteX1" fmla="*/ 2759699 w 5043774"/>
-              <a:gd name="connsiteY1" fmla="*/ 0 h 6858000"/>
-              <a:gd name="connsiteX2" fmla="*/ 3379301 w 5043774"/>
-              <a:gd name="connsiteY2" fmla="*/ 0 h 6858000"/>
-              <a:gd name="connsiteX3" fmla="*/ 3552342 w 5043774"/>
-              <a:gd name="connsiteY3" fmla="*/ 0 h 6858000"/>
-              <a:gd name="connsiteX4" fmla="*/ 4617166 w 5043774"/>
-              <a:gd name="connsiteY4" fmla="*/ 0 h 6858000"/>
-              <a:gd name="connsiteX5" fmla="*/ 4786130 w 5043774"/>
-              <a:gd name="connsiteY5" fmla="*/ 0 h 6858000"/>
-              <a:gd name="connsiteX6" fmla="*/ 4980168 w 5043774"/>
-              <a:gd name="connsiteY6" fmla="*/ 0 h 6858000"/>
-              <a:gd name="connsiteX7" fmla="*/ 5043774 w 5043774"/>
-              <a:gd name="connsiteY7" fmla="*/ 0 h 6858000"/>
-              <a:gd name="connsiteX8" fmla="*/ 5043774 w 5043774"/>
-              <a:gd name="connsiteY8" fmla="*/ 6858000 h 6858000"/>
-              <a:gd name="connsiteX9" fmla="*/ 4980168 w 5043774"/>
-              <a:gd name="connsiteY9" fmla="*/ 6858000 h 6858000"/>
-              <a:gd name="connsiteX10" fmla="*/ 4786130 w 5043774"/>
-              <a:gd name="connsiteY10" fmla="*/ 6858000 h 6858000"/>
-              <a:gd name="connsiteX11" fmla="*/ 4617166 w 5043774"/>
-              <a:gd name="connsiteY11" fmla="*/ 6858000 h 6858000"/>
-              <a:gd name="connsiteX12" fmla="*/ 3552342 w 5043774"/>
-              <a:gd name="connsiteY12" fmla="*/ 6858000 h 6858000"/>
-              <a:gd name="connsiteX13" fmla="*/ 3379301 w 5043774"/>
-              <a:gd name="connsiteY13" fmla="*/ 6858000 h 6858000"/>
-              <a:gd name="connsiteX14" fmla="*/ 2759699 w 5043774"/>
-              <a:gd name="connsiteY14" fmla="*/ 6858000 h 6858000"/>
-              <a:gd name="connsiteX15" fmla="*/ 2542782 w 5043774"/>
-              <a:gd name="connsiteY15" fmla="*/ 6858000 h 6858000"/>
-              <a:gd name="connsiteX16" fmla="*/ 2429239 w 5043774"/>
-              <a:gd name="connsiteY16" fmla="*/ 6780599 h 6858000"/>
-              <a:gd name="connsiteX17" fmla="*/ 1904328 w 5043774"/>
-              <a:gd name="connsiteY17" fmla="*/ 6374814 h 6858000"/>
-              <a:gd name="connsiteX18" fmla="*/ 0 w 5043774"/>
-              <a:gd name="connsiteY18" fmla="*/ 3621656 h 6858000"/>
-              <a:gd name="connsiteX19" fmla="*/ 1626503 w 5043774"/>
-              <a:gd name="connsiteY19" fmla="*/ 14997 h 6858000"/>
-            </a:gdLst>
-            <a:ahLst/>
-            <a:cxnLst>
-              <a:cxn ang="0">
-                <a:pos x="connsiteX0" y="connsiteY0"/>
-              </a:cxn>
-              <a:cxn ang="0">
-                <a:pos x="connsiteX1" y="connsiteY1"/>
-              </a:cxn>
-              <a:cxn ang="0">
-                <a:pos x="connsiteX2" y="connsiteY2"/>
-              </a:cxn>
-              <a:cxn ang="0">
-                <a:pos x="connsiteX3" y="connsiteY3"/>
-              </a:cxn>
-              <a:cxn ang="0">
-                <a:pos x="connsiteX4" y="connsiteY4"/>
-              </a:cxn>
-              <a:cxn ang="0">
-                <a:pos x="connsiteX5" y="connsiteY5"/>
-              </a:cxn>
-              <a:cxn ang="0">
-                <a:pos x="connsiteX6" y="connsiteY6"/>
-              </a:cxn>
-              <a:cxn ang="0">
-                <a:pos x="connsiteX7" y="connsiteY7"/>
-              </a:cxn>
-              <a:cxn ang="0">
-                <a:pos x="connsiteX8" y="connsiteY8"/>
-              </a:cxn>
-              <a:cxn ang="0">
-                <a:pos x="connsiteX9" y="connsiteY9"/>
-              </a:cxn>
-              <a:cxn ang="0">
-                <a:pos x="connsiteX10" y="connsiteY10"/>
-              </a:cxn>
-              <a:cxn ang="0">
-                <a:pos x="connsiteX11" y="connsiteY11"/>
-              </a:cxn>
-              <a:cxn ang="0">
-                <a:pos x="connsiteX12" y="connsiteY12"/>
-              </a:cxn>
-              <a:cxn ang="0">
-                <a:pos x="connsiteX13" y="connsiteY13"/>
-              </a:cxn>
-              <a:cxn ang="0">
-                <a:pos x="connsiteX14" y="connsiteY14"/>
-              </a:cxn>
-              <a:cxn ang="0">
-                <a:pos x="connsiteX15" y="connsiteY15"/>
-              </a:cxn>
-              <a:cxn ang="0">
-                <a:pos x="connsiteX16" y="connsiteY16"/>
-              </a:cxn>
-              <a:cxn ang="0">
-                <a:pos x="connsiteX17" y="connsiteY17"/>
-              </a:cxn>
-              <a:cxn ang="0">
-                <a:pos x="connsiteX18" y="connsiteY18"/>
-              </a:cxn>
-              <a:cxn ang="0">
-                <a:pos x="connsiteX19" y="connsiteY19"/>
-              </a:cxn>
-            </a:cxnLst>
-            <a:rect l="l" t="t" r="r" b="b"/>
-            <a:pathLst>
-              <a:path w="5043774" h="6858000">
-                <a:moveTo>
-                  <a:pt x="1648981" y="0"/>
-                </a:moveTo>
-                <a:lnTo>
-                  <a:pt x="2759699" y="0"/>
-                </a:lnTo>
-                <a:lnTo>
-                  <a:pt x="3379301" y="0"/>
-                </a:lnTo>
-                <a:lnTo>
-                  <a:pt x="3552342" y="0"/>
-                </a:lnTo>
-                <a:lnTo>
-                  <a:pt x="4617166" y="0"/>
-                </a:lnTo>
-                <a:lnTo>
-                  <a:pt x="4786130" y="0"/>
-                </a:lnTo>
-                <a:lnTo>
-                  <a:pt x="4980168" y="0"/>
-                </a:lnTo>
-                <a:lnTo>
-                  <a:pt x="5043774" y="0"/>
-                </a:lnTo>
-                <a:lnTo>
-                  <a:pt x="5043774" y="6858000"/>
-                </a:lnTo>
-                <a:lnTo>
-                  <a:pt x="4980168" y="6858000"/>
-                </a:lnTo>
-                <a:lnTo>
-                  <a:pt x="4786130" y="6858000"/>
-                </a:lnTo>
-                <a:lnTo>
-                  <a:pt x="4617166" y="6858000"/>
-                </a:lnTo>
-                <a:lnTo>
-                  <a:pt x="3552342" y="6858000"/>
-                </a:lnTo>
-                <a:lnTo>
-                  <a:pt x="3379301" y="6858000"/>
-                </a:lnTo>
-                <a:lnTo>
-                  <a:pt x="2759699" y="6858000"/>
-                </a:lnTo>
-                <a:lnTo>
-                  <a:pt x="2542782" y="6858000"/>
-                </a:lnTo>
-                <a:lnTo>
-                  <a:pt x="2429239" y="6780599"/>
-                </a:lnTo>
-                <a:cubicBezTo>
-                  <a:pt x="2252641" y="6653108"/>
-                  <a:pt x="2079285" y="6515397"/>
-                  <a:pt x="1904328" y="6374814"/>
-                </a:cubicBezTo>
-                <a:cubicBezTo>
-                  <a:pt x="943579" y="5602839"/>
-                  <a:pt x="0" y="4969131"/>
-                  <a:pt x="0" y="3621656"/>
-                </a:cubicBezTo>
-                <a:cubicBezTo>
-                  <a:pt x="0" y="2093192"/>
-                  <a:pt x="582912" y="754641"/>
-                  <a:pt x="1626503" y="14997"/>
-                </a:cubicBezTo>
-                <a:close/>
-              </a:path>
-            </a:pathLst>
-          </a:custGeom>
-          <a:solidFill>
-            <a:schemeClr val="bg2">
-              <a:tint val="95000"/>
-              <a:satMod val="170000"/>
-            </a:schemeClr>
-          </a:solidFill>
-          <a:ln>
-            <a:noFill/>
-          </a:ln>
-        </p:spPr>
-        <p:style>
-          <a:lnRef idx="2">
-            <a:schemeClr val="accent1">
-              <a:shade val="50000"/>
-            </a:schemeClr>
-          </a:lnRef>
-          <a:fillRef idx="1">
-            <a:schemeClr val="accent1"/>
-          </a:fillRef>
-          <a:effectRef idx="0">
-            <a:schemeClr val="accent1"/>
-          </a:effectRef>
-          <a:fontRef idx="minor">
-            <a:schemeClr val="lt1"/>
-          </a:fontRef>
-        </p:style>
-        <p:txBody>
-          <a:bodyPr wrap="square" rtlCol="0" anchor="ctr">
-            <a:noAutofit/>
-          </a:bodyPr>
-          <a:lstStyle/>
-          <a:p>
-            <a:pPr algn="ctr"/>
-            <a:endParaRPr lang="en-US">
-              <a:solidFill>
-                <a:prstClr val="white"/>
-              </a:solidFill>
-              <a:latin typeface="Meiryo"/>
-            </a:endParaRPr>
-          </a:p>
-        </p:txBody>
-      </p:sp>
-      <p:sp>
-        <p:nvSpPr>
-          <p:cNvPr id="34" name="Freeform: Shape 33">
-            <a:extLst>
-              <a:ext uri="{FF2B5EF4-FFF2-40B4-BE49-F238E27FC236}">
-                <a16:creationId xmlns:a16="http://schemas.microsoft.com/office/drawing/2014/main" id="{829A1E2C-5AC8-40FC-99E9-832069D39792}"/>
-              </a:ext>
-              <a:ext uri="{C183D7F6-B498-43B3-948B-1728B52AA6E4}">
-                <adec:decorative xmlns:adec="http://schemas.microsoft.com/office/drawing/2017/decorative" val="1"/>
-              </a:ext>
-            </a:extLst>
-          </p:cNvPr>
-          <p:cNvSpPr>
-            <a:spLocks noGrp="1" noRot="1" noChangeAspect="1" noMove="1" noResize="1" noEditPoints="1" noAdjustHandles="1" noChangeArrowheads="1" noChangeShapeType="1" noTextEdit="1"/>
-          </p:cNvSpPr>
-          <p:nvPr>
-            <p:extLst>
-              <p:ext uri="{386F3935-93C4-4BCD-93E2-E3B085C9AB24}">
-                <p16:designElem xmlns:p16="http://schemas.microsoft.com/office/powerpoint/2015/main" val="1"/>
-              </p:ext>
-            </p:extLst>
-          </p:nvPr>
-        </p:nvSpPr>
-        <p:spPr>
-          <a:xfrm flipH="1">
-            <a:off x="6697013" y="0"/>
-            <a:ext cx="2529723" cy="6858000"/>
-          </a:xfrm>
-          <a:custGeom>
-            <a:avLst/>
-            <a:gdLst>
-              <a:gd name="connsiteX0" fmla="*/ 1258269 w 2529723"/>
-              <a:gd name="connsiteY0" fmla="*/ 0 h 6858000"/>
-              <a:gd name="connsiteX1" fmla="*/ 1275627 w 2529723"/>
-              <a:gd name="connsiteY1" fmla="*/ 0 h 6858000"/>
-              <a:gd name="connsiteX2" fmla="*/ 1302560 w 2529723"/>
-              <a:gd name="connsiteY2" fmla="*/ 24338 h 6858000"/>
-              <a:gd name="connsiteX3" fmla="*/ 2522825 w 2529723"/>
-              <a:gd name="connsiteY3" fmla="*/ 3678515 h 6858000"/>
-              <a:gd name="connsiteX4" fmla="*/ 557500 w 2529723"/>
-              <a:gd name="connsiteY4" fmla="*/ 6451411 h 6858000"/>
-              <a:gd name="connsiteX5" fmla="*/ 32482 w 2529723"/>
-              <a:gd name="connsiteY5" fmla="*/ 6849373 h 6858000"/>
-              <a:gd name="connsiteX6" fmla="*/ 19531 w 2529723"/>
-              <a:gd name="connsiteY6" fmla="*/ 6858000 h 6858000"/>
-              <a:gd name="connsiteX7" fmla="*/ 0 w 2529723"/>
-              <a:gd name="connsiteY7" fmla="*/ 6858000 h 6858000"/>
-              <a:gd name="connsiteX8" fmla="*/ 14202 w 2529723"/>
-              <a:gd name="connsiteY8" fmla="*/ 6848540 h 6858000"/>
-              <a:gd name="connsiteX9" fmla="*/ 539221 w 2529723"/>
-              <a:gd name="connsiteY9" fmla="*/ 6450578 h 6858000"/>
-              <a:gd name="connsiteX10" fmla="*/ 2504546 w 2529723"/>
-              <a:gd name="connsiteY10" fmla="*/ 3677682 h 6858000"/>
-              <a:gd name="connsiteX11" fmla="*/ 1284280 w 2529723"/>
-              <a:gd name="connsiteY11" fmla="*/ 23504 h 6858000"/>
-            </a:gdLst>
-            <a:ahLst/>
-            <a:cxnLst>
-              <a:cxn ang="0">
-                <a:pos x="connsiteX0" y="connsiteY0"/>
-              </a:cxn>
-              <a:cxn ang="0">
-                <a:pos x="connsiteX1" y="connsiteY1"/>
-              </a:cxn>
-              <a:cxn ang="0">
-                <a:pos x="connsiteX2" y="connsiteY2"/>
-              </a:cxn>
-              <a:cxn ang="0">
-                <a:pos x="connsiteX3" y="connsiteY3"/>
-              </a:cxn>
-              <a:cxn ang="0">
-                <a:pos x="connsiteX4" y="connsiteY4"/>
-              </a:cxn>
-              <a:cxn ang="0">
-                <a:pos x="connsiteX5" y="connsiteY5"/>
-              </a:cxn>
-              <a:cxn ang="0">
-                <a:pos x="connsiteX6" y="connsiteY6"/>
-              </a:cxn>
-              <a:cxn ang="0">
-                <a:pos x="connsiteX7" y="connsiteY7"/>
-              </a:cxn>
-              <a:cxn ang="0">
-                <a:pos x="connsiteX8" y="connsiteY8"/>
-              </a:cxn>
-              <a:cxn ang="0">
-                <a:pos x="connsiteX9" y="connsiteY9"/>
-              </a:cxn>
-              <a:cxn ang="0">
-                <a:pos x="connsiteX10" y="connsiteY10"/>
-              </a:cxn>
-              <a:cxn ang="0">
-                <a:pos x="connsiteX11" y="connsiteY11"/>
-              </a:cxn>
-            </a:cxnLst>
-            <a:rect l="l" t="t" r="r" b="b"/>
-            <a:pathLst>
-              <a:path w="2529723" h="6858000">
-                <a:moveTo>
-                  <a:pt x="1258269" y="0"/>
-                </a:moveTo>
-                <a:lnTo>
-                  <a:pt x="1275627" y="0"/>
-                </a:lnTo>
-                <a:lnTo>
-                  <a:pt x="1302560" y="24338"/>
-                </a:lnTo>
-                <a:cubicBezTo>
-                  <a:pt x="2156831" y="855667"/>
-                  <a:pt x="2590622" y="2191755"/>
-                  <a:pt x="2522825" y="3678515"/>
-                </a:cubicBezTo>
-                <a:cubicBezTo>
-                  <a:pt x="2459072" y="5076606"/>
-                  <a:pt x="1519830" y="5692656"/>
-                  <a:pt x="557500" y="6451411"/>
-                </a:cubicBezTo>
-                <a:cubicBezTo>
-                  <a:pt x="382255" y="6589587"/>
-                  <a:pt x="208689" y="6724853"/>
-                  <a:pt x="32482" y="6849373"/>
-                </a:cubicBezTo>
-                <a:lnTo>
-                  <a:pt x="19531" y="6858000"/>
-                </a:lnTo>
-                <a:lnTo>
-                  <a:pt x="0" y="6858000"/>
-                </a:lnTo>
-                <a:lnTo>
-                  <a:pt x="14202" y="6848540"/>
-                </a:lnTo>
-                <a:cubicBezTo>
-                  <a:pt x="190409" y="6724020"/>
-                  <a:pt x="363976" y="6588754"/>
-                  <a:pt x="539221" y="6450578"/>
-                </a:cubicBezTo>
-                <a:cubicBezTo>
-                  <a:pt x="1501550" y="5691822"/>
-                  <a:pt x="2440792" y="5075773"/>
-                  <a:pt x="2504546" y="3677682"/>
-                </a:cubicBezTo>
-                <a:cubicBezTo>
-                  <a:pt x="2572343" y="2190921"/>
-                  <a:pt x="2138551" y="854834"/>
-                  <a:pt x="1284280" y="23504"/>
-                </a:cubicBezTo>
-                <a:close/>
-              </a:path>
-            </a:pathLst>
-          </a:custGeom>
-          <a:solidFill>
-            <a:srgbClr val="FFFFFF">
-              <a:alpha val="70000"/>
-            </a:srgbClr>
-          </a:solidFill>
-          <a:ln>
-            <a:noFill/>
-          </a:ln>
-        </p:spPr>
-        <p:style>
-          <a:lnRef idx="2">
-            <a:schemeClr val="accent1">
-              <a:shade val="50000"/>
-            </a:schemeClr>
-          </a:lnRef>
-          <a:fillRef idx="1">
-            <a:schemeClr val="accent1"/>
-          </a:fillRef>
-          <a:effectRef idx="0">
-            <a:schemeClr val="accent1"/>
-          </a:effectRef>
-          <a:fontRef idx="minor">
-            <a:schemeClr val="lt1"/>
-          </a:fontRef>
-        </p:style>
-        <p:txBody>
-          <a:bodyPr wrap="square" rtlCol="0" anchor="ctr">
-            <a:noAutofit/>
-          </a:bodyPr>
-          <a:lstStyle/>
-          <a:p>
-            <a:pPr marL="0" marR="0" lvl="0" indent="0" algn="ctr" defTabSz="457200" rtl="0" eaLnBrk="1" fontAlgn="auto" latinLnBrk="0" hangingPunct="1">
-              <a:lnSpc>
-                <a:spcPct val="100000"/>
-              </a:lnSpc>
-              <a:spcBef>
-                <a:spcPts val="0"/>
-              </a:spcBef>
-              <a:spcAft>
-                <a:spcPts val="0"/>
-              </a:spcAft>
-              <a:buClrTx/>
-              <a:buSzTx/>
-              <a:buFontTx/>
-              <a:buNone/>
-              <a:tabLst/>
-              <a:defRPr/>
-            </a:pPr>
-            <a:endParaRPr kumimoji="0" lang="en-US" sz="1800" b="0" i="0" u="none" strike="noStrike" kern="1200" cap="none" spc="0" normalizeH="0" baseline="0" noProof="0" dirty="0">
-              <a:ln>
-                <a:noFill/>
-              </a:ln>
-              <a:solidFill>
-                <a:prstClr val="white"/>
-              </a:solidFill>
-              <a:effectLst/>
-              <a:uLnTx/>
-              <a:uFillTx/>
-              <a:latin typeface="Meiryo"/>
-              <a:ea typeface="+mn-ea"/>
-              <a:cs typeface="+mn-cs"/>
-            </a:endParaRPr>
-          </a:p>
-        </p:txBody>
-      </p:sp>
-      <p:sp>
-        <p:nvSpPr>
-          <p:cNvPr id="6" name="TextBox 5">
-            <a:extLst>
-              <a:ext uri="{FF2B5EF4-FFF2-40B4-BE49-F238E27FC236}">
-                <a16:creationId xmlns:a16="http://schemas.microsoft.com/office/drawing/2014/main" id="{9819933A-6C2F-621F-97B5-7EF3AF9532D6}"/>
-              </a:ext>
-            </a:extLst>
-          </p:cNvPr>
-          <p:cNvSpPr txBox="1"/>
-          <p:nvPr/>
-        </p:nvSpPr>
-        <p:spPr>
-          <a:xfrm>
-            <a:off x="8046719" y="2722729"/>
-            <a:ext cx="3633747" cy="2700062"/>
-          </a:xfrm>
-          <a:prstGeom prst="rect">
-            <a:avLst/>
-          </a:prstGeom>
-        </p:spPr>
-        <p:txBody>
-          <a:bodyPr vert="horz" lIns="91440" tIns="45720" rIns="91440" bIns="45720" rtlCol="0">
-            <a:normAutofit/>
-          </a:bodyPr>
-          <a:lstStyle/>
-          <a:p>
-            <a:pPr indent="-228600">
-              <a:lnSpc>
-                <a:spcPct val="90000"/>
-              </a:lnSpc>
-              <a:spcAft>
-                <a:spcPts val="600"/>
-              </a:spcAft>
-              <a:buFont typeface="Arial" panose="020B0604020202020204" pitchFamily="34" charset="0"/>
-              <a:buChar char="•"/>
-            </a:pPr>
-            <a:r>
-              <a:rPr lang="en-US" sz="2000" dirty="0"/>
-              <a:t>The switch connected to the KALI has chosen it for the ROOT ROLE </a:t>
-            </a:r>
-          </a:p>
-          <a:p>
-            <a:pPr indent="-228600">
-              <a:lnSpc>
-                <a:spcPct val="90000"/>
-              </a:lnSpc>
-              <a:spcAft>
-                <a:spcPts val="600"/>
-              </a:spcAft>
-              <a:buFont typeface="Arial" panose="020B0604020202020204" pitchFamily="34" charset="0"/>
-              <a:buChar char="•"/>
-            </a:pPr>
-            <a:r>
-              <a:rPr lang="en-US" sz="2000" dirty="0"/>
-              <a:t>And egress port to The kali is a Root port now.</a:t>
-            </a:r>
-          </a:p>
-        </p:txBody>
-      </p:sp>
+      <mc:AlternateContent xmlns:mc="http://schemas.openxmlformats.org/markup-compatibility/2006">
+        <mc:Choice xmlns:p14="http://schemas.microsoft.com/office/powerpoint/2010/main" Requires="p14">
+          <p:contentPart p14:bwMode="auto" r:id="rId3">
+            <p14:nvContentPartPr>
+              <p14:cNvPr id="26" name="Ink 25">
+                <a:extLst>
+                  <a:ext uri="{FF2B5EF4-FFF2-40B4-BE49-F238E27FC236}">
+                    <a16:creationId xmlns:a16="http://schemas.microsoft.com/office/drawing/2014/main" id="{AC484FFF-07CF-80FF-BEE4-A5BD5A4BCB6C}"/>
+                  </a:ext>
+                </a:extLst>
+              </p14:cNvPr>
+              <p14:cNvContentPartPr/>
+              <p14:nvPr/>
+            </p14:nvContentPartPr>
+            <p14:xfrm>
+              <a:off x="10126805" y="4721867"/>
+              <a:ext cx="360" cy="14040"/>
+            </p14:xfrm>
+          </p:contentPart>
+        </mc:Choice>
+        <mc:Fallback>
+          <p:pic>
+            <p:nvPicPr>
+              <p:cNvPr id="26" name="Ink 25">
+                <a:extLst>
+                  <a:ext uri="{FF2B5EF4-FFF2-40B4-BE49-F238E27FC236}">
+                    <a16:creationId xmlns:a16="http://schemas.microsoft.com/office/drawing/2014/main" id="{AC484FFF-07CF-80FF-BEE4-A5BD5A4BCB6C}"/>
+                  </a:ext>
+                </a:extLst>
+              </p:cNvPr>
+              <p:cNvPicPr/>
+              <p:nvPr/>
+            </p:nvPicPr>
+            <p:blipFill>
+              <a:blip r:embed="rId4"/>
+              <a:stretch>
+                <a:fillRect/>
+              </a:stretch>
+            </p:blipFill>
+            <p:spPr>
+              <a:xfrm>
+                <a:off x="10120685" y="4715747"/>
+                <a:ext cx="12600" cy="26280"/>
+              </a:xfrm>
+              <a:prstGeom prst="rect">
+                <a:avLst/>
+              </a:prstGeom>
+            </p:spPr>
+          </p:pic>
+        </mc:Fallback>
+      </mc:AlternateContent>
+      <mc:AlternateContent xmlns:mc="http://schemas.openxmlformats.org/markup-compatibility/2006">
+        <mc:Choice xmlns:p14="http://schemas.microsoft.com/office/powerpoint/2010/main" Requires="p14">
+          <p:contentPart p14:bwMode="auto" r:id="rId5">
+            <p14:nvContentPartPr>
+              <p14:cNvPr id="56" name="Ink 55">
+                <a:extLst>
+                  <a:ext uri="{FF2B5EF4-FFF2-40B4-BE49-F238E27FC236}">
+                    <a16:creationId xmlns:a16="http://schemas.microsoft.com/office/drawing/2014/main" id="{CDD0C561-A15C-B291-C279-28EF6AAA55E3}"/>
+                  </a:ext>
+                </a:extLst>
+              </p14:cNvPr>
+              <p14:cNvContentPartPr/>
+              <p14:nvPr/>
+            </p14:nvContentPartPr>
+            <p14:xfrm>
+              <a:off x="2362985" y="1688151"/>
+              <a:ext cx="4226400" cy="85680"/>
+            </p14:xfrm>
+          </p:contentPart>
+        </mc:Choice>
+        <mc:Fallback>
+          <p:pic>
+            <p:nvPicPr>
+              <p:cNvPr id="56" name="Ink 55">
+                <a:extLst>
+                  <a:ext uri="{FF2B5EF4-FFF2-40B4-BE49-F238E27FC236}">
+                    <a16:creationId xmlns:a16="http://schemas.microsoft.com/office/drawing/2014/main" id="{CDD0C561-A15C-B291-C279-28EF6AAA55E3}"/>
+                  </a:ext>
+                </a:extLst>
+              </p:cNvPr>
+              <p:cNvPicPr/>
+              <p:nvPr/>
+            </p:nvPicPr>
+            <p:blipFill>
+              <a:blip r:embed="rId6"/>
+              <a:stretch>
+                <a:fillRect/>
+              </a:stretch>
+            </p:blipFill>
+            <p:spPr>
+              <a:xfrm>
+                <a:off x="2308985" y="1580151"/>
+                <a:ext cx="4334040" cy="301320"/>
+              </a:xfrm>
+              <a:prstGeom prst="rect">
+                <a:avLst/>
+              </a:prstGeom>
+            </p:spPr>
+          </p:pic>
+        </mc:Fallback>
+      </mc:AlternateContent>
     </p:spTree>
     <p:extLst>
       <p:ext uri="{BB962C8B-B14F-4D97-AF65-F5344CB8AC3E}">
@@ -11303,7 +13679,7 @@
           <p:cNvPr id="2" name="Title 1">
             <a:extLst>
               <a:ext uri="{FF2B5EF4-FFF2-40B4-BE49-F238E27FC236}">
-                <a16:creationId xmlns:a16="http://schemas.microsoft.com/office/drawing/2014/main" id="{B1DE36E0-FC06-6797-7024-4D633188D67D}"/>
+                <a16:creationId xmlns:a16="http://schemas.microsoft.com/office/drawing/2014/main" id="{8DC91FB0-F2F9-F4C8-75A7-6B32507A3680}"/>
               </a:ext>
             </a:extLst>
           </p:cNvPr>
@@ -11323,12 +13699,140 @@
           </a:p>
         </p:txBody>
       </p:sp>
+      <p:pic>
+        <p:nvPicPr>
+          <p:cNvPr id="5" name="Content Placeholder 4">
+            <a:extLst>
+              <a:ext uri="{FF2B5EF4-FFF2-40B4-BE49-F238E27FC236}">
+                <a16:creationId xmlns:a16="http://schemas.microsoft.com/office/drawing/2014/main" id="{5235EC2E-6546-52A4-EF59-58C79DEABB3C}"/>
+              </a:ext>
+            </a:extLst>
+          </p:cNvPr>
+          <p:cNvPicPr>
+            <a:picLocks noGrp="1" noChangeAspect="1"/>
+          </p:cNvPicPr>
+          <p:nvPr>
+            <p:ph idx="1"/>
+          </p:nvPr>
+        </p:nvPicPr>
+        <p:blipFill>
+          <a:blip r:embed="rId2"/>
+          <a:stretch>
+            <a:fillRect/>
+          </a:stretch>
+        </p:blipFill>
+        <p:spPr>
+          <a:xfrm>
+            <a:off x="124939" y="0"/>
+            <a:ext cx="10710077" cy="3883710"/>
+          </a:xfrm>
+        </p:spPr>
+      </p:pic>
+      <p:sp>
+        <p:nvSpPr>
+          <p:cNvPr id="6" name="TextBox 5">
+            <a:extLst>
+              <a:ext uri="{FF2B5EF4-FFF2-40B4-BE49-F238E27FC236}">
+                <a16:creationId xmlns:a16="http://schemas.microsoft.com/office/drawing/2014/main" id="{C26B83C1-97DB-1636-8F8B-463F55B11DF4}"/>
+              </a:ext>
+            </a:extLst>
+          </p:cNvPr>
+          <p:cNvSpPr txBox="1"/>
+          <p:nvPr/>
+        </p:nvSpPr>
+        <p:spPr>
+          <a:xfrm>
+            <a:off x="434715" y="4362138"/>
+            <a:ext cx="6970426" cy="1631216"/>
+          </a:xfrm>
+          <a:prstGeom prst="rect">
+            <a:avLst/>
+          </a:prstGeom>
+          <a:noFill/>
+        </p:spPr>
+        <p:txBody>
+          <a:bodyPr wrap="square" rtlCol="1">
+            <a:spAutoFit/>
+          </a:bodyPr>
+          <a:lstStyle/>
+          <a:p>
+            <a:r>
+              <a:rPr lang="en-US" sz="2000" dirty="0">
+                <a:solidFill>
+                  <a:schemeClr val="bg1"/>
+                </a:solidFill>
+              </a:rPr>
+              <a:t>The Kali doesn’t self-declare as the ROOT,  but claims to have a path to the root bridge(lowest mac) by manipulating the BPDU parameters. This could lead to the switch preferring the attacker’s BPDU over legitimate ones, potentially causing topology changes or disruptions in the network.</a:t>
+            </a:r>
+            <a:endParaRPr lang="he-IL" sz="2000" dirty="0">
+              <a:solidFill>
+                <a:schemeClr val="bg1"/>
+              </a:solidFill>
+            </a:endParaRPr>
+          </a:p>
+        </p:txBody>
+      </p:sp>
+    </p:spTree>
+    <p:extLst>
+      <p:ext uri="{BB962C8B-B14F-4D97-AF65-F5344CB8AC3E}">
+        <p14:creationId xmlns:p14="http://schemas.microsoft.com/office/powerpoint/2010/main" val="4007613761"/>
+      </p:ext>
+    </p:extLst>
+  </p:cSld>
+  <p:clrMapOvr>
+    <a:masterClrMapping/>
+  </p:clrMapOvr>
+</p:sld>
+</file>
+
+<file path=ppt/slides/slide8.xml><?xml version="1.0" encoding="utf-8"?>
+<p:sld xmlns:a="http://schemas.openxmlformats.org/drawingml/2006/main" xmlns:r="http://schemas.openxmlformats.org/officeDocument/2006/relationships" xmlns:p="http://schemas.openxmlformats.org/presentationml/2006/main">
+  <p:cSld>
+    <p:spTree>
+      <p:nvGrpSpPr>
+        <p:cNvPr id="1" name=""/>
+        <p:cNvGrpSpPr/>
+        <p:nvPr/>
+      </p:nvGrpSpPr>
+      <p:grpSpPr>
+        <a:xfrm>
+          <a:off x="0" y="0"/>
+          <a:ext cx="0" cy="0"/>
+          <a:chOff x="0" y="0"/>
+          <a:chExt cx="0" cy="0"/>
+        </a:xfrm>
+      </p:grpSpPr>
+      <p:sp>
+        <p:nvSpPr>
+          <p:cNvPr id="2" name="Title 1">
+            <a:extLst>
+              <a:ext uri="{FF2B5EF4-FFF2-40B4-BE49-F238E27FC236}">
+                <a16:creationId xmlns:a16="http://schemas.microsoft.com/office/drawing/2014/main" id="{87D9E1D7-AB4B-E28A-2443-C3D36E52D06A}"/>
+              </a:ext>
+            </a:extLst>
+          </p:cNvPr>
+          <p:cNvSpPr>
+            <a:spLocks noGrp="1"/>
+          </p:cNvSpPr>
+          <p:nvPr>
+            <p:ph type="title"/>
+          </p:nvPr>
+        </p:nvSpPr>
+        <p:spPr/>
+        <p:txBody>
+          <a:bodyPr/>
+          <a:lstStyle/>
+          <a:p>
+            <a:endParaRPr lang="he-IL"/>
+          </a:p>
+        </p:txBody>
+      </p:sp>
       <p:sp>
         <p:nvSpPr>
           <p:cNvPr id="3" name="Content Placeholder 2">
             <a:extLst>
               <a:ext uri="{FF2B5EF4-FFF2-40B4-BE49-F238E27FC236}">
-                <a16:creationId xmlns:a16="http://schemas.microsoft.com/office/drawing/2014/main" id="{6AABFAFE-6BD0-6172-BAC0-BF84C76BCCF0}"/>
+                <a16:creationId xmlns:a16="http://schemas.microsoft.com/office/drawing/2014/main" id="{BD82EF1A-3CCE-8C7E-2E70-CD399226BC0C}"/>
               </a:ext>
             </a:extLst>
           </p:cNvPr>
@@ -11339,12 +13843,1119 @@
             <p:ph idx="1"/>
           </p:nvPr>
         </p:nvSpPr>
-        <p:spPr/>
+        <p:spPr>
+          <a:xfrm>
+            <a:off x="-1" y="5702268"/>
+            <a:ext cx="10713493" cy="1155731"/>
+          </a:xfrm>
+        </p:spPr>
         <p:txBody>
-          <a:bodyPr/>
+          <a:bodyPr>
+            <a:normAutofit/>
+          </a:bodyPr>
           <a:lstStyle/>
           <a:p>
-            <a:endParaRPr lang="he-IL"/>
+            <a:endParaRPr lang="he-IL" dirty="0"/>
+          </a:p>
+        </p:txBody>
+      </p:sp>
+      <p:pic>
+        <p:nvPicPr>
+          <p:cNvPr id="5" name="Picture 4">
+            <a:extLst>
+              <a:ext uri="{FF2B5EF4-FFF2-40B4-BE49-F238E27FC236}">
+                <a16:creationId xmlns:a16="http://schemas.microsoft.com/office/drawing/2014/main" id="{F9F1E569-69D2-A2D5-6662-AAA414EE9229}"/>
+              </a:ext>
+            </a:extLst>
+          </p:cNvPr>
+          <p:cNvPicPr>
+            <a:picLocks noChangeAspect="1"/>
+          </p:cNvPicPr>
+          <p:nvPr/>
+        </p:nvPicPr>
+        <p:blipFill>
+          <a:blip r:embed="rId2"/>
+          <a:stretch>
+            <a:fillRect/>
+          </a:stretch>
+        </p:blipFill>
+        <p:spPr>
+          <a:xfrm>
+            <a:off x="0" y="0"/>
+            <a:ext cx="12192000" cy="6972400"/>
+          </a:xfrm>
+          <a:prstGeom prst="rect">
+            <a:avLst/>
+          </a:prstGeom>
+        </p:spPr>
+      </p:pic>
+      <mc:AlternateContent xmlns:mc="http://schemas.openxmlformats.org/markup-compatibility/2006">
+        <mc:Choice xmlns:p14="http://schemas.microsoft.com/office/powerpoint/2010/main" Requires="p14">
+          <p:contentPart p14:bwMode="auto" r:id="rId3">
+            <p14:nvContentPartPr>
+              <p14:cNvPr id="13" name="Ink 12">
+                <a:extLst>
+                  <a:ext uri="{FF2B5EF4-FFF2-40B4-BE49-F238E27FC236}">
+                    <a16:creationId xmlns:a16="http://schemas.microsoft.com/office/drawing/2014/main" id="{8C084F0A-E8CC-BF8F-6082-224F1B3F5677}"/>
+                  </a:ext>
+                </a:extLst>
+              </p14:cNvPr>
+              <p14:cNvContentPartPr/>
+              <p14:nvPr/>
+            </p14:nvContentPartPr>
+            <p14:xfrm>
+              <a:off x="1828445" y="5417027"/>
+              <a:ext cx="602280" cy="259920"/>
+            </p14:xfrm>
+          </p:contentPart>
+        </mc:Choice>
+        <mc:Fallback>
+          <p:pic>
+            <p:nvPicPr>
+              <p:cNvPr id="13" name="Ink 12">
+                <a:extLst>
+                  <a:ext uri="{FF2B5EF4-FFF2-40B4-BE49-F238E27FC236}">
+                    <a16:creationId xmlns:a16="http://schemas.microsoft.com/office/drawing/2014/main" id="{8C084F0A-E8CC-BF8F-6082-224F1B3F5677}"/>
+                  </a:ext>
+                </a:extLst>
+              </p:cNvPr>
+              <p:cNvPicPr/>
+              <p:nvPr/>
+            </p:nvPicPr>
+            <p:blipFill>
+              <a:blip r:embed="rId4"/>
+              <a:stretch>
+                <a:fillRect/>
+              </a:stretch>
+            </p:blipFill>
+            <p:spPr>
+              <a:xfrm>
+                <a:off x="1822325" y="5410907"/>
+                <a:ext cx="614520" cy="272160"/>
+              </a:xfrm>
+              <a:prstGeom prst="rect">
+                <a:avLst/>
+              </a:prstGeom>
+            </p:spPr>
+          </p:pic>
+        </mc:Fallback>
+      </mc:AlternateContent>
+      <mc:AlternateContent xmlns:mc="http://schemas.openxmlformats.org/markup-compatibility/2006">
+        <mc:Choice xmlns:p14="http://schemas.microsoft.com/office/powerpoint/2010/main" Requires="p14">
+          <p:contentPart p14:bwMode="auto" r:id="rId5">
+            <p14:nvContentPartPr>
+              <p14:cNvPr id="15" name="Ink 14">
+                <a:extLst>
+                  <a:ext uri="{FF2B5EF4-FFF2-40B4-BE49-F238E27FC236}">
+                    <a16:creationId xmlns:a16="http://schemas.microsoft.com/office/drawing/2014/main" id="{DB3E32DC-CC1F-F0EA-9B54-2E1B06BD441D}"/>
+                  </a:ext>
+                </a:extLst>
+              </p14:cNvPr>
+              <p14:cNvContentPartPr/>
+              <p14:nvPr/>
+            </p14:nvContentPartPr>
+            <p14:xfrm rot="-1014000">
+              <a:off x="9914319" y="2992853"/>
+              <a:ext cx="1203410" cy="540376"/>
+            </p14:xfrm>
+          </p:contentPart>
+        </mc:Choice>
+        <mc:Fallback>
+          <p:pic>
+            <p:nvPicPr>
+              <p:cNvPr id="15" name="Ink 14">
+                <a:extLst>
+                  <a:ext uri="{FF2B5EF4-FFF2-40B4-BE49-F238E27FC236}">
+                    <a16:creationId xmlns:a16="http://schemas.microsoft.com/office/drawing/2014/main" id="{DB3E32DC-CC1F-F0EA-9B54-2E1B06BD441D}"/>
+                  </a:ext>
+                </a:extLst>
+              </p:cNvPr>
+              <p:cNvPicPr/>
+              <p:nvPr/>
+            </p:nvPicPr>
+            <p:blipFill>
+              <a:blip r:embed="rId6"/>
+              <a:stretch>
+                <a:fillRect/>
+              </a:stretch>
+            </p:blipFill>
+            <p:spPr>
+              <a:xfrm rot="-1014000">
+                <a:off x="9908199" y="2986733"/>
+                <a:ext cx="1215649" cy="552616"/>
+              </a:xfrm>
+              <a:prstGeom prst="rect">
+                <a:avLst/>
+              </a:prstGeom>
+            </p:spPr>
+          </p:pic>
+        </mc:Fallback>
+      </mc:AlternateContent>
+      <mc:AlternateContent xmlns:mc="http://schemas.openxmlformats.org/markup-compatibility/2006">
+        <mc:Choice xmlns:p14="http://schemas.microsoft.com/office/powerpoint/2010/main" Requires="p14">
+          <p:contentPart p14:bwMode="auto" r:id="rId7">
+            <p14:nvContentPartPr>
+              <p14:cNvPr id="17" name="Ink 16">
+                <a:extLst>
+                  <a:ext uri="{FF2B5EF4-FFF2-40B4-BE49-F238E27FC236}">
+                    <a16:creationId xmlns:a16="http://schemas.microsoft.com/office/drawing/2014/main" id="{CC5F4D54-0168-E3B3-849C-A04B506C1768}"/>
+                  </a:ext>
+                </a:extLst>
+              </p14:cNvPr>
+              <p14:cNvContentPartPr/>
+              <p14:nvPr/>
+            </p14:nvContentPartPr>
+            <p14:xfrm>
+              <a:off x="9844724" y="3688533"/>
+              <a:ext cx="1325564" cy="223056"/>
+            </p14:xfrm>
+          </p:contentPart>
+        </mc:Choice>
+        <mc:Fallback>
+          <p:pic>
+            <p:nvPicPr>
+              <p:cNvPr id="17" name="Ink 16">
+                <a:extLst>
+                  <a:ext uri="{FF2B5EF4-FFF2-40B4-BE49-F238E27FC236}">
+                    <a16:creationId xmlns:a16="http://schemas.microsoft.com/office/drawing/2014/main" id="{CC5F4D54-0168-E3B3-849C-A04B506C1768}"/>
+                  </a:ext>
+                </a:extLst>
+              </p:cNvPr>
+              <p:cNvPicPr/>
+              <p:nvPr/>
+            </p:nvPicPr>
+            <p:blipFill>
+              <a:blip r:embed="rId8"/>
+              <a:stretch>
+                <a:fillRect/>
+              </a:stretch>
+            </p:blipFill>
+            <p:spPr>
+              <a:xfrm>
+                <a:off x="9838604" y="3682417"/>
+                <a:ext cx="1337804" cy="235288"/>
+              </a:xfrm>
+              <a:prstGeom prst="rect">
+                <a:avLst/>
+              </a:prstGeom>
+            </p:spPr>
+          </p:pic>
+        </mc:Fallback>
+      </mc:AlternateContent>
+      <mc:AlternateContent xmlns:mc="http://schemas.openxmlformats.org/markup-compatibility/2006">
+        <mc:Choice xmlns:p14="http://schemas.microsoft.com/office/powerpoint/2010/main" Requires="p14">
+          <p:contentPart p14:bwMode="auto" r:id="rId9">
+            <p14:nvContentPartPr>
+              <p14:cNvPr id="19" name="Ink 18">
+                <a:extLst>
+                  <a:ext uri="{FF2B5EF4-FFF2-40B4-BE49-F238E27FC236}">
+                    <a16:creationId xmlns:a16="http://schemas.microsoft.com/office/drawing/2014/main" id="{06A2D200-F742-CBDF-EC07-DF203B1E4050}"/>
+                  </a:ext>
+                </a:extLst>
+              </p14:cNvPr>
+              <p14:cNvContentPartPr/>
+              <p14:nvPr/>
+            </p14:nvContentPartPr>
+            <p14:xfrm>
+              <a:off x="1091525" y="1705787"/>
+              <a:ext cx="8803440" cy="1474560"/>
+            </p14:xfrm>
+          </p:contentPart>
+        </mc:Choice>
+        <mc:Fallback>
+          <p:pic>
+            <p:nvPicPr>
+              <p:cNvPr id="19" name="Ink 18">
+                <a:extLst>
+                  <a:ext uri="{FF2B5EF4-FFF2-40B4-BE49-F238E27FC236}">
+                    <a16:creationId xmlns:a16="http://schemas.microsoft.com/office/drawing/2014/main" id="{06A2D200-F742-CBDF-EC07-DF203B1E4050}"/>
+                  </a:ext>
+                </a:extLst>
+              </p:cNvPr>
+              <p:cNvPicPr/>
+              <p:nvPr/>
+            </p:nvPicPr>
+            <p:blipFill>
+              <a:blip r:embed="rId10"/>
+              <a:stretch>
+                <a:fillRect/>
+              </a:stretch>
+            </p:blipFill>
+            <p:spPr>
+              <a:xfrm>
+                <a:off x="1085405" y="1699667"/>
+                <a:ext cx="8815680" cy="1486800"/>
+              </a:xfrm>
+              <a:prstGeom prst="rect">
+                <a:avLst/>
+              </a:prstGeom>
+            </p:spPr>
+          </p:pic>
+        </mc:Fallback>
+      </mc:AlternateContent>
+      <mc:AlternateContent xmlns:mc="http://schemas.openxmlformats.org/markup-compatibility/2006">
+        <mc:Choice xmlns:p14="http://schemas.microsoft.com/office/powerpoint/2010/main" Requires="p14">
+          <p:contentPart p14:bwMode="auto" r:id="rId11">
+            <p14:nvContentPartPr>
+              <p14:cNvPr id="21" name="Ink 20">
+                <a:extLst>
+                  <a:ext uri="{FF2B5EF4-FFF2-40B4-BE49-F238E27FC236}">
+                    <a16:creationId xmlns:a16="http://schemas.microsoft.com/office/drawing/2014/main" id="{7FD23B35-56D0-0F8D-28D9-9AEBDCEEC9B8}"/>
+                  </a:ext>
+                </a:extLst>
+              </p14:cNvPr>
+              <p14:cNvContentPartPr/>
+              <p14:nvPr/>
+            </p14:nvContentPartPr>
+            <p14:xfrm>
+              <a:off x="1078205" y="1937987"/>
+              <a:ext cx="8775720" cy="1760760"/>
+            </p14:xfrm>
+          </p:contentPart>
+        </mc:Choice>
+        <mc:Fallback>
+          <p:pic>
+            <p:nvPicPr>
+              <p:cNvPr id="21" name="Ink 20">
+                <a:extLst>
+                  <a:ext uri="{FF2B5EF4-FFF2-40B4-BE49-F238E27FC236}">
+                    <a16:creationId xmlns:a16="http://schemas.microsoft.com/office/drawing/2014/main" id="{7FD23B35-56D0-0F8D-28D9-9AEBDCEEC9B8}"/>
+                  </a:ext>
+                </a:extLst>
+              </p:cNvPr>
+              <p:cNvPicPr/>
+              <p:nvPr/>
+            </p:nvPicPr>
+            <p:blipFill>
+              <a:blip r:embed="rId12"/>
+              <a:stretch>
+                <a:fillRect/>
+              </a:stretch>
+            </p:blipFill>
+            <p:spPr>
+              <a:xfrm>
+                <a:off x="1072085" y="1931867"/>
+                <a:ext cx="8787960" cy="1773000"/>
+              </a:xfrm>
+              <a:prstGeom prst="rect">
+                <a:avLst/>
+              </a:prstGeom>
+            </p:spPr>
+          </p:pic>
+        </mc:Fallback>
+      </mc:AlternateContent>
+      <p:pic>
+        <p:nvPicPr>
+          <p:cNvPr id="23" name="Picture 22">
+            <a:extLst>
+              <a:ext uri="{FF2B5EF4-FFF2-40B4-BE49-F238E27FC236}">
+                <a16:creationId xmlns:a16="http://schemas.microsoft.com/office/drawing/2014/main" id="{731EF2BB-4165-9461-D8D9-79320CB20457}"/>
+              </a:ext>
+            </a:extLst>
+          </p:cNvPr>
+          <p:cNvPicPr>
+            <a:picLocks noChangeAspect="1"/>
+          </p:cNvPicPr>
+          <p:nvPr/>
+        </p:nvPicPr>
+        <p:blipFill>
+          <a:blip r:embed="rId13"/>
+          <a:stretch>
+            <a:fillRect/>
+          </a:stretch>
+        </p:blipFill>
+        <p:spPr>
+          <a:xfrm>
+            <a:off x="-58009" y="3304105"/>
+            <a:ext cx="6154009" cy="1848108"/>
+          </a:xfrm>
+          <a:prstGeom prst="rect">
+            <a:avLst/>
+          </a:prstGeom>
+        </p:spPr>
+      </p:pic>
+      <p:sp>
+        <p:nvSpPr>
+          <p:cNvPr id="35" name="TextBox 34">
+            <a:extLst>
+              <a:ext uri="{FF2B5EF4-FFF2-40B4-BE49-F238E27FC236}">
+                <a16:creationId xmlns:a16="http://schemas.microsoft.com/office/drawing/2014/main" id="{CEF4FBCC-EEF5-498F-EB8A-C2EC74153CFC}"/>
+              </a:ext>
+            </a:extLst>
+          </p:cNvPr>
+          <p:cNvSpPr txBox="1"/>
+          <p:nvPr/>
+        </p:nvSpPr>
+        <p:spPr>
+          <a:xfrm>
+            <a:off x="559558" y="4121623"/>
+            <a:ext cx="1268887" cy="461665"/>
+          </a:xfrm>
+          <a:prstGeom prst="rect">
+            <a:avLst/>
+          </a:prstGeom>
+          <a:noFill/>
+        </p:spPr>
+        <p:txBody>
+          <a:bodyPr wrap="square" rtlCol="1">
+            <a:spAutoFit/>
+          </a:bodyPr>
+          <a:lstStyle/>
+          <a:p>
+            <a:r>
+              <a:rPr lang="en-US" sz="2400" dirty="0">
+                <a:solidFill>
+                  <a:schemeClr val="bg1"/>
+                </a:solidFill>
+              </a:rPr>
+              <a:t>Before</a:t>
+            </a:r>
+            <a:endParaRPr lang="he-IL" dirty="0">
+              <a:solidFill>
+                <a:schemeClr val="bg1"/>
+              </a:solidFill>
+            </a:endParaRPr>
+          </a:p>
+        </p:txBody>
+      </p:sp>
+      <p:sp>
+        <p:nvSpPr>
+          <p:cNvPr id="36" name="TextBox 35">
+            <a:extLst>
+              <a:ext uri="{FF2B5EF4-FFF2-40B4-BE49-F238E27FC236}">
+                <a16:creationId xmlns:a16="http://schemas.microsoft.com/office/drawing/2014/main" id="{4DEFE385-1787-9E7F-F391-7B7CC6803ABA}"/>
+              </a:ext>
+            </a:extLst>
+          </p:cNvPr>
+          <p:cNvSpPr txBox="1"/>
+          <p:nvPr/>
+        </p:nvSpPr>
+        <p:spPr>
+          <a:xfrm>
+            <a:off x="672408" y="5329692"/>
+            <a:ext cx="838233" cy="461665"/>
+          </a:xfrm>
+          <a:prstGeom prst="rect">
+            <a:avLst/>
+          </a:prstGeom>
+          <a:noFill/>
+        </p:spPr>
+        <p:txBody>
+          <a:bodyPr wrap="square" rtlCol="1">
+            <a:spAutoFit/>
+          </a:bodyPr>
+          <a:lstStyle/>
+          <a:p>
+            <a:r>
+              <a:rPr lang="en-US" sz="2400" dirty="0">
+                <a:solidFill>
+                  <a:schemeClr val="bg1"/>
+                </a:solidFill>
+              </a:rPr>
+              <a:t>After</a:t>
+            </a:r>
+            <a:endParaRPr lang="he-IL" dirty="0">
+              <a:solidFill>
+                <a:schemeClr val="bg1"/>
+              </a:solidFill>
+            </a:endParaRPr>
+          </a:p>
+        </p:txBody>
+      </p:sp>
+    </p:spTree>
+    <p:extLst>
+      <p:ext uri="{BB962C8B-B14F-4D97-AF65-F5344CB8AC3E}">
+        <p14:creationId xmlns:p14="http://schemas.microsoft.com/office/powerpoint/2010/main" val="2164903163"/>
+      </p:ext>
+    </p:extLst>
+  </p:cSld>
+  <p:clrMapOvr>
+    <a:masterClrMapping/>
+  </p:clrMapOvr>
+</p:sld>
+</file>
+
+<file path=ppt/slides/slide9.xml><?xml version="1.0" encoding="utf-8"?>
+<p:sld xmlns:a="http://schemas.openxmlformats.org/drawingml/2006/main" xmlns:r="http://schemas.openxmlformats.org/officeDocument/2006/relationships" xmlns:p="http://schemas.openxmlformats.org/presentationml/2006/main">
+  <p:cSld>
+    <p:bg>
+      <p:bgPr>
+        <a:gradFill>
+          <a:gsLst>
+            <a:gs pos="0">
+              <a:schemeClr val="accent1">
+                <a:lumMod val="2000"/>
+              </a:schemeClr>
+            </a:gs>
+            <a:gs pos="23000">
+              <a:schemeClr val="accent1">
+                <a:lumMod val="89000"/>
+              </a:schemeClr>
+            </a:gs>
+            <a:gs pos="69000">
+              <a:schemeClr val="accent1">
+                <a:lumMod val="75000"/>
+              </a:schemeClr>
+            </a:gs>
+            <a:gs pos="97000">
+              <a:schemeClr val="accent1">
+                <a:lumMod val="70000"/>
+              </a:schemeClr>
+            </a:gs>
+          </a:gsLst>
+          <a:path path="circle">
+            <a:fillToRect l="50000" t="50000" r="50000" b="50000"/>
+          </a:path>
+        </a:gradFill>
+        <a:effectLst/>
+      </p:bgPr>
+    </p:bg>
+    <p:spTree>
+      <p:nvGrpSpPr>
+        <p:cNvPr id="1" name=""/>
+        <p:cNvGrpSpPr/>
+        <p:nvPr/>
+      </p:nvGrpSpPr>
+      <p:grpSpPr>
+        <a:xfrm>
+          <a:off x="0" y="0"/>
+          <a:ext cx="0" cy="0"/>
+          <a:chOff x="0" y="0"/>
+          <a:chExt cx="0" cy="0"/>
+        </a:xfrm>
+      </p:grpSpPr>
+      <p:sp useBgFill="1">
+        <p:nvSpPr>
+          <p:cNvPr id="23" name="Slide Background">
+            <a:extLst>
+              <a:ext uri="{FF2B5EF4-FFF2-40B4-BE49-F238E27FC236}">
+                <a16:creationId xmlns:a16="http://schemas.microsoft.com/office/drawing/2014/main" id="{9F7D5CDA-D291-4307-BF55-1381FED29634}"/>
+              </a:ext>
+              <a:ext uri="{C183D7F6-B498-43B3-948B-1728B52AA6E4}">
+                <adec:decorative xmlns:adec="http://schemas.microsoft.com/office/drawing/2017/decorative" val="1"/>
+              </a:ext>
+            </a:extLst>
+          </p:cNvPr>
+          <p:cNvSpPr>
+            <a:spLocks noGrp="1" noRot="1" noChangeAspect="1" noMove="1" noResize="1" noEditPoints="1" noAdjustHandles="1" noChangeArrowheads="1" noChangeShapeType="1" noTextEdit="1"/>
+          </p:cNvSpPr>
+          <p:nvPr>
+            <p:extLst>
+              <p:ext uri="{386F3935-93C4-4BCD-93E2-E3B085C9AB24}">
+                <p16:designElem xmlns:p16="http://schemas.microsoft.com/office/powerpoint/2015/main" val="1"/>
+              </p:ext>
+            </p:extLst>
+          </p:nvPr>
+        </p:nvSpPr>
+        <p:spPr>
+          <a:xfrm>
+            <a:off x="0" y="0"/>
+            <a:ext cx="12192000" cy="6858000"/>
+          </a:xfrm>
+          <a:prstGeom prst="rect">
+            <a:avLst/>
+          </a:prstGeom>
+          <a:ln>
+            <a:noFill/>
+          </a:ln>
+        </p:spPr>
+        <p:style>
+          <a:lnRef idx="2">
+            <a:schemeClr val="accent1">
+              <a:shade val="50000"/>
+            </a:schemeClr>
+          </a:lnRef>
+          <a:fillRef idx="1">
+            <a:schemeClr val="accent1"/>
+          </a:fillRef>
+          <a:effectRef idx="0">
+            <a:schemeClr val="accent1"/>
+          </a:effectRef>
+          <a:fontRef idx="minor">
+            <a:schemeClr val="lt1"/>
+          </a:fontRef>
+        </p:style>
+        <p:txBody>
+          <a:bodyPr rtlCol="0" anchor="ctr"/>
+          <a:lstStyle/>
+          <a:p>
+            <a:pPr algn="ctr"/>
+            <a:endParaRPr lang="en-US"/>
+          </a:p>
+        </p:txBody>
+      </p:sp>
+      <p:pic>
+        <p:nvPicPr>
+          <p:cNvPr id="5" name="Picture 4" descr="Close-up of a server network panel with lights and cables">
+            <a:extLst>
+              <a:ext uri="{FF2B5EF4-FFF2-40B4-BE49-F238E27FC236}">
+                <a16:creationId xmlns:a16="http://schemas.microsoft.com/office/drawing/2014/main" id="{A82CD197-555F-B652-D0AF-1E085CFD1C6C}"/>
+              </a:ext>
+            </a:extLst>
+          </p:cNvPr>
+          <p:cNvPicPr>
+            <a:picLocks noChangeAspect="1"/>
+          </p:cNvPicPr>
+          <p:nvPr/>
+        </p:nvPicPr>
+        <p:blipFill>
+          <a:blip r:embed="rId2"/>
+          <a:srcRect l="3568" r="37166" b="-1"/>
+          <a:stretch/>
+        </p:blipFill>
+        <p:spPr>
+          <a:xfrm>
+            <a:off x="6014703" y="10"/>
+            <a:ext cx="6088971" cy="6857990"/>
+          </a:xfrm>
+          <a:prstGeom prst="rect">
+            <a:avLst/>
+          </a:prstGeom>
+        </p:spPr>
+      </p:pic>
+      <p:sp useBgFill="1">
+        <p:nvSpPr>
+          <p:cNvPr id="25" name="Rectangle 24">
+            <a:extLst>
+              <a:ext uri="{FF2B5EF4-FFF2-40B4-BE49-F238E27FC236}">
+                <a16:creationId xmlns:a16="http://schemas.microsoft.com/office/drawing/2014/main" id="{59B296B9-C5A5-4E4F-9B60-C907B5F1466C}"/>
+              </a:ext>
+              <a:ext uri="{C183D7F6-B498-43B3-948B-1728B52AA6E4}">
+                <adec:decorative xmlns:adec="http://schemas.microsoft.com/office/drawing/2017/decorative" val="1"/>
+              </a:ext>
+            </a:extLst>
+          </p:cNvPr>
+          <p:cNvSpPr>
+            <a:spLocks noGrp="1" noRot="1" noChangeAspect="1" noMove="1" noResize="1" noEditPoints="1" noAdjustHandles="1" noChangeArrowheads="1" noChangeShapeType="1" noTextEdit="1"/>
+          </p:cNvSpPr>
+          <p:nvPr>
+            <p:extLst>
+              <p:ext uri="{386F3935-93C4-4BCD-93E2-E3B085C9AB24}">
+                <p16:designElem xmlns:p16="http://schemas.microsoft.com/office/powerpoint/2015/main" val="1"/>
+              </p:ext>
+            </p:extLst>
+          </p:nvPr>
+        </p:nvSpPr>
+        <p:spPr>
+          <a:xfrm>
+            <a:off x="0" y="0"/>
+            <a:ext cx="6103025" cy="6858000"/>
+          </a:xfrm>
+          <a:prstGeom prst="rect">
+            <a:avLst/>
+          </a:prstGeom>
+          <a:ln>
+            <a:noFill/>
+          </a:ln>
+          <a:effectLst>
+            <a:outerShdw blurRad="889000" dist="406400" dir="21540000" sx="90000" sy="90000" algn="t" rotWithShape="0">
+              <a:srgbClr val="000000">
+                <a:alpha val="20000"/>
+              </a:srgbClr>
+            </a:outerShdw>
+          </a:effectLst>
+        </p:spPr>
+        <p:style>
+          <a:lnRef idx="2">
+            <a:schemeClr val="accent1">
+              <a:shade val="50000"/>
+            </a:schemeClr>
+          </a:lnRef>
+          <a:fillRef idx="1">
+            <a:schemeClr val="accent1"/>
+          </a:fillRef>
+          <a:effectRef idx="0">
+            <a:schemeClr val="accent1"/>
+          </a:effectRef>
+          <a:fontRef idx="minor">
+            <a:schemeClr val="lt1"/>
+          </a:fontRef>
+        </p:style>
+        <p:txBody>
+          <a:bodyPr rtlCol="0" anchor="ctr"/>
+          <a:lstStyle/>
+          <a:p>
+            <a:pPr algn="ctr"/>
+            <a:endParaRPr lang="en-US"/>
+          </a:p>
+        </p:txBody>
+      </p:sp>
+      <p:sp useBgFill="1">
+        <p:nvSpPr>
+          <p:cNvPr id="27" name="Rectangle 26">
+            <a:extLst>
+              <a:ext uri="{FF2B5EF4-FFF2-40B4-BE49-F238E27FC236}">
+                <a16:creationId xmlns:a16="http://schemas.microsoft.com/office/drawing/2014/main" id="{D0300FD3-5AF1-6305-15FA-9078072672E2}"/>
+              </a:ext>
+              <a:ext uri="{C183D7F6-B498-43B3-948B-1728B52AA6E4}">
+                <adec:decorative xmlns:adec="http://schemas.microsoft.com/office/drawing/2017/decorative" val="1"/>
+              </a:ext>
+            </a:extLst>
+          </p:cNvPr>
+          <p:cNvSpPr>
+            <a:spLocks noGrp="1" noRot="1" noChangeAspect="1" noMove="1" noResize="1" noEditPoints="1" noAdjustHandles="1" noChangeArrowheads="1" noChangeShapeType="1" noTextEdit="1"/>
+          </p:cNvSpPr>
+          <p:nvPr>
+            <p:extLst>
+              <p:ext uri="{386F3935-93C4-4BCD-93E2-E3B085C9AB24}">
+                <p16:designElem xmlns:p16="http://schemas.microsoft.com/office/powerpoint/2015/main" val="1"/>
+              </p:ext>
+            </p:extLst>
+          </p:nvPr>
+        </p:nvSpPr>
+        <p:spPr>
+          <a:xfrm>
+            <a:off x="0" y="0"/>
+            <a:ext cx="6103025" cy="2285995"/>
+          </a:xfrm>
+          <a:prstGeom prst="rect">
+            <a:avLst/>
+          </a:prstGeom>
+          <a:ln>
+            <a:noFill/>
+          </a:ln>
+          <a:effectLst>
+            <a:outerShdw blurRad="254000" dist="127000" dir="5460000" sx="92000" sy="92000" algn="t" rotWithShape="0">
+              <a:srgbClr val="000000">
+                <a:alpha val="30000"/>
+              </a:srgbClr>
+            </a:outerShdw>
+          </a:effectLst>
+        </p:spPr>
+        <p:style>
+          <a:lnRef idx="2">
+            <a:schemeClr val="accent1">
+              <a:shade val="50000"/>
+            </a:schemeClr>
+          </a:lnRef>
+          <a:fillRef idx="1">
+            <a:schemeClr val="accent1"/>
+          </a:fillRef>
+          <a:effectRef idx="0">
+            <a:schemeClr val="accent1"/>
+          </a:effectRef>
+          <a:fontRef idx="minor">
+            <a:schemeClr val="lt1"/>
+          </a:fontRef>
+        </p:style>
+        <p:txBody>
+          <a:bodyPr rtlCol="0" anchor="ctr"/>
+          <a:lstStyle/>
+          <a:p>
+            <a:pPr algn="ctr"/>
+            <a:endParaRPr lang="en-US"/>
+          </a:p>
+        </p:txBody>
+      </p:sp>
+      <p:sp>
+        <p:nvSpPr>
+          <p:cNvPr id="2" name="Title 1">
+            <a:extLst>
+              <a:ext uri="{FF2B5EF4-FFF2-40B4-BE49-F238E27FC236}">
+                <a16:creationId xmlns:a16="http://schemas.microsoft.com/office/drawing/2014/main" id="{B1DE36E0-FC06-6797-7024-4D633188D67D}"/>
+              </a:ext>
+            </a:extLst>
+          </p:cNvPr>
+          <p:cNvSpPr>
+            <a:spLocks noGrp="1"/>
+          </p:cNvSpPr>
+          <p:nvPr>
+            <p:ph type="title"/>
+          </p:nvPr>
+        </p:nvSpPr>
+        <p:spPr>
+          <a:xfrm>
+            <a:off x="325968" y="-77317"/>
+            <a:ext cx="5362767" cy="1118151"/>
+          </a:xfrm>
+        </p:spPr>
+        <p:txBody>
+          <a:bodyPr anchor="ctr">
+            <a:normAutofit/>
+          </a:bodyPr>
+          <a:lstStyle/>
+          <a:p>
+            <a:r>
+              <a:rPr lang="en-US" sz="4000" dirty="0"/>
+              <a:t>Defense mechanisms</a:t>
+            </a:r>
+            <a:endParaRPr lang="he-IL" sz="4000" dirty="0"/>
+          </a:p>
+        </p:txBody>
+      </p:sp>
+      <p:sp>
+        <p:nvSpPr>
+          <p:cNvPr id="3" name="Content Placeholder 2">
+            <a:extLst>
+              <a:ext uri="{FF2B5EF4-FFF2-40B4-BE49-F238E27FC236}">
+                <a16:creationId xmlns:a16="http://schemas.microsoft.com/office/drawing/2014/main" id="{6AABFAFE-6BD0-6172-BAC0-BF84C76BCCF0}"/>
+              </a:ext>
+            </a:extLst>
+          </p:cNvPr>
+          <p:cNvSpPr>
+            <a:spLocks noGrp="1"/>
+          </p:cNvSpPr>
+          <p:nvPr>
+            <p:ph idx="1"/>
+          </p:nvPr>
+        </p:nvSpPr>
+        <p:spPr>
+          <a:xfrm>
+            <a:off x="288398" y="3168150"/>
+            <a:ext cx="4659756" cy="3374137"/>
+          </a:xfrm>
+        </p:spPr>
+        <p:txBody>
+          <a:bodyPr anchor="ctr">
+            <a:normAutofit/>
+          </a:bodyPr>
+          <a:lstStyle/>
+          <a:p>
+            <a:r>
+              <a:rPr lang="en-US" sz="1400" dirty="0">
+                <a:solidFill>
+                  <a:schemeClr val="bg1"/>
+                </a:solidFill>
+              </a:rPr>
+              <a:t>BPDU Guard - protects the network by preventing unauthorized switches or devices, such as a </a:t>
+            </a:r>
+            <a:r>
+              <a:rPr lang="en-US" sz="1400" b="1" dirty="0">
+                <a:solidFill>
+                  <a:schemeClr val="bg1"/>
+                </a:solidFill>
+              </a:rPr>
+              <a:t>Kali Linux machine</a:t>
+            </a:r>
+            <a:r>
+              <a:rPr lang="en-US" sz="1400" dirty="0">
+                <a:solidFill>
+                  <a:schemeClr val="bg1"/>
+                </a:solidFill>
+              </a:rPr>
+              <a:t>, from injecting </a:t>
+            </a:r>
+            <a:r>
+              <a:rPr lang="en-US" sz="1400" b="1" dirty="0">
+                <a:solidFill>
+                  <a:schemeClr val="bg1"/>
+                </a:solidFill>
+              </a:rPr>
+              <a:t>Bridge Protocol Data Units (BPDUs)</a:t>
+            </a:r>
+            <a:r>
+              <a:rPr lang="en-US" sz="1400" dirty="0">
+                <a:solidFill>
+                  <a:schemeClr val="bg1"/>
+                </a:solidFill>
+              </a:rPr>
+              <a:t> into the network. When BPDU Guard is enabled on an interface (typically an access port), it automatically </a:t>
+            </a:r>
+            <a:r>
+              <a:rPr lang="en-US" sz="1400" b="1" dirty="0">
+                <a:solidFill>
+                  <a:schemeClr val="bg1"/>
+                </a:solidFill>
+              </a:rPr>
+              <a:t>shuts down</a:t>
+            </a:r>
+            <a:r>
+              <a:rPr lang="en-US" sz="1400" dirty="0">
+                <a:solidFill>
+                  <a:schemeClr val="bg1"/>
+                </a:solidFill>
+              </a:rPr>
+              <a:t> the port if any BPDU is received. This prevents an attacker using a Kali machine from attempting to become the root bridge by sending fake </a:t>
+            </a:r>
+            <a:r>
+              <a:rPr lang="en-US" sz="1400" b="1" dirty="0">
+                <a:solidFill>
+                  <a:schemeClr val="bg1"/>
+                </a:solidFill>
+              </a:rPr>
+              <a:t>superior BPDUs</a:t>
+            </a:r>
+            <a:r>
+              <a:rPr lang="en-US" sz="1400" dirty="0">
+                <a:solidFill>
+                  <a:schemeClr val="bg1"/>
+                </a:solidFill>
+              </a:rPr>
+              <a:t>, which could lead to a network topology change or even a denial of service. Enabling BPDU Guard on all access ports ensures that only legitimate switches participate in STP, enhancing network security and stability.</a:t>
+            </a:r>
+            <a:endParaRPr lang="he-IL" sz="1400" dirty="0">
+              <a:solidFill>
+                <a:schemeClr val="bg1"/>
+              </a:solidFill>
+            </a:endParaRPr>
+          </a:p>
+        </p:txBody>
+      </p:sp>
+      <p:sp>
+        <p:nvSpPr>
+          <p:cNvPr id="6" name="Content Placeholder 2">
+            <a:extLst>
+              <a:ext uri="{FF2B5EF4-FFF2-40B4-BE49-F238E27FC236}">
+                <a16:creationId xmlns:a16="http://schemas.microsoft.com/office/drawing/2014/main" id="{17C24704-276C-10F7-2616-8A839548A2E6}"/>
+              </a:ext>
+            </a:extLst>
+          </p:cNvPr>
+          <p:cNvSpPr txBox="1">
+            <a:spLocks/>
+          </p:cNvSpPr>
+          <p:nvPr/>
+        </p:nvSpPr>
+        <p:spPr>
+          <a:xfrm>
+            <a:off x="325968" y="922561"/>
+            <a:ext cx="4226452" cy="2726868"/>
+          </a:xfrm>
+          <a:prstGeom prst="rect">
+            <a:avLst/>
+          </a:prstGeom>
+        </p:spPr>
+        <p:txBody>
+          <a:bodyPr vert="horz" lIns="91440" tIns="45720" rIns="91440" bIns="45720" rtlCol="0" anchor="ctr">
+            <a:normAutofit/>
+          </a:bodyPr>
+          <a:lstStyle>
+            <a:lvl1pPr marL="228600" indent="-228600" algn="l" defTabSz="914400" rtl="0" eaLnBrk="1" latinLnBrk="0" hangingPunct="1">
+              <a:lnSpc>
+                <a:spcPct val="90000"/>
+              </a:lnSpc>
+              <a:spcBef>
+                <a:spcPts val="1000"/>
+              </a:spcBef>
+              <a:buFont typeface="Arial" panose="020B0604020202020204" pitchFamily="34" charset="0"/>
+              <a:buChar char="•"/>
+              <a:defRPr sz="2800" kern="1200">
+                <a:solidFill>
+                  <a:schemeClr val="tx1"/>
+                </a:solidFill>
+                <a:latin typeface="+mn-lt"/>
+                <a:ea typeface="+mn-ea"/>
+                <a:cs typeface="+mn-cs"/>
+              </a:defRPr>
+            </a:lvl1pPr>
+            <a:lvl2pPr marL="685800" indent="-228600" algn="l" defTabSz="914400" rtl="0" eaLnBrk="1" latinLnBrk="0" hangingPunct="1">
+              <a:lnSpc>
+                <a:spcPct val="90000"/>
+              </a:lnSpc>
+              <a:spcBef>
+                <a:spcPts val="500"/>
+              </a:spcBef>
+              <a:buFont typeface="Arial" panose="020B0604020202020204" pitchFamily="34" charset="0"/>
+              <a:buChar char="•"/>
+              <a:defRPr sz="2400" kern="1200">
+                <a:solidFill>
+                  <a:schemeClr val="tx1"/>
+                </a:solidFill>
+                <a:latin typeface="+mn-lt"/>
+                <a:ea typeface="+mn-ea"/>
+                <a:cs typeface="+mn-cs"/>
+              </a:defRPr>
+            </a:lvl2pPr>
+            <a:lvl3pPr marL="1143000" indent="-228600" algn="l" defTabSz="914400" rtl="0" eaLnBrk="1" latinLnBrk="0" hangingPunct="1">
+              <a:lnSpc>
+                <a:spcPct val="90000"/>
+              </a:lnSpc>
+              <a:spcBef>
+                <a:spcPts val="500"/>
+              </a:spcBef>
+              <a:buFont typeface="Arial" panose="020B0604020202020204" pitchFamily="34" charset="0"/>
+              <a:buChar char="•"/>
+              <a:defRPr sz="2000" kern="1200">
+                <a:solidFill>
+                  <a:schemeClr val="tx1"/>
+                </a:solidFill>
+                <a:latin typeface="+mn-lt"/>
+                <a:ea typeface="+mn-ea"/>
+                <a:cs typeface="+mn-cs"/>
+              </a:defRPr>
+            </a:lvl3pPr>
+            <a:lvl4pPr marL="1600200" indent="-228600" algn="l" defTabSz="914400" rtl="0" eaLnBrk="1" latinLnBrk="0" hangingPunct="1">
+              <a:lnSpc>
+                <a:spcPct val="90000"/>
+              </a:lnSpc>
+              <a:spcBef>
+                <a:spcPts val="500"/>
+              </a:spcBef>
+              <a:buFont typeface="Arial" panose="020B0604020202020204" pitchFamily="34" charset="0"/>
+              <a:buChar char="•"/>
+              <a:defRPr sz="1800" kern="1200">
+                <a:solidFill>
+                  <a:schemeClr val="tx1"/>
+                </a:solidFill>
+                <a:latin typeface="+mn-lt"/>
+                <a:ea typeface="+mn-ea"/>
+                <a:cs typeface="+mn-cs"/>
+              </a:defRPr>
+            </a:lvl4pPr>
+            <a:lvl5pPr marL="2057400" indent="-228600" algn="l" defTabSz="914400" rtl="0" eaLnBrk="1" latinLnBrk="0" hangingPunct="1">
+              <a:lnSpc>
+                <a:spcPct val="90000"/>
+              </a:lnSpc>
+              <a:spcBef>
+                <a:spcPts val="500"/>
+              </a:spcBef>
+              <a:buFont typeface="Arial" panose="020B0604020202020204" pitchFamily="34" charset="0"/>
+              <a:buChar char="•"/>
+              <a:defRPr sz="1800" kern="1200">
+                <a:solidFill>
+                  <a:schemeClr val="tx1"/>
+                </a:solidFill>
+                <a:latin typeface="+mn-lt"/>
+                <a:ea typeface="+mn-ea"/>
+                <a:cs typeface="+mn-cs"/>
+              </a:defRPr>
+            </a:lvl5pPr>
+            <a:lvl6pPr marL="2514600" indent="-228600" algn="l" defTabSz="914400" rtl="0" eaLnBrk="1" latinLnBrk="0" hangingPunct="1">
+              <a:lnSpc>
+                <a:spcPct val="90000"/>
+              </a:lnSpc>
+              <a:spcBef>
+                <a:spcPts val="500"/>
+              </a:spcBef>
+              <a:buFont typeface="Arial" panose="020B0604020202020204" pitchFamily="34" charset="0"/>
+              <a:buChar char="•"/>
+              <a:defRPr sz="1800" kern="1200">
+                <a:solidFill>
+                  <a:schemeClr val="tx1"/>
+                </a:solidFill>
+                <a:latin typeface="+mn-lt"/>
+                <a:ea typeface="+mn-ea"/>
+                <a:cs typeface="+mn-cs"/>
+              </a:defRPr>
+            </a:lvl6pPr>
+            <a:lvl7pPr marL="2971800" indent="-228600" algn="l" defTabSz="914400" rtl="0" eaLnBrk="1" latinLnBrk="0" hangingPunct="1">
+              <a:lnSpc>
+                <a:spcPct val="90000"/>
+              </a:lnSpc>
+              <a:spcBef>
+                <a:spcPts val="500"/>
+              </a:spcBef>
+              <a:buFont typeface="Arial" panose="020B0604020202020204" pitchFamily="34" charset="0"/>
+              <a:buChar char="•"/>
+              <a:defRPr sz="1800" kern="1200">
+                <a:solidFill>
+                  <a:schemeClr val="tx1"/>
+                </a:solidFill>
+                <a:latin typeface="+mn-lt"/>
+                <a:ea typeface="+mn-ea"/>
+                <a:cs typeface="+mn-cs"/>
+              </a:defRPr>
+            </a:lvl7pPr>
+            <a:lvl8pPr marL="3429000" indent="-228600" algn="l" defTabSz="914400" rtl="0" eaLnBrk="1" latinLnBrk="0" hangingPunct="1">
+              <a:lnSpc>
+                <a:spcPct val="90000"/>
+              </a:lnSpc>
+              <a:spcBef>
+                <a:spcPts val="500"/>
+              </a:spcBef>
+              <a:buFont typeface="Arial" panose="020B0604020202020204" pitchFamily="34" charset="0"/>
+              <a:buChar char="•"/>
+              <a:defRPr sz="1800" kern="1200">
+                <a:solidFill>
+                  <a:schemeClr val="tx1"/>
+                </a:solidFill>
+                <a:latin typeface="+mn-lt"/>
+                <a:ea typeface="+mn-ea"/>
+                <a:cs typeface="+mn-cs"/>
+              </a:defRPr>
+            </a:lvl8pPr>
+            <a:lvl9pPr marL="3886200" indent="-228600" algn="l" defTabSz="914400" rtl="0" eaLnBrk="1" latinLnBrk="0" hangingPunct="1">
+              <a:lnSpc>
+                <a:spcPct val="90000"/>
+              </a:lnSpc>
+              <a:spcBef>
+                <a:spcPts val="500"/>
+              </a:spcBef>
+              <a:buFont typeface="Arial" panose="020B0604020202020204" pitchFamily="34" charset="0"/>
+              <a:buChar char="•"/>
+              <a:defRPr sz="1800" kern="1200">
+                <a:solidFill>
+                  <a:schemeClr val="tx1"/>
+                </a:solidFill>
+                <a:latin typeface="+mn-lt"/>
+                <a:ea typeface="+mn-ea"/>
+                <a:cs typeface="+mn-cs"/>
+              </a:defRPr>
+            </a:lvl9pPr>
+          </a:lstStyle>
+          <a:p>
+            <a:r>
+              <a:rPr lang="en-US" sz="1600" dirty="0">
+                <a:solidFill>
+                  <a:schemeClr val="bg1"/>
+                </a:solidFill>
+              </a:rPr>
+              <a:t>Root Guard – a Feature in STP that helps prevent an undesired switch from becoming the root bridge, It is applied on ports where you expect to connect non-root switches and want to enforce you desired root bridge placement.</a:t>
+            </a:r>
+          </a:p>
+          <a:p>
+            <a:r>
+              <a:rPr lang="en-US" sz="1600" dirty="0">
+                <a:solidFill>
+                  <a:schemeClr val="bg1"/>
+                </a:solidFill>
+                <a:highlight>
+                  <a:srgbClr val="FF00FF"/>
+                </a:highlight>
+              </a:rPr>
+              <a:t>Because the Kali-</a:t>
+            </a:r>
+            <a:r>
+              <a:rPr lang="en-US" sz="1600" dirty="0" err="1">
+                <a:solidFill>
+                  <a:schemeClr val="bg1"/>
+                </a:solidFill>
+                <a:highlight>
+                  <a:srgbClr val="FF00FF"/>
+                </a:highlight>
+              </a:rPr>
+              <a:t>linux</a:t>
+            </a:r>
+            <a:r>
+              <a:rPr lang="en-US" sz="1600" dirty="0">
+                <a:solidFill>
+                  <a:schemeClr val="bg1"/>
+                </a:solidFill>
+                <a:highlight>
+                  <a:srgbClr val="FF00FF"/>
+                </a:highlight>
+              </a:rPr>
+              <a:t> </a:t>
+            </a:r>
+            <a:r>
+              <a:rPr lang="en-US" sz="1600" dirty="0" err="1">
+                <a:solidFill>
+                  <a:schemeClr val="bg1"/>
+                </a:solidFill>
+                <a:highlight>
+                  <a:srgbClr val="FF00FF"/>
+                </a:highlight>
+              </a:rPr>
+              <a:t>Vm</a:t>
+            </a:r>
+            <a:r>
+              <a:rPr lang="en-US" sz="1600" dirty="0">
+                <a:solidFill>
+                  <a:schemeClr val="bg1"/>
+                </a:solidFill>
+                <a:highlight>
+                  <a:srgbClr val="FF00FF"/>
+                </a:highlight>
+              </a:rPr>
+              <a:t> is a End-Client and Not a Switch, we do not want to receive BPDU’s from it. So Root  guard isn’t the solution here. the solution is…</a:t>
+            </a:r>
+            <a:endParaRPr lang="he-IL" sz="1600" dirty="0">
+              <a:solidFill>
+                <a:schemeClr val="bg1"/>
+              </a:solidFill>
+              <a:highlight>
+                <a:srgbClr val="FF00FF"/>
+              </a:highlight>
+            </a:endParaRPr>
           </a:p>
         </p:txBody>
       </p:sp>
